--- a/presentation/Final-Pres.pptx
+++ b/presentation/Final-Pres.pptx
@@ -5,7 +5,7 @@
     <p:sldMasterId id="2147483648" r:id="rId1"/>
   </p:sldMasterIdLst>
   <p:notesMasterIdLst>
-    <p:notesMasterId r:id="rId39"/>
+    <p:notesMasterId r:id="rId42"/>
   </p:notesMasterIdLst>
   <p:sldIdLst>
     <p:sldId id="294" r:id="rId2"/>
@@ -40,11 +40,14 @@
     <p:sldId id="356" r:id="rId31"/>
     <p:sldId id="357" r:id="rId32"/>
     <p:sldId id="358" r:id="rId33"/>
-    <p:sldId id="359" r:id="rId34"/>
-    <p:sldId id="360" r:id="rId35"/>
-    <p:sldId id="361" r:id="rId36"/>
-    <p:sldId id="362" r:id="rId37"/>
-    <p:sldId id="363" r:id="rId38"/>
+    <p:sldId id="366" r:id="rId34"/>
+    <p:sldId id="359" r:id="rId35"/>
+    <p:sldId id="360" r:id="rId36"/>
+    <p:sldId id="361" r:id="rId37"/>
+    <p:sldId id="362" r:id="rId38"/>
+    <p:sldId id="365" r:id="rId39"/>
+    <p:sldId id="367" r:id="rId40"/>
+    <p:sldId id="363" r:id="rId41"/>
   </p:sldIdLst>
   <p:sldSz cx="12192000" cy="6858000"/>
   <p:notesSz cx="6858000" cy="9144000"/>
@@ -244,7 +247,7 @@
           <a:p>
             <a:fld id="{3268D674-B737-467F-BFDE-E1D8CEC7083C}" type="datetimeFigureOut">
               <a:rPr lang="en-US" smtClean="0"/>
-              <a:t>11/1/19</a:t>
+              <a:t>1/11/2019</a:t>
             </a:fld>
             <a:endParaRPr lang="en-US"/>
           </a:p>
@@ -639,7 +642,145 @@
           <a:bodyPr/>
           <a:lstStyle/>
           <a:p>
-            <a:endParaRPr lang="en-US" dirty="0"/>
+            <a:pPr marL="0" marR="0" indent="0" algn="l" defTabSz="914400" rtl="0" eaLnBrk="1" fontAlgn="auto" latinLnBrk="0" hangingPunct="1">
+              <a:lnSpc>
+                <a:spcPct val="100000"/>
+              </a:lnSpc>
+              <a:spcBef>
+                <a:spcPts val="0"/>
+              </a:spcBef>
+              <a:spcAft>
+                <a:spcPts val="0"/>
+              </a:spcAft>
+              <a:buClrTx/>
+              <a:buSzTx/>
+              <a:buFontTx/>
+              <a:buNone/>
+              <a:tabLst/>
+              <a:defRPr/>
+            </a:pPr>
+            <a:r>
+              <a:rPr lang="en-US" sz="1200" kern="1200" dirty="0" smtClean="0">
+                <a:solidFill>
+                  <a:schemeClr val="tx1"/>
+                </a:solidFill>
+                <a:effectLst/>
+                <a:latin typeface="+mn-lt"/>
+                <a:ea typeface="+mn-ea"/>
+                <a:cs typeface="+mn-cs"/>
+              </a:rPr>
+              <a:t>Swagger is an open-source software framework backed by a large ecosystem of tools that helps developers design, build, document, and consume RESTful web services. While most users identify Swagger by the Swagger UI tool, the Swagger toolset includes support for automated documentation, code generation, and test-case generation.</a:t>
+            </a:r>
+          </a:p>
+          <a:p>
+            <a:endParaRPr lang="en-US" dirty="0" smtClean="0"/>
+          </a:p>
+          <a:p>
+            <a:endParaRPr lang="en-US" dirty="0" smtClean="0"/>
+          </a:p>
+          <a:p>
+            <a:r>
+              <a:rPr lang="en-US" sz="1200" kern="1200" dirty="0" smtClean="0">
+                <a:solidFill>
+                  <a:schemeClr val="tx1"/>
+                </a:solidFill>
+                <a:effectLst/>
+                <a:latin typeface="+mn-lt"/>
+                <a:ea typeface="+mn-ea"/>
+                <a:cs typeface="+mn-cs"/>
+              </a:rPr>
+              <a:t>Here are some advantages of Swagger:</a:t>
+            </a:r>
+          </a:p>
+          <a:p>
+            <a:r>
+              <a:rPr lang="en-US" sz="1200" kern="1200" dirty="0" smtClean="0">
+                <a:solidFill>
+                  <a:schemeClr val="tx1"/>
+                </a:solidFill>
+                <a:effectLst/>
+                <a:latin typeface="+mn-lt"/>
+                <a:ea typeface="+mn-ea"/>
+                <a:cs typeface="+mn-cs"/>
+              </a:rPr>
+              <a:t>-Dependency Free: </a:t>
+            </a:r>
+            <a:r>
+              <a:rPr lang="en-US" sz="1200" kern="1200" baseline="0" dirty="0" smtClean="0">
+                <a:solidFill>
+                  <a:schemeClr val="tx1"/>
+                </a:solidFill>
+                <a:effectLst/>
+                <a:latin typeface="+mn-lt"/>
+                <a:ea typeface="+mn-ea"/>
+                <a:cs typeface="+mn-cs"/>
+              </a:rPr>
+              <a:t> </a:t>
+            </a:r>
+            <a:r>
+              <a:rPr lang="en-US" sz="1200" kern="1200" dirty="0" smtClean="0">
+                <a:solidFill>
+                  <a:schemeClr val="tx1"/>
+                </a:solidFill>
+                <a:effectLst/>
+                <a:latin typeface="+mn-lt"/>
+                <a:ea typeface="+mn-ea"/>
+                <a:cs typeface="+mn-cs"/>
+              </a:rPr>
+              <a:t>The UI works in any development environment, be it locally or in the web</a:t>
+            </a:r>
+          </a:p>
+          <a:p>
+            <a:r>
+              <a:rPr lang="en-US" sz="1200" kern="1200" dirty="0" smtClean="0">
+                <a:solidFill>
+                  <a:schemeClr val="tx1"/>
+                </a:solidFill>
+                <a:effectLst/>
+                <a:latin typeface="+mn-lt"/>
+                <a:ea typeface="+mn-ea"/>
+                <a:cs typeface="+mn-cs"/>
+              </a:rPr>
+              <a:t>-Human Friendly: Allow end developers to effortlessly interact and try out every single operation your API exposes for easy consumption</a:t>
+            </a:r>
+          </a:p>
+          <a:p>
+            <a:r>
+              <a:rPr lang="en-US" sz="1200" kern="1200" dirty="0" smtClean="0">
+                <a:solidFill>
+                  <a:schemeClr val="tx1"/>
+                </a:solidFill>
+                <a:effectLst/>
+                <a:latin typeface="+mn-lt"/>
+                <a:ea typeface="+mn-ea"/>
+                <a:cs typeface="+mn-cs"/>
+              </a:rPr>
+              <a:t>-All Browser Support:</a:t>
+            </a:r>
+            <a:r>
+              <a:rPr lang="en-US" sz="1200" kern="1200" baseline="0" dirty="0" smtClean="0">
+                <a:solidFill>
+                  <a:schemeClr val="tx1"/>
+                </a:solidFill>
+                <a:effectLst/>
+                <a:latin typeface="+mn-lt"/>
+                <a:ea typeface="+mn-ea"/>
+                <a:cs typeface="+mn-cs"/>
+              </a:rPr>
+              <a:t> </a:t>
+            </a:r>
+            <a:r>
+              <a:rPr lang="en-US" sz="1200" kern="1200" dirty="0" smtClean="0">
+                <a:solidFill>
+                  <a:schemeClr val="tx1"/>
+                </a:solidFill>
+                <a:effectLst/>
+                <a:latin typeface="+mn-lt"/>
+                <a:ea typeface="+mn-ea"/>
+                <a:cs typeface="+mn-cs"/>
+              </a:rPr>
+              <a:t>Cater to every possible scenario with Swagger UI working in all major browsers</a:t>
+            </a:r>
           </a:p>
         </p:txBody>
       </p:sp>
@@ -660,7 +801,7 @@
           <a:p>
             <a:fld id="{0552E81F-2B3A-4989-A6E5-7D037F336AA9}" type="slidenum">
               <a:rPr lang="en-US" smtClean="0"/>
-              <a:t>14</a:t>
+              <a:t>12</a:t>
             </a:fld>
             <a:endParaRPr lang="en-US"/>
           </a:p>
@@ -669,7 +810,7 @@
     </p:spTree>
     <p:extLst>
       <p:ext uri="{BB962C8B-B14F-4D97-AF65-F5344CB8AC3E}">
-        <p14:creationId xmlns:p14="http://schemas.microsoft.com/office/powerpoint/2010/main" val="2837983971"/>
+        <p14:creationId xmlns:p14="http://schemas.microsoft.com/office/powerpoint/2010/main" val="2206277948"/>
       </p:ext>
     </p:extLst>
   </p:cSld>
@@ -723,6 +864,56 @@
           <a:bodyPr/>
           <a:lstStyle/>
           <a:p>
+            <a:r>
+              <a:rPr lang="en-US" sz="1200" kern="1200" dirty="0" smtClean="0">
+                <a:solidFill>
+                  <a:schemeClr val="tx1"/>
+                </a:solidFill>
+                <a:effectLst/>
+                <a:latin typeface="+mn-lt"/>
+                <a:ea typeface="+mn-ea"/>
+                <a:cs typeface="+mn-cs"/>
+              </a:rPr>
+              <a:t>Docker is an open-source project for automating the deployment of applications as portable, self-sufficient containers that can run on the cloud or on-premises</a:t>
+            </a:r>
+          </a:p>
+          <a:p>
+            <a:endParaRPr lang="en-US" sz="1200" kern="1200" dirty="0" smtClean="0">
+              <a:solidFill>
+                <a:schemeClr val="tx1"/>
+              </a:solidFill>
+              <a:effectLst/>
+              <a:latin typeface="+mn-lt"/>
+              <a:ea typeface="+mn-ea"/>
+              <a:cs typeface="+mn-cs"/>
+            </a:endParaRPr>
+          </a:p>
+          <a:p>
+            <a:r>
+              <a:rPr lang="en-US" sz="1200" kern="1200" dirty="0" smtClean="0">
+                <a:solidFill>
+                  <a:schemeClr val="tx1"/>
+                </a:solidFill>
+                <a:effectLst/>
+                <a:latin typeface="+mn-lt"/>
+                <a:ea typeface="+mn-ea"/>
+                <a:cs typeface="+mn-cs"/>
+              </a:rPr>
+              <a:t>Docker is a tool designed to make it easier to create, deploy, and run applications by using containers. Containers allow a developer to package up an application with all of the parts it needs, such as libraries and other dependencies, and ship it all out as one package. </a:t>
+            </a:r>
+          </a:p>
+          <a:p>
+            <a:endParaRPr lang="en-US" sz="1200" kern="1200" dirty="0" smtClean="0">
+              <a:solidFill>
+                <a:schemeClr val="tx1"/>
+              </a:solidFill>
+              <a:effectLst/>
+              <a:latin typeface="+mn-lt"/>
+              <a:ea typeface="+mn-ea"/>
+              <a:cs typeface="+mn-cs"/>
+            </a:endParaRPr>
+          </a:p>
+          <a:p>
             <a:endParaRPr lang="en-US" dirty="0"/>
           </a:p>
         </p:txBody>
@@ -744,7 +935,7 @@
           <a:p>
             <a:fld id="{0552E81F-2B3A-4989-A6E5-7D037F336AA9}" type="slidenum">
               <a:rPr lang="en-US" smtClean="0"/>
-              <a:t>15</a:t>
+              <a:t>14</a:t>
             </a:fld>
             <a:endParaRPr lang="en-US"/>
           </a:p>
@@ -753,7 +944,7 @@
     </p:spTree>
     <p:extLst>
       <p:ext uri="{BB962C8B-B14F-4D97-AF65-F5344CB8AC3E}">
-        <p14:creationId xmlns:p14="http://schemas.microsoft.com/office/powerpoint/2010/main" val="2759796237"/>
+        <p14:creationId xmlns:p14="http://schemas.microsoft.com/office/powerpoint/2010/main" val="2837983971"/>
       </p:ext>
     </p:extLst>
   </p:cSld>
@@ -807,6 +998,32 @@
           <a:bodyPr/>
           <a:lstStyle/>
           <a:p>
+            <a:r>
+              <a:rPr lang="en-US" dirty="0" smtClean="0"/>
+              <a:t>Containerization is an approach to software development in which an application or service, its dependencies, and its configuration are packaged together as a container image. The containerized application can be tested as a unit and deployed as a container image instance to the host operating system.</a:t>
+            </a:r>
+          </a:p>
+          <a:p>
+            <a:endParaRPr lang="en-US" dirty="0" smtClean="0"/>
+          </a:p>
+          <a:p>
+            <a:r>
+              <a:rPr lang="en-US" dirty="0" smtClean="0"/>
+              <a:t>The containers</a:t>
+            </a:r>
+            <a:r>
+              <a:rPr lang="en-US" baseline="0" dirty="0" smtClean="0"/>
+              <a:t> are considered as isolated applications, because of their independence.</a:t>
+            </a:r>
+          </a:p>
+          <a:p>
+            <a:endParaRPr lang="en-US" baseline="0" dirty="0" smtClean="0"/>
+          </a:p>
+          <a:p>
+            <a:r>
+              <a:rPr lang="en-US" baseline="0" dirty="0" smtClean="0"/>
+              <a:t>Containerization has several benefits including isolation, portability, agility and scalability.</a:t>
+            </a:r>
             <a:endParaRPr lang="en-US" dirty="0"/>
           </a:p>
         </p:txBody>
@@ -828,7 +1045,7 @@
           <a:p>
             <a:fld id="{0552E81F-2B3A-4989-A6E5-7D037F336AA9}" type="slidenum">
               <a:rPr lang="en-US" smtClean="0"/>
-              <a:t>16</a:t>
+              <a:t>15</a:t>
             </a:fld>
             <a:endParaRPr lang="en-US"/>
           </a:p>
@@ -837,7 +1054,7 @@
     </p:spTree>
     <p:extLst>
       <p:ext uri="{BB962C8B-B14F-4D97-AF65-F5344CB8AC3E}">
-        <p14:creationId xmlns:p14="http://schemas.microsoft.com/office/powerpoint/2010/main" val="428325960"/>
+        <p14:creationId xmlns:p14="http://schemas.microsoft.com/office/powerpoint/2010/main" val="2759796237"/>
       </p:ext>
     </p:extLst>
   </p:cSld>
@@ -891,24 +1108,510 @@
           <a:bodyPr/>
           <a:lstStyle/>
           <a:p>
-            <a:pPr marL="0" marR="0" lvl="0" indent="0" algn="l" defTabSz="914400" rtl="0" eaLnBrk="1" fontAlgn="auto" latinLnBrk="0" hangingPunct="1">
-              <a:lnSpc>
-                <a:spcPct val="100000"/>
-              </a:lnSpc>
-              <a:spcBef>
-                <a:spcPts val="0"/>
-              </a:spcBef>
-              <a:spcAft>
-                <a:spcPts val="0"/>
-              </a:spcAft>
-              <a:buClrTx/>
-              <a:buSzTx/>
-              <a:buFontTx/>
-              <a:buNone/>
-              <a:tabLst/>
-              <a:defRPr/>
-            </a:pPr>
-            <a:endParaRPr lang="en-US" sz="1200" dirty="0"/>
+            <a:r>
+              <a:rPr lang="en-US" sz="1200" u="none" kern="1200" dirty="0" smtClean="0">
+                <a:solidFill>
+                  <a:schemeClr val="tx1"/>
+                </a:solidFill>
+                <a:effectLst/>
+                <a:latin typeface="+mn-lt"/>
+                <a:ea typeface="+mn-ea"/>
+                <a:cs typeface="+mn-cs"/>
+              </a:rPr>
+              <a:t>Docker has several fundamental</a:t>
+            </a:r>
+            <a:r>
+              <a:rPr lang="en-US" sz="1200" u="none" kern="1200" baseline="0" dirty="0" smtClean="0">
+                <a:solidFill>
+                  <a:schemeClr val="tx1"/>
+                </a:solidFill>
+                <a:effectLst/>
+                <a:latin typeface="+mn-lt"/>
+                <a:ea typeface="+mn-ea"/>
+                <a:cs typeface="+mn-cs"/>
+              </a:rPr>
+              <a:t> concepts:</a:t>
+            </a:r>
+          </a:p>
+          <a:p>
+            <a:endParaRPr lang="en-US" sz="1200" u="none" kern="1200" dirty="0" smtClean="0">
+              <a:solidFill>
+                <a:schemeClr val="tx1"/>
+              </a:solidFill>
+              <a:effectLst/>
+              <a:latin typeface="+mn-lt"/>
+              <a:ea typeface="+mn-ea"/>
+              <a:cs typeface="+mn-cs"/>
+            </a:endParaRPr>
+          </a:p>
+          <a:p>
+            <a:r>
+              <a:rPr lang="en-US" sz="1200" u="sng" kern="1200" dirty="0" smtClean="0">
+                <a:solidFill>
+                  <a:schemeClr val="tx1"/>
+                </a:solidFill>
+                <a:effectLst/>
+                <a:latin typeface="+mn-lt"/>
+                <a:ea typeface="+mn-ea"/>
+                <a:cs typeface="+mn-cs"/>
+              </a:rPr>
+              <a:t>Docker Client </a:t>
+            </a:r>
+            <a:endParaRPr lang="en-US" sz="1200" kern="1200" dirty="0" smtClean="0">
+              <a:solidFill>
+                <a:schemeClr val="tx1"/>
+              </a:solidFill>
+              <a:effectLst/>
+              <a:latin typeface="+mn-lt"/>
+              <a:ea typeface="+mn-ea"/>
+              <a:cs typeface="+mn-cs"/>
+            </a:endParaRPr>
+          </a:p>
+          <a:p>
+            <a:r>
+              <a:rPr lang="en-US" sz="1200" kern="1200" dirty="0" smtClean="0">
+                <a:solidFill>
+                  <a:schemeClr val="tx1"/>
+                </a:solidFill>
+                <a:effectLst/>
+                <a:latin typeface="+mn-lt"/>
+                <a:ea typeface="+mn-ea"/>
+                <a:cs typeface="+mn-cs"/>
+              </a:rPr>
+              <a:t>The Docker Client is what the end-user of Docker</a:t>
+            </a:r>
+            <a:r>
+              <a:rPr lang="en-US" sz="1200" kern="1200" baseline="0" dirty="0" smtClean="0">
+                <a:solidFill>
+                  <a:schemeClr val="tx1"/>
+                </a:solidFill>
+                <a:effectLst/>
+                <a:latin typeface="+mn-lt"/>
+                <a:ea typeface="+mn-ea"/>
+                <a:cs typeface="+mn-cs"/>
+              </a:rPr>
+              <a:t> </a:t>
+            </a:r>
+            <a:r>
+              <a:rPr lang="en-US" sz="1200" kern="1200" dirty="0" smtClean="0">
+                <a:solidFill>
+                  <a:schemeClr val="tx1"/>
+                </a:solidFill>
+                <a:effectLst/>
+                <a:latin typeface="+mn-lt"/>
+                <a:ea typeface="+mn-ea"/>
+                <a:cs typeface="+mn-cs"/>
+              </a:rPr>
+              <a:t>communicates with. It is like the UI for Docker. The developer communicates with the Docker Client, which then communicates the instructions to the Docker Daemon. </a:t>
+            </a:r>
+          </a:p>
+          <a:p>
+            <a:endParaRPr lang="en-US" sz="1200" u="sng" kern="1200" dirty="0" smtClean="0">
+              <a:solidFill>
+                <a:schemeClr val="tx1"/>
+              </a:solidFill>
+              <a:effectLst/>
+              <a:latin typeface="+mn-lt"/>
+              <a:ea typeface="+mn-ea"/>
+              <a:cs typeface="+mn-cs"/>
+            </a:endParaRPr>
+          </a:p>
+          <a:p>
+            <a:r>
+              <a:rPr lang="en-US" sz="1200" u="sng" kern="1200" dirty="0" smtClean="0">
+                <a:solidFill>
+                  <a:schemeClr val="tx1"/>
+                </a:solidFill>
+                <a:effectLst/>
+                <a:latin typeface="+mn-lt"/>
+                <a:ea typeface="+mn-ea"/>
+                <a:cs typeface="+mn-cs"/>
+              </a:rPr>
+              <a:t>Docker Daemon </a:t>
+            </a:r>
+            <a:endParaRPr lang="en-US" sz="1200" kern="1200" dirty="0" smtClean="0">
+              <a:solidFill>
+                <a:schemeClr val="tx1"/>
+              </a:solidFill>
+              <a:effectLst/>
+              <a:latin typeface="+mn-lt"/>
+              <a:ea typeface="+mn-ea"/>
+              <a:cs typeface="+mn-cs"/>
+            </a:endParaRPr>
+          </a:p>
+          <a:p>
+            <a:r>
+              <a:rPr lang="en-US" sz="1200" kern="1200" dirty="0" smtClean="0">
+                <a:solidFill>
+                  <a:schemeClr val="tx1"/>
+                </a:solidFill>
+                <a:effectLst/>
+                <a:latin typeface="+mn-lt"/>
+                <a:ea typeface="+mn-ea"/>
+                <a:cs typeface="+mn-cs"/>
+              </a:rPr>
+              <a:t>The Docker daemon is what actually executes commands sent to the Docker Client — like building, running, and distributing your containers. The Docker Daemon runs on the host machine, but as a user, you never communicate directly with the Daemon. </a:t>
+            </a:r>
+          </a:p>
+          <a:p>
+            <a:endParaRPr lang="en-US" sz="1200" u="sng" kern="1200" dirty="0" smtClean="0">
+              <a:solidFill>
+                <a:schemeClr val="tx1"/>
+              </a:solidFill>
+              <a:effectLst/>
+              <a:latin typeface="+mn-lt"/>
+              <a:ea typeface="+mn-ea"/>
+              <a:cs typeface="+mn-cs"/>
+            </a:endParaRPr>
+          </a:p>
+          <a:p>
+            <a:r>
+              <a:rPr lang="en-US" sz="1200" u="sng" kern="1200" dirty="0" err="1" smtClean="0">
+                <a:solidFill>
+                  <a:schemeClr val="tx1"/>
+                </a:solidFill>
+                <a:effectLst/>
+                <a:latin typeface="+mn-lt"/>
+                <a:ea typeface="+mn-ea"/>
+                <a:cs typeface="+mn-cs"/>
+              </a:rPr>
+              <a:t>Dockerfile</a:t>
+            </a:r>
+            <a:r>
+              <a:rPr lang="en-US" sz="1200" u="sng" kern="1200" dirty="0" smtClean="0">
+                <a:solidFill>
+                  <a:schemeClr val="tx1"/>
+                </a:solidFill>
+                <a:effectLst/>
+                <a:latin typeface="+mn-lt"/>
+                <a:ea typeface="+mn-ea"/>
+                <a:cs typeface="+mn-cs"/>
+              </a:rPr>
+              <a:t> </a:t>
+            </a:r>
+            <a:endParaRPr lang="en-US" sz="1200" kern="1200" dirty="0" smtClean="0">
+              <a:solidFill>
+                <a:schemeClr val="tx1"/>
+              </a:solidFill>
+              <a:effectLst/>
+              <a:latin typeface="+mn-lt"/>
+              <a:ea typeface="+mn-ea"/>
+              <a:cs typeface="+mn-cs"/>
+            </a:endParaRPr>
+          </a:p>
+          <a:p>
+            <a:r>
+              <a:rPr lang="en-US" sz="1200" kern="1200" dirty="0" smtClean="0">
+                <a:solidFill>
+                  <a:schemeClr val="tx1"/>
+                </a:solidFill>
+                <a:effectLst/>
+                <a:latin typeface="+mn-lt"/>
+                <a:ea typeface="+mn-ea"/>
+                <a:cs typeface="+mn-cs"/>
+              </a:rPr>
+              <a:t>A </a:t>
+            </a:r>
+            <a:r>
+              <a:rPr lang="en-US" sz="1200" kern="1200" dirty="0" err="1" smtClean="0">
+                <a:solidFill>
+                  <a:schemeClr val="tx1"/>
+                </a:solidFill>
+                <a:effectLst/>
+                <a:latin typeface="+mn-lt"/>
+                <a:ea typeface="+mn-ea"/>
+                <a:cs typeface="+mn-cs"/>
+              </a:rPr>
+              <a:t>Dockerfile</a:t>
+            </a:r>
+            <a:r>
+              <a:rPr lang="en-US" sz="1200" kern="1200" dirty="0" smtClean="0">
+                <a:solidFill>
+                  <a:schemeClr val="tx1"/>
+                </a:solidFill>
+                <a:effectLst/>
+                <a:latin typeface="+mn-lt"/>
+                <a:ea typeface="+mn-ea"/>
+                <a:cs typeface="+mn-cs"/>
+              </a:rPr>
+              <a:t> is where the instructions are written to build a Docker image. </a:t>
+            </a:r>
+            <a:br>
+              <a:rPr lang="en-US" sz="1200" kern="1200" dirty="0" smtClean="0">
+                <a:solidFill>
+                  <a:schemeClr val="tx1"/>
+                </a:solidFill>
+                <a:effectLst/>
+                <a:latin typeface="+mn-lt"/>
+                <a:ea typeface="+mn-ea"/>
+                <a:cs typeface="+mn-cs"/>
+              </a:rPr>
+            </a:br>
+            <a:endParaRPr lang="en-US" sz="1200" kern="1200" dirty="0" smtClean="0">
+              <a:solidFill>
+                <a:schemeClr val="tx1"/>
+              </a:solidFill>
+              <a:effectLst/>
+              <a:latin typeface="+mn-lt"/>
+              <a:ea typeface="+mn-ea"/>
+              <a:cs typeface="+mn-cs"/>
+            </a:endParaRPr>
+          </a:p>
+          <a:p>
+            <a:r>
+              <a:rPr lang="en-US" sz="1200" u="sng" kern="1200" dirty="0" smtClean="0">
+                <a:solidFill>
+                  <a:schemeClr val="tx1"/>
+                </a:solidFill>
+                <a:effectLst/>
+                <a:latin typeface="+mn-lt"/>
+                <a:ea typeface="+mn-ea"/>
+                <a:cs typeface="+mn-cs"/>
+              </a:rPr>
+              <a:t>Docker Image </a:t>
+            </a:r>
+            <a:endParaRPr lang="en-US" sz="1200" kern="1200" dirty="0" smtClean="0">
+              <a:solidFill>
+                <a:schemeClr val="tx1"/>
+              </a:solidFill>
+              <a:effectLst/>
+              <a:latin typeface="+mn-lt"/>
+              <a:ea typeface="+mn-ea"/>
+              <a:cs typeface="+mn-cs"/>
+            </a:endParaRPr>
+          </a:p>
+          <a:p>
+            <a:r>
+              <a:rPr lang="en-US" sz="1200" kern="1200" dirty="0" smtClean="0">
+                <a:solidFill>
+                  <a:schemeClr val="tx1"/>
+                </a:solidFill>
+                <a:effectLst/>
+                <a:latin typeface="+mn-lt"/>
+                <a:ea typeface="+mn-ea"/>
+                <a:cs typeface="+mn-cs"/>
+              </a:rPr>
+              <a:t>Images are read-only templates that you build from a set of instructions written in the</a:t>
+            </a:r>
+            <a:r>
+              <a:rPr lang="en-US" sz="1200" kern="1200" baseline="0" dirty="0" smtClean="0">
+                <a:solidFill>
+                  <a:schemeClr val="tx1"/>
+                </a:solidFill>
+                <a:effectLst/>
+                <a:latin typeface="+mn-lt"/>
+                <a:ea typeface="+mn-ea"/>
+                <a:cs typeface="+mn-cs"/>
+              </a:rPr>
+              <a:t> </a:t>
+            </a:r>
+            <a:r>
+              <a:rPr lang="en-US" sz="1200" kern="1200" dirty="0" err="1" smtClean="0">
+                <a:solidFill>
+                  <a:schemeClr val="tx1"/>
+                </a:solidFill>
+                <a:effectLst/>
+                <a:latin typeface="+mn-lt"/>
+                <a:ea typeface="+mn-ea"/>
+                <a:cs typeface="+mn-cs"/>
+              </a:rPr>
+              <a:t>Dockerfile</a:t>
+            </a:r>
+            <a:r>
+              <a:rPr lang="en-US" sz="1200" kern="1200" dirty="0" smtClean="0">
+                <a:solidFill>
+                  <a:schemeClr val="tx1"/>
+                </a:solidFill>
+                <a:effectLst/>
+                <a:latin typeface="+mn-lt"/>
+                <a:ea typeface="+mn-ea"/>
+                <a:cs typeface="+mn-cs"/>
+              </a:rPr>
+              <a:t>. </a:t>
+            </a:r>
+          </a:p>
+          <a:p>
+            <a:r>
+              <a:rPr lang="en-US" sz="1200" kern="1200" dirty="0" smtClean="0">
+                <a:solidFill>
+                  <a:schemeClr val="tx1"/>
+                </a:solidFill>
+                <a:effectLst/>
+                <a:latin typeface="+mn-lt"/>
+                <a:ea typeface="+mn-ea"/>
+                <a:cs typeface="+mn-cs"/>
+              </a:rPr>
+              <a:t>The Docker image is built using a </a:t>
+            </a:r>
+            <a:r>
+              <a:rPr lang="en-US" sz="1200" kern="1200" dirty="0" err="1" smtClean="0">
+                <a:solidFill>
+                  <a:schemeClr val="tx1"/>
+                </a:solidFill>
+                <a:effectLst/>
+                <a:latin typeface="+mn-lt"/>
+                <a:ea typeface="+mn-ea"/>
+                <a:cs typeface="+mn-cs"/>
+              </a:rPr>
+              <a:t>Dockerfile</a:t>
+            </a:r>
+            <a:r>
+              <a:rPr lang="en-US" sz="1200" kern="1200" dirty="0" smtClean="0">
+                <a:solidFill>
+                  <a:schemeClr val="tx1"/>
+                </a:solidFill>
+                <a:effectLst/>
+                <a:latin typeface="+mn-lt"/>
+                <a:ea typeface="+mn-ea"/>
+                <a:cs typeface="+mn-cs"/>
+              </a:rPr>
+              <a:t>. Each instruction in the </a:t>
+            </a:r>
+            <a:r>
+              <a:rPr lang="en-US" sz="1200" kern="1200" dirty="0" err="1" smtClean="0">
+                <a:solidFill>
+                  <a:schemeClr val="tx1"/>
+                </a:solidFill>
+                <a:effectLst/>
+                <a:latin typeface="+mn-lt"/>
+                <a:ea typeface="+mn-ea"/>
+                <a:cs typeface="+mn-cs"/>
+              </a:rPr>
+              <a:t>Dockerfile</a:t>
+            </a:r>
+            <a:r>
+              <a:rPr lang="en-US" sz="1200" kern="1200" dirty="0" smtClean="0">
+                <a:solidFill>
+                  <a:schemeClr val="tx1"/>
+                </a:solidFill>
+                <a:effectLst/>
+                <a:latin typeface="+mn-lt"/>
+                <a:ea typeface="+mn-ea"/>
+                <a:cs typeface="+mn-cs"/>
+              </a:rPr>
+              <a:t> adds a new “layer” to the image, with layers representing a portion of the images file system that either adds to or replaces the layer below it.</a:t>
+            </a:r>
+          </a:p>
+          <a:p>
+            <a:endParaRPr lang="en-US" sz="1200" u="sng" kern="1200" dirty="0" smtClean="0">
+              <a:solidFill>
+                <a:schemeClr val="tx1"/>
+              </a:solidFill>
+              <a:effectLst/>
+              <a:latin typeface="+mn-lt"/>
+              <a:ea typeface="+mn-ea"/>
+              <a:cs typeface="+mn-cs"/>
+            </a:endParaRPr>
+          </a:p>
+          <a:p>
+            <a:r>
+              <a:rPr lang="en-US" sz="1200" u="sng" kern="1200" dirty="0" smtClean="0">
+                <a:solidFill>
+                  <a:schemeClr val="tx1"/>
+                </a:solidFill>
+                <a:effectLst/>
+                <a:latin typeface="+mn-lt"/>
+                <a:ea typeface="+mn-ea"/>
+                <a:cs typeface="+mn-cs"/>
+              </a:rPr>
+              <a:t>Volumes </a:t>
+            </a:r>
+            <a:endParaRPr lang="en-US" sz="1200" kern="1200" dirty="0" smtClean="0">
+              <a:solidFill>
+                <a:schemeClr val="tx1"/>
+              </a:solidFill>
+              <a:effectLst/>
+              <a:latin typeface="+mn-lt"/>
+              <a:ea typeface="+mn-ea"/>
+              <a:cs typeface="+mn-cs"/>
+            </a:endParaRPr>
+          </a:p>
+          <a:p>
+            <a:r>
+              <a:rPr lang="en-US" sz="1200" kern="1200" dirty="0" smtClean="0">
+                <a:solidFill>
+                  <a:schemeClr val="tx1"/>
+                </a:solidFill>
+                <a:effectLst/>
+                <a:latin typeface="+mn-lt"/>
+                <a:ea typeface="+mn-ea"/>
+                <a:cs typeface="+mn-cs"/>
+              </a:rPr>
+              <a:t>Volumes are the “data” part of a container, initialized when a container is created. Volumes allow to persist and share a container’s data. Even if we destroy, update, or rebuild a container, the data volumes will remain untouched. </a:t>
+            </a:r>
+          </a:p>
+          <a:p>
+            <a:endParaRPr lang="en-US" sz="1200" u="sng" kern="1200" dirty="0" smtClean="0">
+              <a:solidFill>
+                <a:schemeClr val="tx1"/>
+              </a:solidFill>
+              <a:effectLst/>
+              <a:latin typeface="+mn-lt"/>
+              <a:ea typeface="+mn-ea"/>
+              <a:cs typeface="+mn-cs"/>
+            </a:endParaRPr>
+          </a:p>
+          <a:p>
+            <a:r>
+              <a:rPr lang="en-US" sz="1200" u="sng" kern="1200" dirty="0" smtClean="0">
+                <a:solidFill>
+                  <a:schemeClr val="tx1"/>
+                </a:solidFill>
+                <a:effectLst/>
+                <a:latin typeface="+mn-lt"/>
+                <a:ea typeface="+mn-ea"/>
+                <a:cs typeface="+mn-cs"/>
+              </a:rPr>
+              <a:t>Docker Containers </a:t>
+            </a:r>
+            <a:endParaRPr lang="en-US" sz="1200" kern="1200" dirty="0" smtClean="0">
+              <a:solidFill>
+                <a:schemeClr val="tx1"/>
+              </a:solidFill>
+              <a:effectLst/>
+              <a:latin typeface="+mn-lt"/>
+              <a:ea typeface="+mn-ea"/>
+              <a:cs typeface="+mn-cs"/>
+            </a:endParaRPr>
+          </a:p>
+          <a:p>
+            <a:r>
+              <a:rPr lang="en-US" sz="1200" kern="1200" dirty="0" smtClean="0">
+                <a:solidFill>
+                  <a:schemeClr val="tx1"/>
+                </a:solidFill>
+                <a:effectLst/>
+                <a:latin typeface="+mn-lt"/>
+                <a:ea typeface="+mn-ea"/>
+                <a:cs typeface="+mn-cs"/>
+              </a:rPr>
+              <a:t>A Docker container</a:t>
+            </a:r>
+            <a:r>
+              <a:rPr lang="en-US" sz="1200" kern="1200" baseline="0" dirty="0" smtClean="0">
+                <a:solidFill>
+                  <a:schemeClr val="tx1"/>
+                </a:solidFill>
+                <a:effectLst/>
+                <a:latin typeface="+mn-lt"/>
+                <a:ea typeface="+mn-ea"/>
+                <a:cs typeface="+mn-cs"/>
+              </a:rPr>
+              <a:t> </a:t>
+            </a:r>
+            <a:r>
+              <a:rPr lang="en-US" sz="1200" kern="1200" dirty="0" smtClean="0">
+                <a:solidFill>
+                  <a:schemeClr val="tx1"/>
+                </a:solidFill>
+                <a:effectLst/>
+                <a:latin typeface="+mn-lt"/>
+                <a:ea typeface="+mn-ea"/>
+                <a:cs typeface="+mn-cs"/>
+              </a:rPr>
+              <a:t>wraps an application’s software into an invisible box with everything the application needs to run. That includes the operating system, application code, runtime, system tools, system libraries, and etc. Docker containers are built off Docker images. </a:t>
+            </a:r>
+            <a:endParaRPr lang="en-US" dirty="0"/>
           </a:p>
         </p:txBody>
       </p:sp>
@@ -929,7 +1632,7 @@
           <a:p>
             <a:fld id="{0552E81F-2B3A-4989-A6E5-7D037F336AA9}" type="slidenum">
               <a:rPr lang="en-US" smtClean="0"/>
-              <a:t>18</a:t>
+              <a:t>16</a:t>
             </a:fld>
             <a:endParaRPr lang="en-US"/>
           </a:p>
@@ -938,7 +1641,7 @@
     </p:spTree>
     <p:extLst>
       <p:ext uri="{BB962C8B-B14F-4D97-AF65-F5344CB8AC3E}">
-        <p14:creationId xmlns:p14="http://schemas.microsoft.com/office/powerpoint/2010/main" val="3460629590"/>
+        <p14:creationId xmlns:p14="http://schemas.microsoft.com/office/powerpoint/2010/main" val="428325960"/>
       </p:ext>
     </p:extLst>
   </p:cSld>
@@ -992,24 +1695,52 @@
           <a:bodyPr/>
           <a:lstStyle/>
           <a:p>
-            <a:pPr marL="0" marR="0" lvl="0" indent="0" algn="l" defTabSz="914400" rtl="0" eaLnBrk="1" fontAlgn="auto" latinLnBrk="0" hangingPunct="1">
-              <a:lnSpc>
-                <a:spcPct val="100000"/>
-              </a:lnSpc>
-              <a:spcBef>
-                <a:spcPts val="0"/>
-              </a:spcBef>
-              <a:spcAft>
-                <a:spcPts val="0"/>
-              </a:spcAft>
-              <a:buClrTx/>
-              <a:buSzTx/>
-              <a:buFontTx/>
-              <a:buNone/>
-              <a:tabLst/>
-              <a:defRPr/>
-            </a:pPr>
-            <a:endParaRPr lang="en-US" sz="1200" dirty="0"/>
+            <a:r>
+              <a:rPr lang="en-US" sz="1200" kern="1200" dirty="0" smtClean="0">
+                <a:solidFill>
+                  <a:schemeClr val="tx1"/>
+                </a:solidFill>
+                <a:effectLst/>
+                <a:latin typeface="+mn-lt"/>
+                <a:ea typeface="+mn-ea"/>
+                <a:cs typeface="+mn-cs"/>
+              </a:rPr>
+              <a:t>A message broker is “a program that translates a message to a formal messaging protocol of the sender, to the formal messaging protocol of the receiver”.</a:t>
+            </a:r>
+          </a:p>
+          <a:p>
+            <a:endParaRPr lang="en-US" sz="1200" kern="1200" dirty="0" smtClean="0">
+              <a:solidFill>
+                <a:schemeClr val="tx1"/>
+              </a:solidFill>
+              <a:effectLst/>
+              <a:latin typeface="+mn-lt"/>
+              <a:ea typeface="+mn-ea"/>
+              <a:cs typeface="+mn-cs"/>
+            </a:endParaRPr>
+          </a:p>
+          <a:p>
+            <a:r>
+              <a:rPr lang="en-US" sz="1200" kern="1200" dirty="0" smtClean="0">
+                <a:solidFill>
+                  <a:schemeClr val="tx1"/>
+                </a:solidFill>
+                <a:effectLst/>
+                <a:latin typeface="+mn-lt"/>
+                <a:ea typeface="+mn-ea"/>
+                <a:cs typeface="+mn-cs"/>
+              </a:rPr>
+              <a:t>The primary purpose of a broker is to take incoming messages from applications and perform some action on them. </a:t>
+            </a:r>
+            <a:endParaRPr lang="en-US" sz="1200" kern="1200" dirty="0">
+              <a:solidFill>
+                <a:schemeClr val="tx1"/>
+              </a:solidFill>
+              <a:effectLst/>
+              <a:latin typeface="+mn-lt"/>
+              <a:ea typeface="+mn-ea"/>
+              <a:cs typeface="+mn-cs"/>
+            </a:endParaRPr>
           </a:p>
         </p:txBody>
       </p:sp>
@@ -1030,7 +1761,7 @@
           <a:p>
             <a:fld id="{0552E81F-2B3A-4989-A6E5-7D037F336AA9}" type="slidenum">
               <a:rPr lang="en-US" smtClean="0"/>
-              <a:t>19</a:t>
+              <a:t>18</a:t>
             </a:fld>
             <a:endParaRPr lang="en-US"/>
           </a:p>
@@ -1039,7 +1770,7 @@
     </p:spTree>
     <p:extLst>
       <p:ext uri="{BB962C8B-B14F-4D97-AF65-F5344CB8AC3E}">
-        <p14:creationId xmlns:p14="http://schemas.microsoft.com/office/powerpoint/2010/main" val="2271333421"/>
+        <p14:creationId xmlns:p14="http://schemas.microsoft.com/office/powerpoint/2010/main" val="3460629590"/>
       </p:ext>
     </p:extLst>
   </p:cSld>
@@ -1110,7 +1841,184 @@
               <a:tabLst/>
               <a:defRPr/>
             </a:pPr>
-            <a:endParaRPr lang="en-US" sz="1200" dirty="0"/>
+            <a:r>
+              <a:rPr lang="en-US" sz="1200" kern="1200" dirty="0" err="1" smtClean="0">
+                <a:solidFill>
+                  <a:schemeClr val="tx1"/>
+                </a:solidFill>
+                <a:effectLst/>
+                <a:latin typeface="+mn-lt"/>
+                <a:ea typeface="+mn-ea"/>
+                <a:cs typeface="+mn-cs"/>
+              </a:rPr>
+              <a:t>RabbitMQ</a:t>
+            </a:r>
+            <a:r>
+              <a:rPr lang="en-US" sz="1200" kern="1200" dirty="0" smtClean="0">
+                <a:solidFill>
+                  <a:schemeClr val="tx1"/>
+                </a:solidFill>
+                <a:effectLst/>
+                <a:latin typeface="+mn-lt"/>
+                <a:ea typeface="+mn-ea"/>
+                <a:cs typeface="+mn-cs"/>
+              </a:rPr>
+              <a:t> is an open-source message-broker software.</a:t>
+            </a:r>
+          </a:p>
+          <a:p>
+            <a:pPr marL="0" marR="0" lvl="0" indent="0" algn="l" defTabSz="914400" rtl="0" eaLnBrk="1" fontAlgn="auto" latinLnBrk="0" hangingPunct="1">
+              <a:lnSpc>
+                <a:spcPct val="100000"/>
+              </a:lnSpc>
+              <a:spcBef>
+                <a:spcPts val="0"/>
+              </a:spcBef>
+              <a:spcAft>
+                <a:spcPts val="0"/>
+              </a:spcAft>
+              <a:buClrTx/>
+              <a:buSzTx/>
+              <a:buFontTx/>
+              <a:buNone/>
+              <a:tabLst/>
+              <a:defRPr/>
+            </a:pPr>
+            <a:endParaRPr lang="en-US" sz="1200" kern="1200" dirty="0" smtClean="0">
+              <a:solidFill>
+                <a:schemeClr val="tx1"/>
+              </a:solidFill>
+              <a:effectLst/>
+              <a:latin typeface="+mn-lt"/>
+              <a:ea typeface="+mn-ea"/>
+              <a:cs typeface="+mn-cs"/>
+            </a:endParaRPr>
+          </a:p>
+          <a:p>
+            <a:pPr marL="0" marR="0" lvl="0" indent="0" algn="l" defTabSz="914400" rtl="0" eaLnBrk="1" fontAlgn="auto" latinLnBrk="0" hangingPunct="1">
+              <a:lnSpc>
+                <a:spcPct val="100000"/>
+              </a:lnSpc>
+              <a:spcBef>
+                <a:spcPts val="0"/>
+              </a:spcBef>
+              <a:spcAft>
+                <a:spcPts val="0"/>
+              </a:spcAft>
+              <a:buClrTx/>
+              <a:buSzTx/>
+              <a:buFontTx/>
+              <a:buNone/>
+              <a:tabLst/>
+              <a:defRPr/>
+            </a:pPr>
+            <a:r>
+              <a:rPr lang="en-US" sz="1200" kern="1200" dirty="0" err="1" smtClean="0">
+                <a:solidFill>
+                  <a:schemeClr val="tx1"/>
+                </a:solidFill>
+                <a:effectLst/>
+                <a:latin typeface="+mn-lt"/>
+                <a:ea typeface="+mn-ea"/>
+                <a:cs typeface="+mn-cs"/>
+              </a:rPr>
+              <a:t>RabbitMQ</a:t>
+            </a:r>
+            <a:r>
+              <a:rPr lang="en-US" sz="1200" kern="1200" dirty="0" smtClean="0">
+                <a:solidFill>
+                  <a:schemeClr val="tx1"/>
+                </a:solidFill>
+                <a:effectLst/>
+                <a:latin typeface="+mn-lt"/>
+                <a:ea typeface="+mn-ea"/>
+                <a:cs typeface="+mn-cs"/>
+              </a:rPr>
+              <a:t> is also a way to exchange the data between different platform applications such as a message sent from </a:t>
+            </a:r>
+            <a:r>
+              <a:rPr lang="en-US" sz="1200" kern="1200" dirty="0" err="1" smtClean="0">
+                <a:solidFill>
+                  <a:schemeClr val="tx1"/>
+                </a:solidFill>
+                <a:effectLst/>
+                <a:latin typeface="+mn-lt"/>
+                <a:ea typeface="+mn-ea"/>
+                <a:cs typeface="+mn-cs"/>
+              </a:rPr>
+              <a:t>.Net</a:t>
+            </a:r>
+            <a:r>
+              <a:rPr lang="en-US" sz="1200" kern="1200" dirty="0" smtClean="0">
+                <a:solidFill>
+                  <a:schemeClr val="tx1"/>
+                </a:solidFill>
+                <a:effectLst/>
+                <a:latin typeface="+mn-lt"/>
+                <a:ea typeface="+mn-ea"/>
+                <a:cs typeface="+mn-cs"/>
+              </a:rPr>
+              <a:t> application can be read by a Node.js application or Java application.</a:t>
+            </a:r>
+          </a:p>
+          <a:p>
+            <a:pPr marL="0" marR="0" lvl="0" indent="0" algn="l" defTabSz="914400" rtl="0" eaLnBrk="1" fontAlgn="auto" latinLnBrk="0" hangingPunct="1">
+              <a:lnSpc>
+                <a:spcPct val="100000"/>
+              </a:lnSpc>
+              <a:spcBef>
+                <a:spcPts val="0"/>
+              </a:spcBef>
+              <a:spcAft>
+                <a:spcPts val="0"/>
+              </a:spcAft>
+              <a:buClrTx/>
+              <a:buSzTx/>
+              <a:buFontTx/>
+              <a:buNone/>
+              <a:tabLst/>
+              <a:defRPr/>
+            </a:pPr>
+            <a:endParaRPr lang="en-US" sz="1200" kern="1200" dirty="0" smtClean="0">
+              <a:solidFill>
+                <a:schemeClr val="tx1"/>
+              </a:solidFill>
+              <a:effectLst/>
+              <a:latin typeface="+mn-lt"/>
+              <a:ea typeface="+mn-ea"/>
+              <a:cs typeface="+mn-cs"/>
+            </a:endParaRPr>
+          </a:p>
+          <a:p>
+            <a:pPr marL="0" marR="0" lvl="0" indent="0" algn="l" defTabSz="914400" rtl="0" eaLnBrk="1" fontAlgn="auto" latinLnBrk="0" hangingPunct="1">
+              <a:lnSpc>
+                <a:spcPct val="100000"/>
+              </a:lnSpc>
+              <a:spcBef>
+                <a:spcPts val="0"/>
+              </a:spcBef>
+              <a:spcAft>
+                <a:spcPts val="0"/>
+              </a:spcAft>
+              <a:buClrTx/>
+              <a:buSzTx/>
+              <a:buFontTx/>
+              <a:buNone/>
+              <a:tabLst/>
+              <a:defRPr/>
+            </a:pPr>
+            <a:r>
+              <a:rPr lang="en-US" sz="1200" kern="1200" dirty="0" smtClean="0">
+                <a:solidFill>
+                  <a:schemeClr val="tx1"/>
+                </a:solidFill>
+                <a:effectLst/>
+                <a:latin typeface="+mn-lt"/>
+                <a:ea typeface="+mn-ea"/>
+                <a:cs typeface="+mn-cs"/>
+              </a:rPr>
+              <a:t>It also supports multiple operating systems and programming languages. </a:t>
+            </a:r>
           </a:p>
         </p:txBody>
       </p:sp>
@@ -1131,7 +2039,7 @@
           <a:p>
             <a:fld id="{0552E81F-2B3A-4989-A6E5-7D037F336AA9}" type="slidenum">
               <a:rPr lang="en-US" smtClean="0"/>
-              <a:t>21</a:t>
+              <a:t>19</a:t>
             </a:fld>
             <a:endParaRPr lang="en-US"/>
           </a:p>
@@ -1140,7 +2048,7 @@
     </p:spTree>
     <p:extLst>
       <p:ext uri="{BB962C8B-B14F-4D97-AF65-F5344CB8AC3E}">
-        <p14:creationId xmlns:p14="http://schemas.microsoft.com/office/powerpoint/2010/main" val="2149326402"/>
+        <p14:creationId xmlns:p14="http://schemas.microsoft.com/office/powerpoint/2010/main" val="2271333421"/>
       </p:ext>
     </p:extLst>
   </p:cSld>
@@ -1232,7 +2140,7 @@
           <a:p>
             <a:fld id="{0552E81F-2B3A-4989-A6E5-7D037F336AA9}" type="slidenum">
               <a:rPr lang="en-US" smtClean="0"/>
-              <a:t>22</a:t>
+              <a:t>21</a:t>
             </a:fld>
             <a:endParaRPr lang="en-US"/>
           </a:p>
@@ -1241,7 +2149,7 @@
     </p:spTree>
     <p:extLst>
       <p:ext uri="{BB962C8B-B14F-4D97-AF65-F5344CB8AC3E}">
-        <p14:creationId xmlns:p14="http://schemas.microsoft.com/office/powerpoint/2010/main" val="2431442550"/>
+        <p14:creationId xmlns:p14="http://schemas.microsoft.com/office/powerpoint/2010/main" val="2149326402"/>
       </p:ext>
     </p:extLst>
   </p:cSld>
@@ -1333,7 +2241,7 @@
           <a:p>
             <a:fld id="{0552E81F-2B3A-4989-A6E5-7D037F336AA9}" type="slidenum">
               <a:rPr lang="en-US" smtClean="0"/>
-              <a:t>23</a:t>
+              <a:t>22</a:t>
             </a:fld>
             <a:endParaRPr lang="en-US"/>
           </a:p>
@@ -1342,7 +2250,7 @@
     </p:spTree>
     <p:extLst>
       <p:ext uri="{BB962C8B-B14F-4D97-AF65-F5344CB8AC3E}">
-        <p14:creationId xmlns:p14="http://schemas.microsoft.com/office/powerpoint/2010/main" val="563291524"/>
+        <p14:creationId xmlns:p14="http://schemas.microsoft.com/office/powerpoint/2010/main" val="2431442550"/>
       </p:ext>
     </p:extLst>
   </p:cSld>
@@ -1434,7 +2342,7 @@
           <a:p>
             <a:fld id="{0552E81F-2B3A-4989-A6E5-7D037F336AA9}" type="slidenum">
               <a:rPr lang="en-US" smtClean="0"/>
-              <a:t>24</a:t>
+              <a:t>23</a:t>
             </a:fld>
             <a:endParaRPr lang="en-US"/>
           </a:p>
@@ -1443,7 +2351,7 @@
     </p:spTree>
     <p:extLst>
       <p:ext uri="{BB962C8B-B14F-4D97-AF65-F5344CB8AC3E}">
-        <p14:creationId xmlns:p14="http://schemas.microsoft.com/office/powerpoint/2010/main" val="378102441"/>
+        <p14:creationId xmlns:p14="http://schemas.microsoft.com/office/powerpoint/2010/main" val="563291524"/>
       </p:ext>
     </p:extLst>
   </p:cSld>
@@ -1535,7 +2443,7 @@
           <a:p>
             <a:fld id="{0552E81F-2B3A-4989-A6E5-7D037F336AA9}" type="slidenum">
               <a:rPr lang="en-US" smtClean="0"/>
-              <a:t>25</a:t>
+              <a:t>24</a:t>
             </a:fld>
             <a:endParaRPr lang="en-US"/>
           </a:p>
@@ -1544,7 +2452,7 @@
     </p:spTree>
     <p:extLst>
       <p:ext uri="{BB962C8B-B14F-4D97-AF65-F5344CB8AC3E}">
-        <p14:creationId xmlns:p14="http://schemas.microsoft.com/office/powerpoint/2010/main" val="2639990329"/>
+        <p14:creationId xmlns:p14="http://schemas.microsoft.com/office/powerpoint/2010/main" val="378102441"/>
       </p:ext>
     </p:extLst>
   </p:cSld>
@@ -1720,7 +2628,7 @@
           <a:p>
             <a:fld id="{0552E81F-2B3A-4989-A6E5-7D037F336AA9}" type="slidenum">
               <a:rPr lang="en-US" smtClean="0"/>
-              <a:t>27</a:t>
+              <a:t>25</a:t>
             </a:fld>
             <a:endParaRPr lang="en-US"/>
           </a:p>
@@ -1729,7 +2637,7 @@
     </p:spTree>
     <p:extLst>
       <p:ext uri="{BB962C8B-B14F-4D97-AF65-F5344CB8AC3E}">
-        <p14:creationId xmlns:p14="http://schemas.microsoft.com/office/powerpoint/2010/main" val="2560750505"/>
+        <p14:creationId xmlns:p14="http://schemas.microsoft.com/office/powerpoint/2010/main" val="2639990329"/>
       </p:ext>
     </p:extLst>
   </p:cSld>
@@ -1821,7 +2729,7 @@
           <a:p>
             <a:fld id="{0552E81F-2B3A-4989-A6E5-7D037F336AA9}" type="slidenum">
               <a:rPr lang="en-US" smtClean="0"/>
-              <a:t>28</a:t>
+              <a:t>27</a:t>
             </a:fld>
             <a:endParaRPr lang="en-US"/>
           </a:p>
@@ -1830,7 +2738,7 @@
     </p:spTree>
     <p:extLst>
       <p:ext uri="{BB962C8B-B14F-4D97-AF65-F5344CB8AC3E}">
-        <p14:creationId xmlns:p14="http://schemas.microsoft.com/office/powerpoint/2010/main" val="2365794837"/>
+        <p14:creationId xmlns:p14="http://schemas.microsoft.com/office/powerpoint/2010/main" val="2560750505"/>
       </p:ext>
     </p:extLst>
   </p:cSld>
@@ -1922,7 +2830,7 @@
           <a:p>
             <a:fld id="{0552E81F-2B3A-4989-A6E5-7D037F336AA9}" type="slidenum">
               <a:rPr lang="en-US" smtClean="0"/>
-              <a:t>30</a:t>
+              <a:t>28</a:t>
             </a:fld>
             <a:endParaRPr lang="en-US"/>
           </a:p>
@@ -1931,7 +2839,7 @@
     </p:spTree>
     <p:extLst>
       <p:ext uri="{BB962C8B-B14F-4D97-AF65-F5344CB8AC3E}">
-        <p14:creationId xmlns:p14="http://schemas.microsoft.com/office/powerpoint/2010/main" val="3954454589"/>
+        <p14:creationId xmlns:p14="http://schemas.microsoft.com/office/powerpoint/2010/main" val="2365794837"/>
       </p:ext>
     </p:extLst>
   </p:cSld>
@@ -2023,7 +2931,7 @@
           <a:p>
             <a:fld id="{0552E81F-2B3A-4989-A6E5-7D037F336AA9}" type="slidenum">
               <a:rPr lang="en-US" smtClean="0"/>
-              <a:t>32</a:t>
+              <a:t>30</a:t>
             </a:fld>
             <a:endParaRPr lang="en-US"/>
           </a:p>
@@ -2032,7 +2940,7 @@
     </p:spTree>
     <p:extLst>
       <p:ext uri="{BB962C8B-B14F-4D97-AF65-F5344CB8AC3E}">
-        <p14:creationId xmlns:p14="http://schemas.microsoft.com/office/powerpoint/2010/main" val="811066903"/>
+        <p14:creationId xmlns:p14="http://schemas.microsoft.com/office/powerpoint/2010/main" val="3954454589"/>
       </p:ext>
     </p:extLst>
   </p:cSld>
@@ -2124,7 +3032,7 @@
           <a:p>
             <a:fld id="{0552E81F-2B3A-4989-A6E5-7D037F336AA9}" type="slidenum">
               <a:rPr lang="en-US" smtClean="0"/>
-              <a:t>33</a:t>
+              <a:t>32</a:t>
             </a:fld>
             <a:endParaRPr lang="en-US"/>
           </a:p>
@@ -2133,7 +3041,7 @@
     </p:spTree>
     <p:extLst>
       <p:ext uri="{BB962C8B-B14F-4D97-AF65-F5344CB8AC3E}">
-        <p14:creationId xmlns:p14="http://schemas.microsoft.com/office/powerpoint/2010/main" val="836660437"/>
+        <p14:creationId xmlns:p14="http://schemas.microsoft.com/office/powerpoint/2010/main" val="811066903"/>
       </p:ext>
     </p:extLst>
   </p:cSld>
@@ -2234,7 +3142,7 @@
     </p:spTree>
     <p:extLst>
       <p:ext uri="{BB962C8B-B14F-4D97-AF65-F5344CB8AC3E}">
-        <p14:creationId xmlns:p14="http://schemas.microsoft.com/office/powerpoint/2010/main" val="3374374463"/>
+        <p14:creationId xmlns:p14="http://schemas.microsoft.com/office/powerpoint/2010/main" val="836660437"/>
       </p:ext>
     </p:extLst>
   </p:cSld>
@@ -2335,7 +3243,7 @@
     </p:spTree>
     <p:extLst>
       <p:ext uri="{BB962C8B-B14F-4D97-AF65-F5344CB8AC3E}">
-        <p14:creationId xmlns:p14="http://schemas.microsoft.com/office/powerpoint/2010/main" val="1702041642"/>
+        <p14:creationId xmlns:p14="http://schemas.microsoft.com/office/powerpoint/2010/main" val="3374374463"/>
       </p:ext>
     </p:extLst>
   </p:cSld>
@@ -2436,7 +3344,7 @@
     </p:spTree>
     <p:extLst>
       <p:ext uri="{BB962C8B-B14F-4D97-AF65-F5344CB8AC3E}">
-        <p14:creationId xmlns:p14="http://schemas.microsoft.com/office/powerpoint/2010/main" val="537443161"/>
+        <p14:creationId xmlns:p14="http://schemas.microsoft.com/office/powerpoint/2010/main" val="1702041642"/>
       </p:ext>
     </p:extLst>
   </p:cSld>
@@ -2537,7 +3445,173 @@
     </p:spTree>
     <p:extLst>
       <p:ext uri="{BB962C8B-B14F-4D97-AF65-F5344CB8AC3E}">
-        <p14:creationId xmlns:p14="http://schemas.microsoft.com/office/powerpoint/2010/main" val="1575889334"/>
+        <p14:creationId xmlns:p14="http://schemas.microsoft.com/office/powerpoint/2010/main" val="537443161"/>
+      </p:ext>
+    </p:extLst>
+  </p:cSld>
+  <p:clrMapOvr>
+    <a:masterClrMapping/>
+  </p:clrMapOvr>
+</p:notes>
+</file>
+
+<file path=ppt/notesSlides/notesSlide29.xml><?xml version="1.0" encoding="utf-8"?>
+<p:notes xmlns:a="http://schemas.openxmlformats.org/drawingml/2006/main" xmlns:r="http://schemas.openxmlformats.org/officeDocument/2006/relationships" xmlns:p="http://schemas.openxmlformats.org/presentationml/2006/main">
+  <p:cSld>
+    <p:spTree>
+      <p:nvGrpSpPr>
+        <p:cNvPr id="1" name=""/>
+        <p:cNvGrpSpPr/>
+        <p:nvPr/>
+      </p:nvGrpSpPr>
+      <p:grpSpPr>
+        <a:xfrm>
+          <a:off x="0" y="0"/>
+          <a:ext cx="0" cy="0"/>
+          <a:chOff x="0" y="0"/>
+          <a:chExt cx="0" cy="0"/>
+        </a:xfrm>
+      </p:grpSpPr>
+      <p:sp>
+        <p:nvSpPr>
+          <p:cNvPr id="2" name="Slide Image Placeholder 1"/>
+          <p:cNvSpPr>
+            <a:spLocks noGrp="1" noRot="1" noChangeAspect="1"/>
+          </p:cNvSpPr>
+          <p:nvPr>
+            <p:ph type="sldImg"/>
+          </p:nvPr>
+        </p:nvSpPr>
+        <p:spPr/>
+      </p:sp>
+      <p:sp>
+        <p:nvSpPr>
+          <p:cNvPr id="3" name="Notes Placeholder 2"/>
+          <p:cNvSpPr>
+            <a:spLocks noGrp="1"/>
+          </p:cNvSpPr>
+          <p:nvPr>
+            <p:ph type="body" idx="1"/>
+          </p:nvPr>
+        </p:nvSpPr>
+        <p:spPr/>
+        <p:txBody>
+          <a:bodyPr/>
+          <a:lstStyle/>
+          <a:p>
+            <a:r>
+              <a:rPr lang="en-US" sz="1200" kern="1200" dirty="0" smtClean="0">
+                <a:solidFill>
+                  <a:schemeClr val="tx1"/>
+                </a:solidFill>
+                <a:effectLst/>
+                <a:latin typeface="+mn-lt"/>
+                <a:ea typeface="+mn-ea"/>
+                <a:cs typeface="+mn-cs"/>
+              </a:rPr>
+              <a:t>In conclusion, we have managed to build an online shop for shoes using 3 different and completed separated </a:t>
+            </a:r>
+            <a:r>
+              <a:rPr lang="en-US" sz="1200" kern="1200" dirty="0" err="1" smtClean="0">
+                <a:solidFill>
+                  <a:schemeClr val="tx1"/>
+                </a:solidFill>
+                <a:effectLst/>
+                <a:latin typeface="+mn-lt"/>
+                <a:ea typeface="+mn-ea"/>
+                <a:cs typeface="+mn-cs"/>
+              </a:rPr>
+              <a:t>dockerzied</a:t>
+            </a:r>
+            <a:r>
+              <a:rPr lang="en-US" sz="1200" kern="1200" dirty="0" smtClean="0">
+                <a:solidFill>
+                  <a:schemeClr val="tx1"/>
+                </a:solidFill>
+                <a:effectLst/>
+                <a:latin typeface="+mn-lt"/>
+                <a:ea typeface="+mn-ea"/>
+                <a:cs typeface="+mn-cs"/>
+              </a:rPr>
+              <a:t> </a:t>
+            </a:r>
+            <a:r>
+              <a:rPr lang="en-US" sz="1200" kern="1200" dirty="0" err="1" smtClean="0">
+                <a:solidFill>
+                  <a:schemeClr val="tx1"/>
+                </a:solidFill>
+                <a:effectLst/>
+                <a:latin typeface="+mn-lt"/>
+                <a:ea typeface="+mn-ea"/>
+                <a:cs typeface="+mn-cs"/>
+              </a:rPr>
+              <a:t>microservices</a:t>
+            </a:r>
+            <a:r>
+              <a:rPr lang="en-US" sz="1200" kern="1200" dirty="0" smtClean="0">
+                <a:solidFill>
+                  <a:schemeClr val="tx1"/>
+                </a:solidFill>
+                <a:effectLst/>
+                <a:latin typeface="+mn-lt"/>
+                <a:ea typeface="+mn-ea"/>
+                <a:cs typeface="+mn-cs"/>
+              </a:rPr>
+              <a:t> developed in .NET.</a:t>
+            </a:r>
+          </a:p>
+          <a:p>
+            <a:r>
+              <a:rPr lang="en-US" sz="1200" kern="1200" dirty="0" smtClean="0">
+                <a:solidFill>
+                  <a:schemeClr val="tx1"/>
+                </a:solidFill>
+                <a:effectLst/>
+                <a:latin typeface="+mn-lt"/>
+                <a:ea typeface="+mn-ea"/>
+                <a:cs typeface="+mn-cs"/>
+              </a:rPr>
+              <a:t>The user can first look through the products to choose one, and then either order it directly or add it to their basket.</a:t>
+            </a:r>
+            <a:endParaRPr lang="en-US" sz="1200" kern="1200" dirty="0">
+              <a:solidFill>
+                <a:schemeClr val="tx1"/>
+              </a:solidFill>
+              <a:effectLst/>
+              <a:latin typeface="+mn-lt"/>
+              <a:ea typeface="+mn-ea"/>
+              <a:cs typeface="+mn-cs"/>
+            </a:endParaRPr>
+          </a:p>
+        </p:txBody>
+      </p:sp>
+      <p:sp>
+        <p:nvSpPr>
+          <p:cNvPr id="4" name="Slide Number Placeholder 3"/>
+          <p:cNvSpPr>
+            <a:spLocks noGrp="1"/>
+          </p:cNvSpPr>
+          <p:nvPr>
+            <p:ph type="sldNum" sz="quarter" idx="10"/>
+          </p:nvPr>
+        </p:nvSpPr>
+        <p:spPr/>
+        <p:txBody>
+          <a:bodyPr/>
+          <a:lstStyle/>
+          <a:p>
+            <a:fld id="{0552E81F-2B3A-4989-A6E5-7D037F336AA9}" type="slidenum">
+              <a:rPr lang="en-US" smtClean="0"/>
+              <a:t>38</a:t>
+            </a:fld>
+            <a:endParaRPr lang="en-US"/>
+          </a:p>
+        </p:txBody>
+      </p:sp>
+    </p:spTree>
+    <p:extLst>
+      <p:ext uri="{BB962C8B-B14F-4D97-AF65-F5344CB8AC3E}">
+        <p14:creationId xmlns:p14="http://schemas.microsoft.com/office/powerpoint/2010/main" val="3506182176"/>
       </p:ext>
     </p:extLst>
   </p:cSld>
@@ -2591,7 +3665,256 @@
           <a:bodyPr/>
           <a:lstStyle/>
           <a:p>
-            <a:endParaRPr lang="en-US" dirty="0"/>
+            <a:r>
+              <a:rPr lang="en-US" sz="1200" kern="1200" dirty="0" smtClean="0">
+                <a:solidFill>
+                  <a:schemeClr val="tx1"/>
+                </a:solidFill>
+                <a:effectLst/>
+                <a:latin typeface="+mn-lt"/>
+                <a:ea typeface="+mn-ea"/>
+                <a:cs typeface="+mn-cs"/>
+              </a:rPr>
+              <a:t>The application is a shoe E-Commerce website (like Amazon) that is implemented as a multi-container application. Each container is a </a:t>
+            </a:r>
+            <a:r>
+              <a:rPr lang="en-US" sz="1200" kern="1200" dirty="0" err="1" smtClean="0">
+                <a:solidFill>
+                  <a:schemeClr val="tx1"/>
+                </a:solidFill>
+                <a:effectLst/>
+                <a:latin typeface="+mn-lt"/>
+                <a:ea typeface="+mn-ea"/>
+                <a:cs typeface="+mn-cs"/>
+              </a:rPr>
+              <a:t>microservice</a:t>
+            </a:r>
+            <a:r>
+              <a:rPr lang="en-US" sz="1200" kern="1200" dirty="0" smtClean="0">
+                <a:solidFill>
+                  <a:schemeClr val="tx1"/>
+                </a:solidFill>
+                <a:effectLst/>
+                <a:latin typeface="+mn-lt"/>
+                <a:ea typeface="+mn-ea"/>
+                <a:cs typeface="+mn-cs"/>
+              </a:rPr>
+              <a:t> developed using .NET Core.</a:t>
+            </a:r>
+          </a:p>
+          <a:p>
+            <a:r>
+              <a:rPr lang="en-US" sz="1200" kern="1200" dirty="0" smtClean="0">
+                <a:solidFill>
+                  <a:schemeClr val="tx1"/>
+                </a:solidFill>
+                <a:effectLst/>
+                <a:latin typeface="+mn-lt"/>
+                <a:ea typeface="+mn-ea"/>
+                <a:cs typeface="+mn-cs"/>
+              </a:rPr>
+              <a:t>The application consists of 3 </a:t>
+            </a:r>
+            <a:r>
+              <a:rPr lang="en-US" sz="1200" kern="1200" dirty="0" err="1" smtClean="0">
+                <a:solidFill>
+                  <a:schemeClr val="tx1"/>
+                </a:solidFill>
+                <a:effectLst/>
+                <a:latin typeface="+mn-lt"/>
+                <a:ea typeface="+mn-ea"/>
+                <a:cs typeface="+mn-cs"/>
+              </a:rPr>
+              <a:t>microservices</a:t>
+            </a:r>
+            <a:r>
+              <a:rPr lang="en-US" sz="1200" kern="1200" dirty="0" smtClean="0">
+                <a:solidFill>
+                  <a:schemeClr val="tx1"/>
+                </a:solidFill>
+                <a:effectLst/>
+                <a:latin typeface="+mn-lt"/>
+                <a:ea typeface="+mn-ea"/>
+                <a:cs typeface="+mn-cs"/>
+              </a:rPr>
+              <a:t>:</a:t>
+            </a:r>
+          </a:p>
+          <a:p>
+            <a:r>
+              <a:rPr lang="en-US" sz="1200" kern="1200" dirty="0" smtClean="0">
+                <a:solidFill>
+                  <a:schemeClr val="tx1"/>
+                </a:solidFill>
+                <a:effectLst/>
+                <a:latin typeface="+mn-lt"/>
+                <a:ea typeface="+mn-ea"/>
+                <a:cs typeface="+mn-cs"/>
+              </a:rPr>
+              <a:t>1. Catalog </a:t>
+            </a:r>
+            <a:r>
+              <a:rPr lang="en-US" sz="1200" kern="1200" dirty="0" err="1" smtClean="0">
+                <a:solidFill>
+                  <a:schemeClr val="tx1"/>
+                </a:solidFill>
+                <a:effectLst/>
+                <a:latin typeface="+mn-lt"/>
+                <a:ea typeface="+mn-ea"/>
+                <a:cs typeface="+mn-cs"/>
+              </a:rPr>
+              <a:t>microservice</a:t>
+            </a:r>
+            <a:endParaRPr lang="en-US" sz="1200" kern="1200" dirty="0" smtClean="0">
+              <a:solidFill>
+                <a:schemeClr val="tx1"/>
+              </a:solidFill>
+              <a:effectLst/>
+              <a:latin typeface="+mn-lt"/>
+              <a:ea typeface="+mn-ea"/>
+              <a:cs typeface="+mn-cs"/>
+            </a:endParaRPr>
+          </a:p>
+          <a:p>
+            <a:r>
+              <a:rPr lang="en-US" sz="1200" kern="1200" dirty="0" smtClean="0">
+                <a:solidFill>
+                  <a:schemeClr val="tx1"/>
+                </a:solidFill>
+                <a:effectLst/>
+                <a:latin typeface="+mn-lt"/>
+                <a:ea typeface="+mn-ea"/>
+                <a:cs typeface="+mn-cs"/>
+              </a:rPr>
+              <a:t>2. Ordering </a:t>
+            </a:r>
+            <a:r>
+              <a:rPr lang="en-US" sz="1200" kern="1200" dirty="0" err="1" smtClean="0">
+                <a:solidFill>
+                  <a:schemeClr val="tx1"/>
+                </a:solidFill>
+                <a:effectLst/>
+                <a:latin typeface="+mn-lt"/>
+                <a:ea typeface="+mn-ea"/>
+                <a:cs typeface="+mn-cs"/>
+              </a:rPr>
+              <a:t>microservice</a:t>
+            </a:r>
+            <a:endParaRPr lang="en-US" sz="1200" kern="1200" dirty="0" smtClean="0">
+              <a:solidFill>
+                <a:schemeClr val="tx1"/>
+              </a:solidFill>
+              <a:effectLst/>
+              <a:latin typeface="+mn-lt"/>
+              <a:ea typeface="+mn-ea"/>
+              <a:cs typeface="+mn-cs"/>
+            </a:endParaRPr>
+          </a:p>
+          <a:p>
+            <a:r>
+              <a:rPr lang="en-US" sz="1200" kern="1200" dirty="0" smtClean="0">
+                <a:solidFill>
+                  <a:schemeClr val="tx1"/>
+                </a:solidFill>
+                <a:effectLst/>
+                <a:latin typeface="+mn-lt"/>
+                <a:ea typeface="+mn-ea"/>
+                <a:cs typeface="+mn-cs"/>
+              </a:rPr>
+              <a:t>3.</a:t>
+            </a:r>
+            <a:r>
+              <a:rPr lang="en-US" sz="1200" kern="1200" baseline="0" dirty="0" smtClean="0">
+                <a:solidFill>
+                  <a:schemeClr val="tx1"/>
+                </a:solidFill>
+                <a:effectLst/>
+                <a:latin typeface="+mn-lt"/>
+                <a:ea typeface="+mn-ea"/>
+                <a:cs typeface="+mn-cs"/>
+              </a:rPr>
+              <a:t> </a:t>
+            </a:r>
+            <a:r>
+              <a:rPr lang="en-US" sz="1200" kern="1200" dirty="0" smtClean="0">
+                <a:solidFill>
+                  <a:schemeClr val="tx1"/>
+                </a:solidFill>
+                <a:effectLst/>
+                <a:latin typeface="+mn-lt"/>
+                <a:ea typeface="+mn-ea"/>
+                <a:cs typeface="+mn-cs"/>
+              </a:rPr>
+              <a:t>Basket </a:t>
+            </a:r>
+            <a:r>
+              <a:rPr lang="en-US" sz="1200" kern="1200" dirty="0" err="1" smtClean="0">
+                <a:solidFill>
+                  <a:schemeClr val="tx1"/>
+                </a:solidFill>
+                <a:effectLst/>
+                <a:latin typeface="+mn-lt"/>
+                <a:ea typeface="+mn-ea"/>
+                <a:cs typeface="+mn-cs"/>
+              </a:rPr>
+              <a:t>microservice</a:t>
+            </a:r>
+            <a:endParaRPr lang="en-US" sz="1200" kern="1200" dirty="0" smtClean="0">
+              <a:solidFill>
+                <a:schemeClr val="tx1"/>
+              </a:solidFill>
+              <a:effectLst/>
+              <a:latin typeface="+mn-lt"/>
+              <a:ea typeface="+mn-ea"/>
+              <a:cs typeface="+mn-cs"/>
+            </a:endParaRPr>
+          </a:p>
+          <a:p>
+            <a:r>
+              <a:rPr lang="en-US" sz="1200" kern="1200" dirty="0" smtClean="0">
+                <a:solidFill>
+                  <a:schemeClr val="tx1"/>
+                </a:solidFill>
+                <a:effectLst/>
+                <a:latin typeface="+mn-lt"/>
+                <a:ea typeface="+mn-ea"/>
+                <a:cs typeface="+mn-cs"/>
+              </a:rPr>
+              <a:t>Also, there is an API gateway as an entry point to the internal </a:t>
+            </a:r>
+            <a:r>
+              <a:rPr lang="en-US" sz="1200" kern="1200" dirty="0" err="1" smtClean="0">
+                <a:solidFill>
+                  <a:schemeClr val="tx1"/>
+                </a:solidFill>
+                <a:effectLst/>
+                <a:latin typeface="+mn-lt"/>
+                <a:ea typeface="+mn-ea"/>
+                <a:cs typeface="+mn-cs"/>
+              </a:rPr>
+              <a:t>microservices</a:t>
+            </a:r>
+            <a:r>
+              <a:rPr lang="en-US" sz="1200" kern="1200" dirty="0" smtClean="0">
+                <a:solidFill>
+                  <a:schemeClr val="tx1"/>
+                </a:solidFill>
+                <a:effectLst/>
+                <a:latin typeface="+mn-lt"/>
+                <a:ea typeface="+mn-ea"/>
+                <a:cs typeface="+mn-cs"/>
+              </a:rPr>
+              <a:t>.</a:t>
+            </a:r>
+            <a:endParaRPr lang="en-US" sz="1200" kern="1200" dirty="0">
+              <a:solidFill>
+                <a:schemeClr val="tx1"/>
+              </a:solidFill>
+              <a:effectLst/>
+              <a:latin typeface="+mn-lt"/>
+              <a:ea typeface="+mn-ea"/>
+              <a:cs typeface="+mn-cs"/>
+            </a:endParaRPr>
           </a:p>
         </p:txBody>
       </p:sp>
@@ -2622,6 +3945,107 @@
     <p:extLst>
       <p:ext uri="{BB962C8B-B14F-4D97-AF65-F5344CB8AC3E}">
         <p14:creationId xmlns:p14="http://schemas.microsoft.com/office/powerpoint/2010/main" val="1109698045"/>
+      </p:ext>
+    </p:extLst>
+  </p:cSld>
+  <p:clrMapOvr>
+    <a:masterClrMapping/>
+  </p:clrMapOvr>
+</p:notes>
+</file>
+
+<file path=ppt/notesSlides/notesSlide30.xml><?xml version="1.0" encoding="utf-8"?>
+<p:notes xmlns:a="http://schemas.openxmlformats.org/drawingml/2006/main" xmlns:r="http://schemas.openxmlformats.org/officeDocument/2006/relationships" xmlns:p="http://schemas.openxmlformats.org/presentationml/2006/main">
+  <p:cSld>
+    <p:spTree>
+      <p:nvGrpSpPr>
+        <p:cNvPr id="1" name=""/>
+        <p:cNvGrpSpPr/>
+        <p:nvPr/>
+      </p:nvGrpSpPr>
+      <p:grpSpPr>
+        <a:xfrm>
+          <a:off x="0" y="0"/>
+          <a:ext cx="0" cy="0"/>
+          <a:chOff x="0" y="0"/>
+          <a:chExt cx="0" cy="0"/>
+        </a:xfrm>
+      </p:grpSpPr>
+      <p:sp>
+        <p:nvSpPr>
+          <p:cNvPr id="2" name="Slide Image Placeholder 1"/>
+          <p:cNvSpPr>
+            <a:spLocks noGrp="1" noRot="1" noChangeAspect="1"/>
+          </p:cNvSpPr>
+          <p:nvPr>
+            <p:ph type="sldImg"/>
+          </p:nvPr>
+        </p:nvSpPr>
+        <p:spPr/>
+      </p:sp>
+      <p:sp>
+        <p:nvSpPr>
+          <p:cNvPr id="3" name="Notes Placeholder 2"/>
+          <p:cNvSpPr>
+            <a:spLocks noGrp="1"/>
+          </p:cNvSpPr>
+          <p:nvPr>
+            <p:ph type="body" idx="1"/>
+          </p:nvPr>
+        </p:nvSpPr>
+        <p:spPr/>
+        <p:txBody>
+          <a:bodyPr/>
+          <a:lstStyle/>
+          <a:p>
+            <a:pPr marL="0" marR="0" lvl="0" indent="0" algn="l" defTabSz="914400" rtl="0" eaLnBrk="1" fontAlgn="auto" latinLnBrk="0" hangingPunct="1">
+              <a:lnSpc>
+                <a:spcPct val="100000"/>
+              </a:lnSpc>
+              <a:spcBef>
+                <a:spcPts val="0"/>
+              </a:spcBef>
+              <a:spcAft>
+                <a:spcPts val="0"/>
+              </a:spcAft>
+              <a:buClrTx/>
+              <a:buSzTx/>
+              <a:buFontTx/>
+              <a:buNone/>
+              <a:tabLst/>
+              <a:defRPr/>
+            </a:pPr>
+            <a:endParaRPr lang="en-US" sz="1200" dirty="0"/>
+          </a:p>
+        </p:txBody>
+      </p:sp>
+      <p:sp>
+        <p:nvSpPr>
+          <p:cNvPr id="4" name="Slide Number Placeholder 3"/>
+          <p:cNvSpPr>
+            <a:spLocks noGrp="1"/>
+          </p:cNvSpPr>
+          <p:nvPr>
+            <p:ph type="sldNum" sz="quarter" idx="5"/>
+          </p:nvPr>
+        </p:nvSpPr>
+        <p:spPr/>
+        <p:txBody>
+          <a:bodyPr/>
+          <a:lstStyle/>
+          <a:p>
+            <a:fld id="{0552E81F-2B3A-4989-A6E5-7D037F336AA9}" type="slidenum">
+              <a:rPr lang="en-US" smtClean="0"/>
+              <a:t>40</a:t>
+            </a:fld>
+            <a:endParaRPr lang="en-US"/>
+          </a:p>
+        </p:txBody>
+      </p:sp>
+    </p:spTree>
+    <p:extLst>
+      <p:ext uri="{BB962C8B-B14F-4D97-AF65-F5344CB8AC3E}">
+        <p14:creationId xmlns:p14="http://schemas.microsoft.com/office/powerpoint/2010/main" val="1575889334"/>
       </p:ext>
     </p:extLst>
   </p:cSld>
@@ -2674,6 +4098,187 @@
         <p:txBody>
           <a:bodyPr/>
           <a:lstStyle/>
+          <a:p>
+            <a:pPr marL="0" marR="0" indent="0" algn="l" defTabSz="914400" rtl="0" eaLnBrk="1" fontAlgn="auto" latinLnBrk="0" hangingPunct="1">
+              <a:lnSpc>
+                <a:spcPct val="100000"/>
+              </a:lnSpc>
+              <a:spcBef>
+                <a:spcPts val="0"/>
+              </a:spcBef>
+              <a:spcAft>
+                <a:spcPts val="0"/>
+              </a:spcAft>
+              <a:buClrTx/>
+              <a:buSzTx/>
+              <a:buFontTx/>
+              <a:buNone/>
+              <a:tabLst/>
+              <a:defRPr/>
+            </a:pPr>
+            <a:r>
+              <a:rPr lang="en-US" dirty="0" smtClean="0"/>
+              <a:t>A</a:t>
+            </a:r>
+            <a:r>
+              <a:rPr lang="en-US" baseline="0" dirty="0" smtClean="0"/>
+              <a:t> </a:t>
+            </a:r>
+            <a:r>
+              <a:rPr lang="en-US" baseline="0" dirty="0" err="1" smtClean="0"/>
+              <a:t>m</a:t>
+            </a:r>
+            <a:r>
+              <a:rPr lang="en-US" dirty="0" err="1" smtClean="0"/>
+              <a:t>icroservice</a:t>
+            </a:r>
+            <a:r>
+              <a:rPr lang="en-US" baseline="0" dirty="0" smtClean="0"/>
+              <a:t> is a m</a:t>
+            </a:r>
+            <a:r>
+              <a:rPr lang="en-US" dirty="0" smtClean="0"/>
+              <a:t>ethod of developing software systems to focus on building single-function modules.</a:t>
+            </a:r>
+          </a:p>
+          <a:p>
+            <a:pPr marL="0" marR="0" indent="0" algn="l" defTabSz="914400" rtl="0" eaLnBrk="1" fontAlgn="auto" latinLnBrk="0" hangingPunct="1">
+              <a:lnSpc>
+                <a:spcPct val="100000"/>
+              </a:lnSpc>
+              <a:spcBef>
+                <a:spcPts val="0"/>
+              </a:spcBef>
+              <a:spcAft>
+                <a:spcPts val="0"/>
+              </a:spcAft>
+              <a:buClrTx/>
+              <a:buSzTx/>
+              <a:buFontTx/>
+              <a:buNone/>
+              <a:tabLst/>
+              <a:defRPr/>
+            </a:pPr>
+            <a:endParaRPr lang="en-US" dirty="0" smtClean="0"/>
+          </a:p>
+          <a:p>
+            <a:pPr marL="0" marR="0" indent="0" algn="l" defTabSz="914400" rtl="0" eaLnBrk="1" fontAlgn="auto" latinLnBrk="0" hangingPunct="1">
+              <a:lnSpc>
+                <a:spcPct val="100000"/>
+              </a:lnSpc>
+              <a:spcBef>
+                <a:spcPts val="0"/>
+              </a:spcBef>
+              <a:spcAft>
+                <a:spcPts val="0"/>
+              </a:spcAft>
+              <a:buClrTx/>
+              <a:buSzTx/>
+              <a:buFontTx/>
+              <a:buNone/>
+              <a:tabLst/>
+              <a:defRPr/>
+            </a:pPr>
+            <a:r>
+              <a:rPr lang="en-US" dirty="0" smtClean="0"/>
+              <a:t>Using </a:t>
+            </a:r>
+            <a:r>
+              <a:rPr lang="en-US" dirty="0" err="1" smtClean="0"/>
+              <a:t>microservices</a:t>
+            </a:r>
+            <a:r>
+              <a:rPr lang="en-US" dirty="0" smtClean="0"/>
+              <a:t> has several benefits and advantages.</a:t>
+            </a:r>
+            <a:endParaRPr lang="en-US" baseline="0" dirty="0" smtClean="0"/>
+          </a:p>
+          <a:p>
+            <a:r>
+              <a:rPr lang="en-US" dirty="0" smtClean="0"/>
+              <a:t>It is highly maintainable and</a:t>
+            </a:r>
+            <a:r>
+              <a:rPr lang="en-US" baseline="0" dirty="0" smtClean="0"/>
+              <a:t> testable as we only have to test the functionalities in this </a:t>
+            </a:r>
+            <a:r>
+              <a:rPr lang="en-US" baseline="0" dirty="0" err="1" smtClean="0"/>
+              <a:t>microservice</a:t>
+            </a:r>
+            <a:r>
+              <a:rPr lang="en-US" baseline="0" dirty="0" smtClean="0"/>
+              <a:t> and not several fields and features.</a:t>
+            </a:r>
+          </a:p>
+          <a:p>
+            <a:endParaRPr lang="en-US" baseline="0" dirty="0" smtClean="0"/>
+          </a:p>
+          <a:p>
+            <a:r>
+              <a:rPr lang="en-US" baseline="0" dirty="0" smtClean="0"/>
+              <a:t>A </a:t>
+            </a:r>
+            <a:r>
+              <a:rPr lang="en-US" baseline="0" dirty="0" err="1" smtClean="0"/>
+              <a:t>microservice</a:t>
+            </a:r>
+            <a:r>
+              <a:rPr lang="en-US" baseline="0" dirty="0" smtClean="0"/>
+              <a:t> is independently deployable, using containers for example. It makes each </a:t>
+            </a:r>
+            <a:r>
+              <a:rPr lang="en-US" baseline="0" dirty="0" err="1" smtClean="0"/>
+              <a:t>microservice</a:t>
+            </a:r>
+            <a:r>
+              <a:rPr lang="en-US" baseline="0" dirty="0" smtClean="0"/>
+              <a:t> an autonomous unit.</a:t>
+            </a:r>
+          </a:p>
+          <a:p>
+            <a:endParaRPr lang="en-US" baseline="0" dirty="0" smtClean="0"/>
+          </a:p>
+          <a:p>
+            <a:r>
+              <a:rPr lang="en-US" baseline="0" dirty="0" smtClean="0"/>
+              <a:t>Also, a </a:t>
+            </a:r>
+            <a:r>
+              <a:rPr lang="en-US" baseline="0" dirty="0" err="1" smtClean="0"/>
+              <a:t>microservice</a:t>
+            </a:r>
+            <a:r>
+              <a:rPr lang="en-US" baseline="0" dirty="0" smtClean="0"/>
+              <a:t> is monitored easily because it has a reduced number of code lines compared to a monolithic application.</a:t>
+            </a:r>
+          </a:p>
+          <a:p>
+            <a:endParaRPr lang="en-US" baseline="0" dirty="0" smtClean="0"/>
+          </a:p>
+          <a:p>
+            <a:endParaRPr lang="en-US" dirty="0" smtClean="0"/>
+          </a:p>
+          <a:p>
+            <a:pPr marL="0" marR="0" indent="0" algn="l" defTabSz="914400" rtl="0" eaLnBrk="1" fontAlgn="auto" latinLnBrk="0" hangingPunct="1">
+              <a:lnSpc>
+                <a:spcPct val="100000"/>
+              </a:lnSpc>
+              <a:spcBef>
+                <a:spcPts val="0"/>
+              </a:spcBef>
+              <a:spcAft>
+                <a:spcPts val="0"/>
+              </a:spcAft>
+              <a:buClrTx/>
+              <a:buSzTx/>
+              <a:buFontTx/>
+              <a:buNone/>
+              <a:tabLst/>
+              <a:defRPr/>
+            </a:pPr>
+            <a:endParaRPr lang="en-US" dirty="0" smtClean="0"/>
+          </a:p>
           <a:p>
             <a:endParaRPr lang="en-US" dirty="0"/>
           </a:p>
@@ -2759,6 +4364,278 @@
           <a:bodyPr/>
           <a:lstStyle/>
           <a:p>
+            <a:r>
+              <a:rPr lang="en-US" sz="1200" kern="1200" dirty="0" smtClean="0">
+                <a:solidFill>
+                  <a:schemeClr val="tx1"/>
+                </a:solidFill>
+                <a:effectLst/>
+                <a:latin typeface="+mn-lt"/>
+                <a:ea typeface="+mn-ea"/>
+                <a:cs typeface="+mn-cs"/>
+              </a:rPr>
+              <a:t>There are various components in a </a:t>
+            </a:r>
+            <a:r>
+              <a:rPr lang="en-US" sz="1200" kern="1200" dirty="0" err="1" smtClean="0">
+                <a:solidFill>
+                  <a:schemeClr val="tx1"/>
+                </a:solidFill>
+                <a:effectLst/>
+                <a:latin typeface="+mn-lt"/>
+                <a:ea typeface="+mn-ea"/>
+                <a:cs typeface="+mn-cs"/>
+              </a:rPr>
+              <a:t>microservices</a:t>
+            </a:r>
+            <a:r>
+              <a:rPr lang="en-US" sz="1200" kern="1200" dirty="0" smtClean="0">
+                <a:solidFill>
+                  <a:schemeClr val="tx1"/>
+                </a:solidFill>
+                <a:effectLst/>
+                <a:latin typeface="+mn-lt"/>
+                <a:ea typeface="+mn-ea"/>
+                <a:cs typeface="+mn-cs"/>
+              </a:rPr>
+              <a:t> architecture apart from </a:t>
+            </a:r>
+            <a:r>
+              <a:rPr lang="en-US" sz="1200" kern="1200" dirty="0" err="1" smtClean="0">
+                <a:solidFill>
+                  <a:schemeClr val="tx1"/>
+                </a:solidFill>
+                <a:effectLst/>
+                <a:latin typeface="+mn-lt"/>
+                <a:ea typeface="+mn-ea"/>
+                <a:cs typeface="+mn-cs"/>
+              </a:rPr>
+              <a:t>microservices</a:t>
+            </a:r>
+            <a:r>
+              <a:rPr lang="en-US" sz="1200" kern="1200" dirty="0" smtClean="0">
+                <a:solidFill>
+                  <a:schemeClr val="tx1"/>
+                </a:solidFill>
+                <a:effectLst/>
+                <a:latin typeface="+mn-lt"/>
+                <a:ea typeface="+mn-ea"/>
+                <a:cs typeface="+mn-cs"/>
+              </a:rPr>
+              <a:t> themselves:</a:t>
+            </a:r>
+          </a:p>
+          <a:p>
+            <a:endParaRPr lang="en-US" sz="1200" kern="1200" dirty="0" smtClean="0">
+              <a:solidFill>
+                <a:schemeClr val="tx1"/>
+              </a:solidFill>
+              <a:effectLst/>
+              <a:latin typeface="+mn-lt"/>
+              <a:ea typeface="+mn-ea"/>
+              <a:cs typeface="+mn-cs"/>
+            </a:endParaRPr>
+          </a:p>
+          <a:p>
+            <a:pPr lvl="0"/>
+            <a:r>
+              <a:rPr lang="en-US" sz="1200" kern="1200" dirty="0" smtClean="0">
+                <a:solidFill>
+                  <a:schemeClr val="tx1"/>
+                </a:solidFill>
+                <a:effectLst/>
+                <a:latin typeface="+mn-lt"/>
+                <a:ea typeface="+mn-ea"/>
+                <a:cs typeface="+mn-cs"/>
+              </a:rPr>
+              <a:t>-Management. Maintains the nodes for the service.</a:t>
+            </a:r>
+          </a:p>
+          <a:p>
+            <a:pPr lvl="0"/>
+            <a:r>
+              <a:rPr lang="en-US" sz="1200" kern="1200" dirty="0" smtClean="0">
+                <a:solidFill>
+                  <a:schemeClr val="tx1"/>
+                </a:solidFill>
+                <a:effectLst/>
+                <a:latin typeface="+mn-lt"/>
+                <a:ea typeface="+mn-ea"/>
+                <a:cs typeface="+mn-cs"/>
+              </a:rPr>
+              <a:t>-Identity Provider. Manages the identity information and provides authentication services within a distributed network.</a:t>
+            </a:r>
+          </a:p>
+          <a:p>
+            <a:pPr lvl="0"/>
+            <a:r>
+              <a:rPr lang="en-US" sz="1200" kern="1200" dirty="0" smtClean="0">
+                <a:solidFill>
+                  <a:schemeClr val="tx1"/>
+                </a:solidFill>
+                <a:effectLst/>
+                <a:latin typeface="+mn-lt"/>
+                <a:ea typeface="+mn-ea"/>
+                <a:cs typeface="+mn-cs"/>
+              </a:rPr>
+              <a:t>-Service Discovery. Keeps track of services and service addresses and endpoints.</a:t>
+            </a:r>
+          </a:p>
+          <a:p>
+            <a:pPr lvl="0"/>
+            <a:r>
+              <a:rPr lang="en-US" sz="1200" kern="1200" dirty="0" smtClean="0">
+                <a:solidFill>
+                  <a:schemeClr val="tx1"/>
+                </a:solidFill>
+                <a:effectLst/>
+                <a:latin typeface="+mn-lt"/>
+                <a:ea typeface="+mn-ea"/>
+                <a:cs typeface="+mn-cs"/>
+              </a:rPr>
+              <a:t>-API Gateway. Serves as client’s entry point. Single point of contact from the client which in turn returns responses from underlying </a:t>
+            </a:r>
+            <a:r>
+              <a:rPr lang="en-US" sz="1200" kern="1200" dirty="0" err="1" smtClean="0">
+                <a:solidFill>
+                  <a:schemeClr val="tx1"/>
+                </a:solidFill>
+                <a:effectLst/>
+                <a:latin typeface="+mn-lt"/>
+                <a:ea typeface="+mn-ea"/>
+                <a:cs typeface="+mn-cs"/>
+              </a:rPr>
+              <a:t>microservices</a:t>
+            </a:r>
+            <a:r>
+              <a:rPr lang="en-US" sz="1200" kern="1200" dirty="0" smtClean="0">
+                <a:solidFill>
+                  <a:schemeClr val="tx1"/>
+                </a:solidFill>
+                <a:effectLst/>
+                <a:latin typeface="+mn-lt"/>
+                <a:ea typeface="+mn-ea"/>
+                <a:cs typeface="+mn-cs"/>
+              </a:rPr>
+              <a:t> and sometimes an aggregated response from multiple underlying </a:t>
+            </a:r>
+            <a:r>
+              <a:rPr lang="en-US" sz="1200" kern="1200" dirty="0" err="1" smtClean="0">
+                <a:solidFill>
+                  <a:schemeClr val="tx1"/>
+                </a:solidFill>
+                <a:effectLst/>
+                <a:latin typeface="+mn-lt"/>
+                <a:ea typeface="+mn-ea"/>
+                <a:cs typeface="+mn-cs"/>
+              </a:rPr>
+              <a:t>microservices</a:t>
+            </a:r>
+            <a:r>
+              <a:rPr lang="en-US" sz="1200" kern="1200" dirty="0" smtClean="0">
+                <a:solidFill>
+                  <a:schemeClr val="tx1"/>
+                </a:solidFill>
+                <a:effectLst/>
+                <a:latin typeface="+mn-lt"/>
+                <a:ea typeface="+mn-ea"/>
+                <a:cs typeface="+mn-cs"/>
+              </a:rPr>
+              <a:t>.</a:t>
+            </a:r>
+          </a:p>
+          <a:p>
+            <a:pPr lvl="0"/>
+            <a:r>
+              <a:rPr lang="en-US" sz="1200" kern="1200" dirty="0" smtClean="0">
+                <a:solidFill>
+                  <a:schemeClr val="tx1"/>
+                </a:solidFill>
+                <a:effectLst/>
+                <a:latin typeface="+mn-lt"/>
+                <a:ea typeface="+mn-ea"/>
+                <a:cs typeface="+mn-cs"/>
+              </a:rPr>
+              <a:t>-CDN. A content delivery network to serve static resources for e.g. pages and web content in a distributed network</a:t>
+            </a:r>
+          </a:p>
+          <a:p>
+            <a:pPr lvl="0"/>
+            <a:r>
+              <a:rPr lang="en-US" sz="1200" kern="1200" dirty="0" smtClean="0">
+                <a:solidFill>
+                  <a:schemeClr val="tx1"/>
+                </a:solidFill>
+                <a:effectLst/>
+                <a:latin typeface="+mn-lt"/>
+                <a:ea typeface="+mn-ea"/>
+                <a:cs typeface="+mn-cs"/>
+              </a:rPr>
+              <a:t>-Static Content The static resources like pages and web content</a:t>
+            </a:r>
+          </a:p>
+          <a:p>
+            <a:endParaRPr lang="en-US" sz="1200" kern="1200" dirty="0" smtClean="0">
+              <a:solidFill>
+                <a:schemeClr val="tx1"/>
+              </a:solidFill>
+              <a:effectLst/>
+              <a:latin typeface="+mn-lt"/>
+              <a:ea typeface="+mn-ea"/>
+              <a:cs typeface="+mn-cs"/>
+            </a:endParaRPr>
+          </a:p>
+          <a:p>
+            <a:r>
+              <a:rPr lang="en-US" sz="1200" kern="1200" dirty="0" err="1" smtClean="0">
+                <a:solidFill>
+                  <a:schemeClr val="tx1"/>
+                </a:solidFill>
+                <a:effectLst/>
+                <a:latin typeface="+mn-lt"/>
+                <a:ea typeface="+mn-ea"/>
+                <a:cs typeface="+mn-cs"/>
+              </a:rPr>
+              <a:t>Microservices</a:t>
+            </a:r>
+            <a:r>
+              <a:rPr lang="en-US" sz="1200" kern="1200" dirty="0" smtClean="0">
+                <a:solidFill>
+                  <a:schemeClr val="tx1"/>
+                </a:solidFill>
+                <a:effectLst/>
+                <a:latin typeface="+mn-lt"/>
+                <a:ea typeface="+mn-ea"/>
+                <a:cs typeface="+mn-cs"/>
+              </a:rPr>
+              <a:t> are deployed independently with their own database per service so the underlying </a:t>
+            </a:r>
+            <a:r>
+              <a:rPr lang="en-US" sz="1200" kern="1200" dirty="0" err="1" smtClean="0">
+                <a:solidFill>
+                  <a:schemeClr val="tx1"/>
+                </a:solidFill>
+                <a:effectLst/>
+                <a:latin typeface="+mn-lt"/>
+                <a:ea typeface="+mn-ea"/>
+                <a:cs typeface="+mn-cs"/>
+              </a:rPr>
+              <a:t>microservices</a:t>
+            </a:r>
+            <a:r>
+              <a:rPr lang="en-US" sz="1200" kern="1200" dirty="0" smtClean="0">
+                <a:solidFill>
+                  <a:schemeClr val="tx1"/>
+                </a:solidFill>
+                <a:effectLst/>
+                <a:latin typeface="+mn-lt"/>
+                <a:ea typeface="+mn-ea"/>
+                <a:cs typeface="+mn-cs"/>
+              </a:rPr>
+              <a:t> look as shown in the following picture.</a:t>
+            </a:r>
+          </a:p>
+          <a:p>
             <a:endParaRPr lang="en-US" dirty="0"/>
           </a:p>
         </p:txBody>
@@ -2770,7 +4647,7 @@
             <a:spLocks noGrp="1"/>
           </p:cNvSpPr>
           <p:nvPr>
-            <p:ph type="sldNum" sz="quarter" idx="5"/>
+            <p:ph type="sldNum" sz="quarter" idx="10"/>
           </p:nvPr>
         </p:nvSpPr>
         <p:spPr/>
@@ -2780,7 +4657,7 @@
           <a:p>
             <a:fld id="{0552E81F-2B3A-4989-A6E5-7D037F336AA9}" type="slidenum">
               <a:rPr lang="en-US" smtClean="0"/>
-              <a:t>8</a:t>
+              <a:t>7</a:t>
             </a:fld>
             <a:endParaRPr lang="en-US"/>
           </a:p>
@@ -2789,7 +4666,7 @@
     </p:spTree>
     <p:extLst>
       <p:ext uri="{BB962C8B-B14F-4D97-AF65-F5344CB8AC3E}">
-        <p14:creationId xmlns:p14="http://schemas.microsoft.com/office/powerpoint/2010/main" val="2044781894"/>
+        <p14:creationId xmlns:p14="http://schemas.microsoft.com/office/powerpoint/2010/main" val="1263720137"/>
       </p:ext>
     </p:extLst>
   </p:cSld>
@@ -2843,6 +4720,137 @@
           <a:bodyPr/>
           <a:lstStyle/>
           <a:p>
+            <a:r>
+              <a:rPr lang="en-US" sz="1200" kern="1200" dirty="0" smtClean="0">
+                <a:solidFill>
+                  <a:schemeClr val="tx1"/>
+                </a:solidFill>
+                <a:effectLst/>
+                <a:latin typeface="+mn-lt"/>
+                <a:ea typeface="+mn-ea"/>
+                <a:cs typeface="+mn-cs"/>
+              </a:rPr>
+              <a:t>.NET Core is a free and open-source, managed computer software framework for Windows, Linux, and </a:t>
+            </a:r>
+            <a:r>
+              <a:rPr lang="en-US" sz="1200" kern="1200" dirty="0" err="1" smtClean="0">
+                <a:solidFill>
+                  <a:schemeClr val="tx1"/>
+                </a:solidFill>
+                <a:effectLst/>
+                <a:latin typeface="+mn-lt"/>
+                <a:ea typeface="+mn-ea"/>
+                <a:cs typeface="+mn-cs"/>
+              </a:rPr>
+              <a:t>macOS</a:t>
+            </a:r>
+            <a:r>
+              <a:rPr lang="en-US" sz="1200" kern="1200" dirty="0" smtClean="0">
+                <a:solidFill>
+                  <a:schemeClr val="tx1"/>
+                </a:solidFill>
+                <a:effectLst/>
+                <a:latin typeface="+mn-lt"/>
+                <a:ea typeface="+mn-ea"/>
+                <a:cs typeface="+mn-cs"/>
+              </a:rPr>
+              <a:t> operating systems.</a:t>
+            </a:r>
+            <a:br>
+              <a:rPr lang="en-US" sz="1200" kern="1200" dirty="0" smtClean="0">
+                <a:solidFill>
+                  <a:schemeClr val="tx1"/>
+                </a:solidFill>
+                <a:effectLst/>
+                <a:latin typeface="+mn-lt"/>
+                <a:ea typeface="+mn-ea"/>
+                <a:cs typeface="+mn-cs"/>
+              </a:rPr>
+            </a:br>
+            <a:r>
+              <a:rPr lang="en-US" sz="1200" kern="1200" dirty="0" smtClean="0">
+                <a:solidFill>
+                  <a:schemeClr val="tx1"/>
+                </a:solidFill>
+                <a:effectLst/>
+                <a:latin typeface="+mn-lt"/>
+                <a:ea typeface="+mn-ea"/>
+                <a:cs typeface="+mn-cs"/>
+              </a:rPr>
+              <a:t>It is an open source, cross platform successor to .NET Framework. </a:t>
+            </a:r>
+          </a:p>
+          <a:p>
+            <a:endParaRPr lang="en-US" sz="1200" kern="1200" dirty="0" smtClean="0">
+              <a:solidFill>
+                <a:schemeClr val="tx1"/>
+              </a:solidFill>
+              <a:effectLst/>
+              <a:latin typeface="+mn-lt"/>
+              <a:ea typeface="+mn-ea"/>
+              <a:cs typeface="+mn-cs"/>
+            </a:endParaRPr>
+          </a:p>
+          <a:p>
+            <a:r>
+              <a:rPr lang="en-US" sz="1200" kern="1200" dirty="0" smtClean="0">
+                <a:solidFill>
+                  <a:schemeClr val="tx1"/>
+                </a:solidFill>
+                <a:effectLst/>
+                <a:latin typeface="+mn-lt"/>
+                <a:ea typeface="+mn-ea"/>
+                <a:cs typeface="+mn-cs"/>
+              </a:rPr>
+              <a:t>.NET Core fully supports C# and F# and partially supports Visual Basic .NET.</a:t>
+            </a:r>
+          </a:p>
+          <a:p>
+            <a:endParaRPr lang="en-US" sz="1200" kern="1200" dirty="0" smtClean="0">
+              <a:solidFill>
+                <a:schemeClr val="tx1"/>
+              </a:solidFill>
+              <a:effectLst/>
+              <a:latin typeface="+mn-lt"/>
+              <a:ea typeface="+mn-ea"/>
+              <a:cs typeface="+mn-cs"/>
+            </a:endParaRPr>
+          </a:p>
+          <a:p>
+            <a:r>
+              <a:rPr lang="en-US" sz="1200" kern="1200" dirty="0" smtClean="0">
+                <a:solidFill>
+                  <a:schemeClr val="tx1"/>
+                </a:solidFill>
+                <a:effectLst/>
+                <a:latin typeface="+mn-lt"/>
+                <a:ea typeface="+mn-ea"/>
+                <a:cs typeface="+mn-cs"/>
+              </a:rPr>
+              <a:t/>
+            </a:r>
+            <a:br>
+              <a:rPr lang="en-US" sz="1200" kern="1200" dirty="0" smtClean="0">
+                <a:solidFill>
+                  <a:schemeClr val="tx1"/>
+                </a:solidFill>
+                <a:effectLst/>
+                <a:latin typeface="+mn-lt"/>
+                <a:ea typeface="+mn-ea"/>
+                <a:cs typeface="+mn-cs"/>
+              </a:rPr>
+            </a:br>
+            <a:endParaRPr lang="en-US" sz="1200" kern="1200" dirty="0" smtClean="0">
+              <a:solidFill>
+                <a:schemeClr val="tx1"/>
+              </a:solidFill>
+              <a:effectLst/>
+              <a:latin typeface="+mn-lt"/>
+              <a:ea typeface="+mn-ea"/>
+              <a:cs typeface="+mn-cs"/>
+            </a:endParaRPr>
+          </a:p>
+          <a:p>
             <a:endParaRPr lang="en-US" dirty="0"/>
           </a:p>
         </p:txBody>
@@ -2864,7 +4872,7 @@
           <a:p>
             <a:fld id="{0552E81F-2B3A-4989-A6E5-7D037F336AA9}" type="slidenum">
               <a:rPr lang="en-US" smtClean="0"/>
-              <a:t>9</a:t>
+              <a:t>8</a:t>
             </a:fld>
             <a:endParaRPr lang="en-US"/>
           </a:p>
@@ -2873,7 +4881,7 @@
     </p:spTree>
     <p:extLst>
       <p:ext uri="{BB962C8B-B14F-4D97-AF65-F5344CB8AC3E}">
-        <p14:creationId xmlns:p14="http://schemas.microsoft.com/office/powerpoint/2010/main" val="18070485"/>
+        <p14:creationId xmlns:p14="http://schemas.microsoft.com/office/powerpoint/2010/main" val="2044781894"/>
       </p:ext>
     </p:extLst>
   </p:cSld>
@@ -2927,6 +4935,103 @@
           <a:bodyPr/>
           <a:lstStyle/>
           <a:p>
+            <a:r>
+              <a:rPr lang="en-US" sz="1200" kern="1200" dirty="0" smtClean="0">
+                <a:solidFill>
+                  <a:schemeClr val="tx1"/>
+                </a:solidFill>
+                <a:effectLst/>
+                <a:latin typeface="+mn-lt"/>
+                <a:ea typeface="+mn-ea"/>
+                <a:cs typeface="+mn-cs"/>
+              </a:rPr>
+              <a:t>In our project, we used</a:t>
+            </a:r>
+            <a:r>
+              <a:rPr lang="en-US" sz="1200" kern="1200" baseline="0" dirty="0" smtClean="0">
+                <a:solidFill>
+                  <a:schemeClr val="tx1"/>
+                </a:solidFill>
+                <a:effectLst/>
+                <a:latin typeface="+mn-lt"/>
+                <a:ea typeface="+mn-ea"/>
+                <a:cs typeface="+mn-cs"/>
+              </a:rPr>
+              <a:t> C#</a:t>
+            </a:r>
+          </a:p>
+          <a:p>
+            <a:endParaRPr lang="en-US" sz="1200" kern="1200" baseline="0" dirty="0" smtClean="0">
+              <a:solidFill>
+                <a:schemeClr val="tx1"/>
+              </a:solidFill>
+              <a:effectLst/>
+              <a:latin typeface="+mn-lt"/>
+              <a:ea typeface="+mn-ea"/>
+              <a:cs typeface="+mn-cs"/>
+            </a:endParaRPr>
+          </a:p>
+          <a:p>
+            <a:r>
+              <a:rPr lang="en-US" sz="1200" kern="1200" dirty="0" smtClean="0">
+                <a:solidFill>
+                  <a:schemeClr val="tx1"/>
+                </a:solidFill>
+                <a:effectLst/>
+                <a:latin typeface="+mn-lt"/>
+                <a:ea typeface="+mn-ea"/>
+                <a:cs typeface="+mn-cs"/>
+              </a:rPr>
+              <a:t>It is a general-purpose, multi-paradigm programming language </a:t>
+            </a:r>
+          </a:p>
+          <a:p>
+            <a:r>
+              <a:rPr lang="en-US" sz="1200" kern="1200" dirty="0" smtClean="0">
+                <a:solidFill>
+                  <a:schemeClr val="tx1"/>
+                </a:solidFill>
+                <a:effectLst/>
+                <a:latin typeface="+mn-lt"/>
+                <a:ea typeface="+mn-ea"/>
+                <a:cs typeface="+mn-cs"/>
+              </a:rPr>
+              <a:t/>
+            </a:r>
+            <a:br>
+              <a:rPr lang="en-US" sz="1200" kern="1200" dirty="0" smtClean="0">
+                <a:solidFill>
+                  <a:schemeClr val="tx1"/>
+                </a:solidFill>
+                <a:effectLst/>
+                <a:latin typeface="+mn-lt"/>
+                <a:ea typeface="+mn-ea"/>
+                <a:cs typeface="+mn-cs"/>
+              </a:rPr>
+            </a:br>
+            <a:r>
+              <a:rPr lang="en-US" sz="1200" kern="1200" dirty="0" smtClean="0">
+                <a:solidFill>
+                  <a:schemeClr val="tx1"/>
+                </a:solidFill>
+                <a:effectLst/>
+                <a:latin typeface="+mn-lt"/>
+                <a:ea typeface="+mn-ea"/>
+                <a:cs typeface="+mn-cs"/>
+              </a:rPr>
+              <a:t>It was developed around 2000 by Microsoft as part of its .NET initiative</a:t>
+            </a:r>
+            <a:br>
+              <a:rPr lang="en-US" sz="1200" kern="1200" dirty="0" smtClean="0">
+                <a:solidFill>
+                  <a:schemeClr val="tx1"/>
+                </a:solidFill>
+                <a:effectLst/>
+                <a:latin typeface="+mn-lt"/>
+                <a:ea typeface="+mn-ea"/>
+                <a:cs typeface="+mn-cs"/>
+              </a:rPr>
+            </a:br>
             <a:endParaRPr lang="en-US" dirty="0"/>
           </a:p>
         </p:txBody>
@@ -2948,7 +5053,7 @@
           <a:p>
             <a:fld id="{0552E81F-2B3A-4989-A6E5-7D037F336AA9}" type="slidenum">
               <a:rPr lang="en-US" smtClean="0"/>
-              <a:t>10</a:t>
+              <a:t>9</a:t>
             </a:fld>
             <a:endParaRPr lang="en-US"/>
           </a:p>
@@ -2957,7 +5062,7 @@
     </p:spTree>
     <p:extLst>
       <p:ext uri="{BB962C8B-B14F-4D97-AF65-F5344CB8AC3E}">
-        <p14:creationId xmlns:p14="http://schemas.microsoft.com/office/powerpoint/2010/main" val="3919703982"/>
+        <p14:creationId xmlns:p14="http://schemas.microsoft.com/office/powerpoint/2010/main" val="18070485"/>
       </p:ext>
     </p:extLst>
   </p:cSld>
@@ -3011,6 +5116,76 @@
           <a:bodyPr/>
           <a:lstStyle/>
           <a:p>
+            <a:r>
+              <a:rPr lang="en-US" sz="1200" kern="1200" dirty="0" smtClean="0">
+                <a:solidFill>
+                  <a:schemeClr val="tx1"/>
+                </a:solidFill>
+                <a:effectLst/>
+                <a:latin typeface="+mn-lt"/>
+                <a:ea typeface="+mn-ea"/>
+                <a:cs typeface="+mn-cs"/>
+              </a:rPr>
+              <a:t>Microsoft SQL Server is a relational database management system developed by Microsoft. As a database server, it is a software product with the primary function of storing and retrieving data as requested by other software applications.</a:t>
+            </a:r>
+          </a:p>
+          <a:p>
+            <a:endParaRPr lang="en-US" sz="1200" kern="1200" dirty="0" smtClean="0">
+              <a:solidFill>
+                <a:schemeClr val="tx1"/>
+              </a:solidFill>
+              <a:effectLst/>
+              <a:latin typeface="+mn-lt"/>
+              <a:ea typeface="+mn-ea"/>
+              <a:cs typeface="+mn-cs"/>
+            </a:endParaRPr>
+          </a:p>
+          <a:p>
+            <a:r>
+              <a:rPr lang="en-US" sz="1200" kern="1200" dirty="0" smtClean="0">
+                <a:solidFill>
+                  <a:schemeClr val="tx1"/>
+                </a:solidFill>
+                <a:effectLst/>
+                <a:latin typeface="+mn-lt"/>
+                <a:ea typeface="+mn-ea"/>
+                <a:cs typeface="+mn-cs"/>
+              </a:rPr>
+              <a:t>It is</a:t>
+            </a:r>
+            <a:r>
+              <a:rPr lang="en-US" sz="1200" kern="1200" baseline="0" dirty="0" smtClean="0">
+                <a:solidFill>
+                  <a:schemeClr val="tx1"/>
+                </a:solidFill>
+                <a:effectLst/>
+                <a:latin typeface="+mn-lt"/>
+                <a:ea typeface="+mn-ea"/>
+                <a:cs typeface="+mn-cs"/>
+              </a:rPr>
+              <a:t> both GUI and command based software.</a:t>
+            </a:r>
+          </a:p>
+          <a:p>
+            <a:endParaRPr lang="en-US" sz="1200" kern="1200" baseline="0" dirty="0" smtClean="0">
+              <a:solidFill>
+                <a:schemeClr val="tx1"/>
+              </a:solidFill>
+              <a:effectLst/>
+              <a:latin typeface="+mn-lt"/>
+              <a:ea typeface="+mn-ea"/>
+              <a:cs typeface="+mn-cs"/>
+            </a:endParaRPr>
+          </a:p>
+          <a:p>
+            <a:r>
+              <a:rPr lang="en-US" dirty="0" smtClean="0"/>
+              <a:t>SQL Server can be used to create</a:t>
+            </a:r>
+            <a:r>
+              <a:rPr lang="en-US" baseline="0" dirty="0" smtClean="0"/>
+              <a:t> and maintain databases as well as analyze data through several SQL Server tools.</a:t>
+            </a:r>
             <a:endParaRPr lang="en-US" dirty="0"/>
           </a:p>
         </p:txBody>
@@ -3032,7 +5207,7 @@
           <a:p>
             <a:fld id="{0552E81F-2B3A-4989-A6E5-7D037F336AA9}" type="slidenum">
               <a:rPr lang="en-US" smtClean="0"/>
-              <a:t>11</a:t>
+              <a:t>10</a:t>
             </a:fld>
             <a:endParaRPr lang="en-US"/>
           </a:p>
@@ -3041,7 +5216,7 @@
     </p:spTree>
     <p:extLst>
       <p:ext uri="{BB962C8B-B14F-4D97-AF65-F5344CB8AC3E}">
-        <p14:creationId xmlns:p14="http://schemas.microsoft.com/office/powerpoint/2010/main" val="278674424"/>
+        <p14:creationId xmlns:p14="http://schemas.microsoft.com/office/powerpoint/2010/main" val="3919703982"/>
       </p:ext>
     </p:extLst>
   </p:cSld>
@@ -3095,6 +5270,43 @@
           <a:bodyPr/>
           <a:lstStyle/>
           <a:p>
+            <a:r>
+              <a:rPr lang="en-US" sz="1200" kern="1200" dirty="0" err="1" smtClean="0">
+                <a:solidFill>
+                  <a:schemeClr val="tx1"/>
+                </a:solidFill>
+                <a:effectLst/>
+                <a:latin typeface="+mn-lt"/>
+                <a:ea typeface="+mn-ea"/>
+                <a:cs typeface="+mn-cs"/>
+              </a:rPr>
+              <a:t>Redis</a:t>
+            </a:r>
+            <a:r>
+              <a:rPr lang="en-US" sz="1200" kern="1200" dirty="0" smtClean="0">
+                <a:solidFill>
+                  <a:schemeClr val="tx1"/>
+                </a:solidFill>
+                <a:effectLst/>
+                <a:latin typeface="+mn-lt"/>
+                <a:ea typeface="+mn-ea"/>
+                <a:cs typeface="+mn-cs"/>
+              </a:rPr>
+              <a:t> is an open source (BSD licensed), in-memory data structure store, used as a database, cache and message broker. It supports many data structures (strings, hashes, lists, sets,…)</a:t>
+            </a:r>
+          </a:p>
+          <a:p>
+            <a:endParaRPr lang="en-US" sz="1200" kern="1200" dirty="0" smtClean="0">
+              <a:solidFill>
+                <a:schemeClr val="tx1"/>
+              </a:solidFill>
+              <a:effectLst/>
+              <a:latin typeface="+mn-lt"/>
+              <a:ea typeface="+mn-ea"/>
+              <a:cs typeface="+mn-cs"/>
+            </a:endParaRPr>
+          </a:p>
+          <a:p>
             <a:endParaRPr lang="en-US" dirty="0"/>
           </a:p>
         </p:txBody>
@@ -3116,7 +5328,7 @@
           <a:p>
             <a:fld id="{0552E81F-2B3A-4989-A6E5-7D037F336AA9}" type="slidenum">
               <a:rPr lang="en-US" smtClean="0"/>
-              <a:t>12</a:t>
+              <a:t>11</a:t>
             </a:fld>
             <a:endParaRPr lang="en-US"/>
           </a:p>
@@ -3125,7 +5337,7 @@
     </p:spTree>
     <p:extLst>
       <p:ext uri="{BB962C8B-B14F-4D97-AF65-F5344CB8AC3E}">
-        <p14:creationId xmlns:p14="http://schemas.microsoft.com/office/powerpoint/2010/main" val="2206277948"/>
+        <p14:creationId xmlns:p14="http://schemas.microsoft.com/office/powerpoint/2010/main" val="278674424"/>
       </p:ext>
     </p:extLst>
   </p:cSld>
@@ -3288,7 +5500,7 @@
           <a:p>
             <a:fld id="{EE8B764B-5422-408E-9D04-54B83D1862AB}" type="datetimeFigureOut">
               <a:rPr lang="en-US" smtClean="0"/>
-              <a:t>11/1/19</a:t>
+              <a:t>1/11/2019</a:t>
             </a:fld>
             <a:endParaRPr lang="en-US"/>
           </a:p>
@@ -3414,7 +5626,7 @@
           <a:p>
             <a:fld id="{EE8B764B-5422-408E-9D04-54B83D1862AB}" type="datetimeFigureOut">
               <a:rPr lang="en-US" smtClean="0"/>
-              <a:t>11/1/19</a:t>
+              <a:t>1/11/2019</a:t>
             </a:fld>
             <a:endParaRPr lang="en-US"/>
           </a:p>
@@ -3657,7 +5869,7 @@
           <a:p>
             <a:fld id="{EE8B764B-5422-408E-9D04-54B83D1862AB}" type="datetimeFigureOut">
               <a:rPr lang="en-US" smtClean="0"/>
-              <a:t>11/1/19</a:t>
+              <a:t>1/11/2019</a:t>
             </a:fld>
             <a:endParaRPr lang="en-US"/>
           </a:p>
@@ -3870,7 +6082,7 @@
           <a:p>
             <a:fld id="{EE8B764B-5422-408E-9D04-54B83D1862AB}" type="datetimeFigureOut">
               <a:rPr lang="en-US" smtClean="0"/>
-              <a:t>11/1/19</a:t>
+              <a:t>1/11/2019</a:t>
             </a:fld>
             <a:endParaRPr lang="en-US"/>
           </a:p>
@@ -4082,7 +6294,7 @@
           <a:p>
             <a:fld id="{EE8B764B-5422-408E-9D04-54B83D1862AB}" type="datetimeFigureOut">
               <a:rPr lang="en-US" smtClean="0"/>
-              <a:t>11/1/19</a:t>
+              <a:t>1/11/2019</a:t>
             </a:fld>
             <a:endParaRPr lang="en-US"/>
           </a:p>
@@ -4216,7 +6428,7 @@
           <a:p>
             <a:fld id="{EE8B764B-5422-408E-9D04-54B83D1862AB}" type="datetimeFigureOut">
               <a:rPr lang="en-US" smtClean="0"/>
-              <a:t>11/1/19</a:t>
+              <a:t>1/11/2019</a:t>
             </a:fld>
             <a:endParaRPr lang="en-US"/>
           </a:p>
@@ -4390,7 +6602,7 @@
           <a:p>
             <a:fld id="{EE8B764B-5422-408E-9D04-54B83D1862AB}" type="datetimeFigureOut">
               <a:rPr lang="en-US" smtClean="0"/>
-              <a:t>11/1/19</a:t>
+              <a:t>1/11/2019</a:t>
             </a:fld>
             <a:endParaRPr lang="en-US"/>
           </a:p>
@@ -4579,7 +6791,7 @@
           <a:p>
             <a:fld id="{EE8B764B-5422-408E-9D04-54B83D1862AB}" type="datetimeFigureOut">
               <a:rPr lang="en-US" smtClean="0"/>
-              <a:t>11/1/19</a:t>
+              <a:t>1/11/2019</a:t>
             </a:fld>
             <a:endParaRPr lang="en-US"/>
           </a:p>
@@ -4855,7 +7067,7 @@
           <a:p>
             <a:fld id="{EE8B764B-5422-408E-9D04-54B83D1862AB}" type="datetimeFigureOut">
               <a:rPr lang="en-US" smtClean="0"/>
-              <a:t>11/1/19</a:t>
+              <a:t>1/11/2019</a:t>
             </a:fld>
             <a:endParaRPr lang="en-US"/>
           </a:p>
@@ -5286,7 +7498,7 @@
           <a:p>
             <a:fld id="{EE8B764B-5422-408E-9D04-54B83D1862AB}" type="datetimeFigureOut">
               <a:rPr lang="en-US" smtClean="0"/>
-              <a:t>11/1/19</a:t>
+              <a:t>1/11/2019</a:t>
             </a:fld>
             <a:endParaRPr lang="en-US"/>
           </a:p>
@@ -5492,7 +7704,7 @@
           <a:p>
             <a:fld id="{EE8B764B-5422-408E-9D04-54B83D1862AB}" type="datetimeFigureOut">
               <a:rPr lang="en-US" smtClean="0"/>
-              <a:t>11/1/19</a:t>
+              <a:t>1/11/2019</a:t>
             </a:fld>
             <a:endParaRPr lang="en-US"/>
           </a:p>
@@ -5866,7 +8078,7 @@
           <a:p>
             <a:fld id="{EE8B764B-5422-408E-9D04-54B83D1862AB}" type="datetimeFigureOut">
               <a:rPr lang="en-US" smtClean="0"/>
-              <a:t>11/1/19</a:t>
+              <a:t>1/11/2019</a:t>
             </a:fld>
             <a:endParaRPr lang="en-US"/>
           </a:p>
@@ -6289,7 +8501,7 @@
         </p:nvSpPr>
         <p:spPr>
           <a:xfrm>
-            <a:off x="0" y="1170038"/>
+            <a:off x="-1" y="2001311"/>
             <a:ext cx="12192000" cy="690025"/>
           </a:xfrm>
           <a:prstGeom prst="rect">
@@ -6321,10 +8533,17 @@
           </a:lstStyle>
           <a:p>
             <a:r>
-              <a:rPr lang="en-US" sz="4400" dirty="0">
+              <a:rPr lang="en-US" b="1" dirty="0">
                 <a:solidFill>
                   <a:srgbClr val="1A7EAF"/>
                 </a:solidFill>
+                <a:effectLst>
+                  <a:outerShdw blurRad="38100" dist="38100" dir="2700000" algn="tl">
+                    <a:srgbClr val="000000">
+                      <a:alpha val="43137"/>
+                    </a:srgbClr>
+                  </a:outerShdw>
+                </a:effectLst>
               </a:rPr>
               <a:t>Shoes On Containers</a:t>
             </a:r>
@@ -6345,7 +8564,7 @@
         </p:nvSpPr>
         <p:spPr>
           <a:xfrm>
-            <a:off x="2927604" y="2487086"/>
+            <a:off x="2927604" y="3806731"/>
             <a:ext cx="6336791" cy="2369880"/>
           </a:xfrm>
           <a:prstGeom prst="rect">
@@ -6430,13 +8649,13 @@
   <p:clrMapOvr>
     <a:masterClrMapping/>
   </p:clrMapOvr>
-  <mc:AlternateContent xmlns:mc="http://schemas.openxmlformats.org/markup-compatibility/2006" xmlns:p159="http://schemas.microsoft.com/office/powerpoint/2015/09/main">
-    <mc:Choice Requires="p159">
+  <mc:AlternateContent xmlns:mc="http://schemas.openxmlformats.org/markup-compatibility/2006">
+    <mc:Choice xmlns="" xmlns:p159="http://schemas.microsoft.com/office/powerpoint/2015/09/main" Requires="p159">
       <p:transition xmlns:p14="http://schemas.microsoft.com/office/powerpoint/2010/main" spd="slow" p14:dur="2000">
         <p159:morph option="byWord"/>
       </p:transition>
     </mc:Choice>
-    <mc:Fallback xmlns="">
+    <mc:Fallback>
       <p:transition spd="slow">
         <p:fade/>
       </p:transition>
@@ -6634,13 +8853,13 @@
   <p:clrMapOvr>
     <a:masterClrMapping/>
   </p:clrMapOvr>
-  <mc:AlternateContent xmlns:mc="http://schemas.openxmlformats.org/markup-compatibility/2006" xmlns:p159="http://schemas.microsoft.com/office/powerpoint/2015/09/main">
-    <mc:Choice Requires="p159">
+  <mc:AlternateContent xmlns:mc="http://schemas.openxmlformats.org/markup-compatibility/2006">
+    <mc:Choice xmlns="" xmlns:p159="http://schemas.microsoft.com/office/powerpoint/2015/09/main" Requires="p159">
       <p:transition xmlns:p14="http://schemas.microsoft.com/office/powerpoint/2010/main" spd="slow" p14:dur="2000">
         <p159:morph option="byWord"/>
       </p:transition>
     </mc:Choice>
-    <mc:Fallback xmlns="">
+    <mc:Fallback>
       <p:transition spd="slow">
         <p:fade/>
       </p:transition>
@@ -6840,13 +9059,13 @@
   <p:clrMapOvr>
     <a:masterClrMapping/>
   </p:clrMapOvr>
-  <mc:AlternateContent xmlns:mc="http://schemas.openxmlformats.org/markup-compatibility/2006" xmlns:p159="http://schemas.microsoft.com/office/powerpoint/2015/09/main">
-    <mc:Choice Requires="p159">
+  <mc:AlternateContent xmlns:mc="http://schemas.openxmlformats.org/markup-compatibility/2006">
+    <mc:Choice xmlns="" xmlns:p159="http://schemas.microsoft.com/office/powerpoint/2015/09/main" Requires="p159">
       <p:transition xmlns:p14="http://schemas.microsoft.com/office/powerpoint/2010/main" spd="slow" p14:dur="2000">
         <p159:morph option="byWord"/>
       </p:transition>
     </mc:Choice>
-    <mc:Fallback xmlns="">
+    <mc:Fallback>
       <p:transition spd="slow">
         <p:fade/>
       </p:transition>
@@ -6886,8 +9105,8 @@
         </p:nvSpPr>
         <p:spPr>
           <a:xfrm>
-            <a:off x="651751" y="2041823"/>
-            <a:ext cx="10265924" cy="2918107"/>
+            <a:off x="651751" y="1904663"/>
+            <a:ext cx="10265924" cy="4324261"/>
           </a:xfrm>
           <a:prstGeom prst="rect">
             <a:avLst/>
@@ -6899,6 +9118,29 @@
             <a:spAutoFit/>
           </a:bodyPr>
           <a:lstStyle/>
+          <a:p>
+            <a:r>
+              <a:rPr lang="en-US" sz="2500" dirty="0" smtClean="0">
+                <a:latin typeface="+mj-lt"/>
+              </a:rPr>
+              <a:t>Open-source </a:t>
+            </a:r>
+            <a:r>
+              <a:rPr lang="en-US" sz="2500" dirty="0">
+                <a:latin typeface="+mj-lt"/>
+              </a:rPr>
+              <a:t>software framework </a:t>
+            </a:r>
+            <a:r>
+              <a:rPr lang="en-US" sz="2500" dirty="0" smtClean="0">
+                <a:latin typeface="+mj-lt"/>
+              </a:rPr>
+              <a:t>for design, documentation &amp; consumption of REST APIs</a:t>
+            </a:r>
+            <a:endParaRPr lang="en-US" sz="2500" dirty="0" smtClean="0">
+              <a:latin typeface="+mj-lt"/>
+            </a:endParaRPr>
+          </a:p>
           <a:p>
             <a:pPr marL="342900" indent="-342900">
               <a:lnSpc>
@@ -6907,11 +9149,29 @@
               <a:buFont typeface="Arial" panose="020B0604020202020204" pitchFamily="34" charset="0"/>
               <a:buChar char="•"/>
             </a:pPr>
+            <a:endParaRPr lang="en-US" sz="2500" dirty="0">
+              <a:latin typeface="+mj-lt"/>
+            </a:endParaRPr>
+          </a:p>
+          <a:p>
+            <a:pPr marL="342900" indent="-342900">
+              <a:lnSpc>
+                <a:spcPct val="150000"/>
+              </a:lnSpc>
+              <a:buFont typeface="Arial" panose="020B0604020202020204" pitchFamily="34" charset="0"/>
+              <a:buChar char="•"/>
+            </a:pPr>
+            <a:r>
+              <a:rPr lang="en-US" sz="2500" dirty="0" smtClean="0">
+                <a:latin typeface="+mj-lt"/>
+              </a:rPr>
+              <a:t>Allows </a:t>
+            </a:r>
             <a:r>
               <a:rPr lang="en-US" sz="2500" dirty="0">
                 <a:latin typeface="+mj-lt"/>
               </a:rPr>
-              <a:t>Allows to visualize and interact with the API’s resources</a:t>
+              <a:t>to visualize and interact with the API’s resources</a:t>
             </a:r>
           </a:p>
           <a:p>
@@ -7075,7 +9335,7 @@
         </p:blipFill>
         <p:spPr bwMode="auto">
           <a:xfrm>
-            <a:off x="6625295" y="3913245"/>
+            <a:off x="6457655" y="4568565"/>
             <a:ext cx="5049253" cy="1785533"/>
           </a:xfrm>
           <a:prstGeom prst="rect">
@@ -7103,13 +9363,13 @@
   <p:clrMapOvr>
     <a:masterClrMapping/>
   </p:clrMapOvr>
-  <mc:AlternateContent xmlns:mc="http://schemas.openxmlformats.org/markup-compatibility/2006" xmlns:p159="http://schemas.microsoft.com/office/powerpoint/2015/09/main">
-    <mc:Choice Requires="p159">
+  <mc:AlternateContent xmlns:mc="http://schemas.openxmlformats.org/markup-compatibility/2006">
+    <mc:Choice xmlns="" xmlns:p159="http://schemas.microsoft.com/office/powerpoint/2015/09/main" Requires="p159">
       <p:transition xmlns:p14="http://schemas.microsoft.com/office/powerpoint/2010/main" spd="slow" p14:dur="2000">
         <p159:morph option="byWord"/>
       </p:transition>
     </mc:Choice>
-    <mc:Fallback xmlns="">
+    <mc:Fallback>
       <p:transition spd="slow">
         <p:fade/>
       </p:transition>
@@ -7151,8 +9411,8 @@
         </p:nvSpPr>
         <p:spPr>
           <a:xfrm>
-            <a:off x="4888073" y="2921168"/>
-            <a:ext cx="2415854" cy="1015663"/>
+            <a:off x="0" y="2921168"/>
+            <a:ext cx="12192000" cy="1015663"/>
           </a:xfrm>
           <a:prstGeom prst="rect">
             <a:avLst/>
@@ -7160,7 +9420,7 @@
           <a:noFill/>
         </p:spPr>
         <p:txBody>
-          <a:bodyPr wrap="none" rtlCol="0">
+          <a:bodyPr wrap="square" rtlCol="0">
             <a:spAutoFit/>
           </a:bodyPr>
           <a:lstStyle/>
@@ -7188,13 +9448,13 @@
   <p:clrMapOvr>
     <a:masterClrMapping/>
   </p:clrMapOvr>
-  <mc:AlternateContent xmlns:mc="http://schemas.openxmlformats.org/markup-compatibility/2006" xmlns:p159="http://schemas.microsoft.com/office/powerpoint/2015/09/main">
-    <mc:Choice Requires="p159">
+  <mc:AlternateContent xmlns:mc="http://schemas.openxmlformats.org/markup-compatibility/2006">
+    <mc:Choice xmlns="" xmlns:p159="http://schemas.microsoft.com/office/powerpoint/2015/09/main" Requires="p159">
       <p:transition xmlns:p14="http://schemas.microsoft.com/office/powerpoint/2010/main" spd="slow" p14:dur="2000">
         <p159:morph option="byWord"/>
       </p:transition>
     </mc:Choice>
-    <mc:Fallback xmlns="">
+    <mc:Fallback>
       <p:transition spd="slow">
         <p:fade/>
       </p:transition>
@@ -7235,7 +9495,7 @@
         <p:spPr>
           <a:xfrm>
             <a:off x="583200" y="2204658"/>
-            <a:ext cx="9175163" cy="1186863"/>
+            <a:ext cx="9175163" cy="2015936"/>
           </a:xfrm>
           <a:prstGeom prst="rect">
             <a:avLst/>
@@ -7247,6 +9507,24 @@
             <a:spAutoFit/>
           </a:bodyPr>
           <a:lstStyle/>
+          <a:p>
+            <a:pPr marL="342900" indent="-342900">
+              <a:buFont typeface="Arial" panose="020B0604020202020204" pitchFamily="34" charset="0"/>
+              <a:buChar char="•"/>
+            </a:pPr>
+            <a:r>
+              <a:rPr lang="en-US" sz="2500" dirty="0">
+                <a:latin typeface="+mj-lt"/>
+              </a:rPr>
+              <a:t>Open-source project for automating the deployment of </a:t>
+            </a:r>
+            <a:r>
+              <a:rPr lang="en-US" sz="2500" dirty="0" smtClean="0">
+                <a:latin typeface="+mj-lt"/>
+              </a:rPr>
+              <a:t>applications</a:t>
+            </a:r>
+          </a:p>
           <a:p>
             <a:pPr marL="342900" indent="-342900">
               <a:lnSpc>
@@ -7256,11 +9534,23 @@
               <a:buChar char="•"/>
             </a:pPr>
             <a:r>
-              <a:rPr lang="en-US" sz="2500" dirty="0">
-                <a:latin typeface="+mj-lt"/>
-              </a:rPr>
-              <a:t>Open-source project for automating the deployment of applications</a:t>
-            </a:r>
+              <a:rPr lang="en-US" sz="2500" dirty="0" smtClean="0">
+                <a:latin typeface="+mj-lt"/>
+              </a:rPr>
+              <a:t>Create, Deploy &amp; Run application by using containers</a:t>
+            </a:r>
+          </a:p>
+          <a:p>
+            <a:pPr marL="342900" indent="-342900">
+              <a:lnSpc>
+                <a:spcPct val="150000"/>
+              </a:lnSpc>
+              <a:buFont typeface="Arial" panose="020B0604020202020204" pitchFamily="34" charset="0"/>
+              <a:buChar char="•"/>
+            </a:pPr>
+            <a:endParaRPr lang="en-US" sz="2500" dirty="0" smtClean="0">
+              <a:latin typeface="+mj-lt"/>
+            </a:endParaRPr>
           </a:p>
         </p:txBody>
       </p:sp>
@@ -7332,13 +9622,13 @@
   <p:clrMapOvr>
     <a:masterClrMapping/>
   </p:clrMapOvr>
-  <mc:AlternateContent xmlns:mc="http://schemas.openxmlformats.org/markup-compatibility/2006" xmlns:p159="http://schemas.microsoft.com/office/powerpoint/2015/09/main">
-    <mc:Choice Requires="p159">
+  <mc:AlternateContent xmlns:mc="http://schemas.openxmlformats.org/markup-compatibility/2006">
+    <mc:Choice xmlns="" xmlns:p159="http://schemas.microsoft.com/office/powerpoint/2015/09/main" Requires="p159">
       <p:transition xmlns:p14="http://schemas.microsoft.com/office/powerpoint/2010/main" spd="slow" p14:dur="2000">
         <p159:morph option="byWord"/>
       </p:transition>
     </mc:Choice>
-    <mc:Fallback xmlns="">
+    <mc:Fallback>
       <p:transition spd="slow">
         <p:fade/>
       </p:transition>
@@ -7379,7 +9669,7 @@
         <p:spPr>
           <a:xfrm>
             <a:off x="583200" y="2204658"/>
-            <a:ext cx="9175163" cy="2341025"/>
+            <a:ext cx="9175163" cy="2015936"/>
           </a:xfrm>
           <a:prstGeom prst="rect">
             <a:avLst/>
@@ -7391,6 +9681,18 @@
             <a:spAutoFit/>
           </a:bodyPr>
           <a:lstStyle/>
+          <a:p>
+            <a:pPr marL="342900" indent="-342900">
+              <a:buFont typeface="Arial" panose="020B0604020202020204" pitchFamily="34" charset="0"/>
+              <a:buChar char="•"/>
+            </a:pPr>
+            <a:r>
+              <a:rPr lang="en-US" sz="2500" dirty="0">
+                <a:latin typeface="+mj-lt"/>
+              </a:rPr>
+              <a:t>Software approach in which the application, its dependencies and configuration are packaged as a container image</a:t>
+            </a:r>
+          </a:p>
           <a:p>
             <a:pPr marL="342900" indent="-342900">
               <a:lnSpc>
@@ -7403,22 +9705,19 @@
               <a:rPr lang="en-US" sz="2500" dirty="0">
                 <a:latin typeface="+mj-lt"/>
               </a:rPr>
-              <a:t>Software approach in which the application, its dependencies and configuration are packaged as a container image</a:t>
-            </a:r>
-          </a:p>
-          <a:p>
-            <a:pPr marL="342900" indent="-342900">
-              <a:lnSpc>
-                <a:spcPct val="150000"/>
-              </a:lnSpc>
-              <a:buFont typeface="Arial" panose="020B0604020202020204" pitchFamily="34" charset="0"/>
-              <a:buChar char="•"/>
-            </a:pPr>
+              <a:t>Containers = </a:t>
+            </a:r>
+            <a:r>
+              <a:rPr lang="en-US" sz="2500" dirty="0" smtClean="0">
+                <a:latin typeface="+mj-lt"/>
+              </a:rPr>
+              <a:t>isolated </a:t>
+            </a:r>
             <a:r>
               <a:rPr lang="en-US" sz="2500" dirty="0">
                 <a:latin typeface="+mj-lt"/>
               </a:rPr>
-              <a:t>Containers = isolate applications</a:t>
+              <a:t>applications</a:t>
             </a:r>
           </a:p>
           <a:p>
@@ -7506,13 +9805,13 @@
   <p:clrMapOvr>
     <a:masterClrMapping/>
   </p:clrMapOvr>
-  <mc:AlternateContent xmlns:mc="http://schemas.openxmlformats.org/markup-compatibility/2006" xmlns:p159="http://schemas.microsoft.com/office/powerpoint/2015/09/main">
-    <mc:Choice Requires="p159">
+  <mc:AlternateContent xmlns:mc="http://schemas.openxmlformats.org/markup-compatibility/2006">
+    <mc:Choice xmlns="" xmlns:p159="http://schemas.microsoft.com/office/powerpoint/2015/09/main" Requires="p159">
       <p:transition xmlns:p14="http://schemas.microsoft.com/office/powerpoint/2010/main" spd="slow" p14:dur="2000">
         <p159:morph option="byWord"/>
       </p:transition>
     </mc:Choice>
-    <mc:Fallback xmlns="">
+    <mc:Fallback>
       <p:transition spd="slow">
         <p:fade/>
       </p:transition>
@@ -7563,7 +9862,7 @@
         </p:spPr>
         <p:txBody>
           <a:bodyPr>
-            <a:normAutofit/>
+            <a:normAutofit fontScale="92500"/>
           </a:bodyPr>
           <a:lstStyle>
             <a:lvl1pPr algn="l" defTabSz="914400" rtl="0" eaLnBrk="1" latinLnBrk="0" hangingPunct="1">
@@ -7645,13 +9944,13 @@
   <p:clrMapOvr>
     <a:masterClrMapping/>
   </p:clrMapOvr>
-  <mc:AlternateContent xmlns:mc="http://schemas.openxmlformats.org/markup-compatibility/2006" xmlns:p159="http://schemas.microsoft.com/office/powerpoint/2015/09/main">
-    <mc:Choice Requires="p159">
+  <mc:AlternateContent xmlns:mc="http://schemas.openxmlformats.org/markup-compatibility/2006">
+    <mc:Choice xmlns="" xmlns:p159="http://schemas.microsoft.com/office/powerpoint/2015/09/main" Requires="p159">
       <p:transition xmlns:p14="http://schemas.microsoft.com/office/powerpoint/2010/main" spd="slow" p14:dur="2000">
         <p159:morph option="byWord"/>
       </p:transition>
     </mc:Choice>
-    <mc:Fallback xmlns="">
+    <mc:Fallback>
       <p:transition spd="slow">
         <p:fade/>
       </p:transition>
@@ -7693,8 +9992,8 @@
         </p:nvSpPr>
         <p:spPr>
           <a:xfrm>
-            <a:off x="4355781" y="1997839"/>
-            <a:ext cx="3480440" cy="1015663"/>
+            <a:off x="0" y="2668399"/>
+            <a:ext cx="12085320" cy="1015663"/>
           </a:xfrm>
           <a:prstGeom prst="rect">
             <a:avLst/>
@@ -7702,7 +10001,7 @@
           <a:noFill/>
         </p:spPr>
         <p:txBody>
-          <a:bodyPr wrap="none" rtlCol="0">
+          <a:bodyPr wrap="square" rtlCol="0">
             <a:spAutoFit/>
           </a:bodyPr>
           <a:lstStyle/>
@@ -7770,13 +10069,13 @@
   <p:clrMapOvr>
     <a:masterClrMapping/>
   </p:clrMapOvr>
-  <mc:AlternateContent xmlns:mc="http://schemas.openxmlformats.org/markup-compatibility/2006" xmlns:p159="http://schemas.microsoft.com/office/powerpoint/2015/09/main">
-    <mc:Choice Requires="p159">
+  <mc:AlternateContent xmlns:mc="http://schemas.openxmlformats.org/markup-compatibility/2006">
+    <mc:Choice xmlns="" xmlns:p159="http://schemas.microsoft.com/office/powerpoint/2015/09/main" Requires="p159">
       <p:transition xmlns:p14="http://schemas.microsoft.com/office/powerpoint/2010/main" spd="slow" p14:dur="2000">
         <p159:morph option="byWord"/>
       </p:transition>
     </mc:Choice>
-    <mc:Fallback xmlns="">
+    <mc:Fallback>
       <p:transition spd="slow">
         <p:fade/>
       </p:transition>
@@ -7875,7 +10174,7 @@
         <p:spPr>
           <a:xfrm>
             <a:off x="583199" y="1469809"/>
-            <a:ext cx="9175163" cy="1186863"/>
+            <a:ext cx="9175163" cy="861774"/>
           </a:xfrm>
           <a:prstGeom prst="rect">
             <a:avLst/>
@@ -7889,9 +10188,6 @@
           <a:lstStyle/>
           <a:p>
             <a:pPr marL="342900" indent="-342900">
-              <a:lnSpc>
-                <a:spcPct val="150000"/>
-              </a:lnSpc>
               <a:buFont typeface="Arial" panose="020B0604020202020204" pitchFamily="34" charset="0"/>
               <a:buChar char="•"/>
             </a:pPr>
@@ -7961,13 +10257,13 @@
   <p:clrMapOvr>
     <a:masterClrMapping/>
   </p:clrMapOvr>
-  <mc:AlternateContent xmlns:mc="http://schemas.openxmlformats.org/markup-compatibility/2006" xmlns:p159="http://schemas.microsoft.com/office/powerpoint/2015/09/main">
-    <mc:Choice Requires="p159">
+  <mc:AlternateContent xmlns:mc="http://schemas.openxmlformats.org/markup-compatibility/2006">
+    <mc:Choice xmlns="" xmlns:p159="http://schemas.microsoft.com/office/powerpoint/2015/09/main" Requires="p159">
       <p:transition xmlns:p14="http://schemas.microsoft.com/office/powerpoint/2010/main" spd="slow" p14:dur="2000">
         <p159:morph option="byWord"/>
       </p:transition>
     </mc:Choice>
-    <mc:Fallback xmlns="">
+    <mc:Fallback>
       <p:transition spd="slow">
         <p:fade/>
       </p:transition>
@@ -8135,13 +10431,13 @@
   <p:clrMapOvr>
     <a:masterClrMapping/>
   </p:clrMapOvr>
-  <mc:AlternateContent xmlns:mc="http://schemas.openxmlformats.org/markup-compatibility/2006" xmlns:p159="http://schemas.microsoft.com/office/powerpoint/2015/09/main">
-    <mc:Choice Requires="p159">
+  <mc:AlternateContent xmlns:mc="http://schemas.openxmlformats.org/markup-compatibility/2006">
+    <mc:Choice xmlns="" xmlns:p159="http://schemas.microsoft.com/office/powerpoint/2015/09/main" Requires="p159">
       <p:transition xmlns:p14="http://schemas.microsoft.com/office/powerpoint/2010/main" spd="slow" p14:dur="2000">
         <p159:morph option="byWord"/>
       </p:transition>
     </mc:Choice>
-    <mc:Fallback xmlns="">
+    <mc:Fallback>
       <p:transition spd="slow">
         <p:fade/>
       </p:transition>
@@ -8181,10 +10477,10 @@
         </p:nvGrpSpPr>
         <p:grpSpPr>
           <a:xfrm>
-            <a:off x="0" y="176981"/>
-            <a:ext cx="12192000" cy="4605475"/>
-            <a:chOff x="0" y="164592"/>
-            <a:chExt cx="11120115" cy="4440883"/>
+            <a:off x="397582" y="860010"/>
+            <a:ext cx="12262008" cy="4888800"/>
+            <a:chOff x="362627" y="823211"/>
+            <a:chExt cx="11183969" cy="4714082"/>
           </a:xfrm>
         </p:grpSpPr>
         <p:sp>
@@ -8203,8 +10499,8 @@
           </p:nvSpPr>
           <p:spPr>
             <a:xfrm>
-              <a:off x="0" y="164592"/>
-              <a:ext cx="1982088" cy="509221"/>
+              <a:off x="362627" y="823211"/>
+              <a:ext cx="2848305" cy="509221"/>
             </a:xfrm>
             <a:prstGeom prst="rect">
               <a:avLst/>
@@ -8235,13 +10531,18 @@
             </a:lstStyle>
             <a:p>
               <a:r>
-                <a:rPr lang="en-US" sz="3000" dirty="0">
+                <a:rPr lang="en-US" sz="5400" b="1" dirty="0">
                   <a:solidFill>
                     <a:srgbClr val="1A7EAF"/>
                   </a:solidFill>
                 </a:rPr>
                 <a:t>Outline</a:t>
               </a:r>
+              <a:endParaRPr lang="en-US" sz="4000" b="1" dirty="0">
+                <a:solidFill>
+                  <a:srgbClr val="1A7EAF"/>
+                </a:solidFill>
+              </a:endParaRPr>
             </a:p>
           </p:txBody>
         </p:sp>
@@ -8259,7 +10560,7 @@
           </p:nvSpPr>
           <p:spPr>
             <a:xfrm>
-              <a:off x="297551" y="867529"/>
+              <a:off x="724032" y="1799347"/>
               <a:ext cx="10822564" cy="3737946"/>
             </a:xfrm>
             <a:prstGeom prst="rect">
@@ -8405,13 +10706,13 @@
   <p:clrMapOvr>
     <a:masterClrMapping/>
   </p:clrMapOvr>
-  <mc:AlternateContent xmlns:mc="http://schemas.openxmlformats.org/markup-compatibility/2006" xmlns:p159="http://schemas.microsoft.com/office/powerpoint/2015/09/main">
-    <mc:Choice Requires="p159">
+  <mc:AlternateContent xmlns:mc="http://schemas.openxmlformats.org/markup-compatibility/2006">
+    <mc:Choice xmlns="" xmlns:p159="http://schemas.microsoft.com/office/powerpoint/2015/09/main" Requires="p159">
       <p:transition xmlns:p14="http://schemas.microsoft.com/office/powerpoint/2010/main" spd="slow" p14:dur="2000">
         <p159:morph option="byWord"/>
       </p:transition>
     </mc:Choice>
-    <mc:Fallback xmlns="">
+    <mc:Fallback>
       <p:transition spd="slow">
         <p:fade/>
       </p:transition>
@@ -8490,13 +10791,13 @@
   <p:clrMapOvr>
     <a:masterClrMapping/>
   </p:clrMapOvr>
-  <mc:AlternateContent xmlns:mc="http://schemas.openxmlformats.org/markup-compatibility/2006" xmlns:p159="http://schemas.microsoft.com/office/powerpoint/2015/09/main">
-    <mc:Choice Requires="p159">
+  <mc:AlternateContent xmlns:mc="http://schemas.openxmlformats.org/markup-compatibility/2006">
+    <mc:Choice xmlns="" xmlns:p159="http://schemas.microsoft.com/office/powerpoint/2015/09/main" Requires="p159">
       <p:transition xmlns:p14="http://schemas.microsoft.com/office/powerpoint/2010/main" spd="slow" p14:dur="2000">
         <p159:morph option="byWord"/>
       </p:transition>
     </mc:Choice>
-    <mc:Fallback xmlns="">
+    <mc:Fallback>
       <p:transition spd="slow">
         <p:fade/>
       </p:transition>
@@ -8570,7 +10871,11 @@
           </a:lstStyle>
           <a:p>
             <a:r>
-              <a:rPr lang="en-US" sz="6000" b="1" dirty="0"/>
+              <a:rPr lang="en-US" sz="6000" b="1" dirty="0">
+                <a:solidFill>
+                  <a:srgbClr val="1A7EAF"/>
+                </a:solidFill>
+              </a:rPr>
               <a:t>Overview</a:t>
             </a:r>
           </a:p>
@@ -8604,8 +10909,8 @@
         </p:blipFill>
         <p:spPr>
           <a:xfrm>
-            <a:off x="1581150" y="1681112"/>
-            <a:ext cx="9029700" cy="4203700"/>
+            <a:off x="898358" y="1681112"/>
+            <a:ext cx="9712492" cy="4521568"/>
           </a:xfrm>
           <a:prstGeom prst="rect">
             <a:avLst/>
@@ -8622,13 +10927,13 @@
   <p:clrMapOvr>
     <a:masterClrMapping/>
   </p:clrMapOvr>
-  <mc:AlternateContent xmlns:mc="http://schemas.openxmlformats.org/markup-compatibility/2006" xmlns:p159="http://schemas.microsoft.com/office/powerpoint/2015/09/main">
-    <mc:Choice Requires="p159">
+  <mc:AlternateContent xmlns:mc="http://schemas.openxmlformats.org/markup-compatibility/2006">
+    <mc:Choice xmlns="" xmlns:p159="http://schemas.microsoft.com/office/powerpoint/2015/09/main" Requires="p159">
       <p:transition xmlns:p14="http://schemas.microsoft.com/office/powerpoint/2010/main" spd="slow" p14:dur="2000">
         <p159:morph option="byWord"/>
       </p:transition>
     </mc:Choice>
-    <mc:Fallback xmlns="">
+    <mc:Fallback>
       <p:transition spd="slow">
         <p:fade/>
       </p:transition>
@@ -8841,13 +11146,13 @@
   <p:clrMapOvr>
     <a:masterClrMapping/>
   </p:clrMapOvr>
-  <mc:AlternateContent xmlns:mc="http://schemas.openxmlformats.org/markup-compatibility/2006" xmlns:p159="http://schemas.microsoft.com/office/powerpoint/2015/09/main">
-    <mc:Choice Requires="p159">
+  <mc:AlternateContent xmlns:mc="http://schemas.openxmlformats.org/markup-compatibility/2006">
+    <mc:Choice xmlns="" xmlns:p159="http://schemas.microsoft.com/office/powerpoint/2015/09/main" Requires="p159">
       <p:transition xmlns:p14="http://schemas.microsoft.com/office/powerpoint/2010/main" spd="slow" p14:dur="2000">
         <p159:morph option="byWord"/>
       </p:transition>
     </mc:Choice>
-    <mc:Fallback xmlns="">
+    <mc:Fallback>
       <p:transition spd="slow">
         <p:fade/>
       </p:transition>
@@ -8898,7 +11203,7 @@
         </p:spPr>
         <p:txBody>
           <a:bodyPr>
-            <a:normAutofit/>
+            <a:normAutofit fontScale="85000" lnSpcReduction="10000"/>
           </a:bodyPr>
           <a:lstStyle>
             <a:lvl1pPr algn="l" defTabSz="914400" rtl="0" eaLnBrk="1" latinLnBrk="0" hangingPunct="1">
@@ -9096,13 +11401,13 @@
   <p:clrMapOvr>
     <a:masterClrMapping/>
   </p:clrMapOvr>
-  <mc:AlternateContent xmlns:mc="http://schemas.openxmlformats.org/markup-compatibility/2006" xmlns:p159="http://schemas.microsoft.com/office/powerpoint/2015/09/main">
-    <mc:Choice Requires="p159">
+  <mc:AlternateContent xmlns:mc="http://schemas.openxmlformats.org/markup-compatibility/2006">
+    <mc:Choice xmlns="" xmlns:p159="http://schemas.microsoft.com/office/powerpoint/2015/09/main" Requires="p159">
       <p:transition xmlns:p14="http://schemas.microsoft.com/office/powerpoint/2010/main" spd="slow" p14:dur="2000">
         <p159:morph option="byWord"/>
       </p:transition>
     </mc:Choice>
-    <mc:Fallback xmlns="">
+    <mc:Fallback>
       <p:transition spd="slow">
         <p:fade/>
       </p:transition>
@@ -9153,7 +11458,7 @@
         </p:spPr>
         <p:txBody>
           <a:bodyPr>
-            <a:normAutofit/>
+            <a:normAutofit fontScale="92500"/>
           </a:bodyPr>
           <a:lstStyle>
             <a:lvl1pPr algn="l" defTabSz="914400" rtl="0" eaLnBrk="1" latinLnBrk="0" hangingPunct="1">
@@ -9389,13 +11694,13 @@
   <p:clrMapOvr>
     <a:masterClrMapping/>
   </p:clrMapOvr>
-  <mc:AlternateContent xmlns:mc="http://schemas.openxmlformats.org/markup-compatibility/2006" xmlns:p159="http://schemas.microsoft.com/office/powerpoint/2015/09/main">
-    <mc:Choice Requires="p159">
+  <mc:AlternateContent xmlns:mc="http://schemas.openxmlformats.org/markup-compatibility/2006">
+    <mc:Choice xmlns="" xmlns:p159="http://schemas.microsoft.com/office/powerpoint/2015/09/main" Requires="p159">
       <p:transition xmlns:p14="http://schemas.microsoft.com/office/powerpoint/2010/main" spd="slow" p14:dur="2000">
         <p159:morph option="byWord"/>
       </p:transition>
     </mc:Choice>
-    <mc:Fallback xmlns="">
+    <mc:Fallback>
       <p:transition spd="slow">
         <p:fade/>
       </p:transition>
@@ -9652,13 +11957,13 @@
   <p:clrMapOvr>
     <a:masterClrMapping/>
   </p:clrMapOvr>
-  <mc:AlternateContent xmlns:mc="http://schemas.openxmlformats.org/markup-compatibility/2006" xmlns:p159="http://schemas.microsoft.com/office/powerpoint/2015/09/main">
-    <mc:Choice Requires="p159">
+  <mc:AlternateContent xmlns:mc="http://schemas.openxmlformats.org/markup-compatibility/2006">
+    <mc:Choice xmlns="" xmlns:p159="http://schemas.microsoft.com/office/powerpoint/2015/09/main" Requires="p159">
       <p:transition xmlns:p14="http://schemas.microsoft.com/office/powerpoint/2010/main" spd="slow" p14:dur="2000">
         <p159:morph option="byWord"/>
       </p:transition>
     </mc:Choice>
-    <mc:Fallback xmlns="">
+    <mc:Fallback>
       <p:transition spd="slow">
         <p:fade/>
       </p:transition>
@@ -9737,13 +12042,13 @@
   <p:clrMapOvr>
     <a:masterClrMapping/>
   </p:clrMapOvr>
-  <mc:AlternateContent xmlns:mc="http://schemas.openxmlformats.org/markup-compatibility/2006" xmlns:p159="http://schemas.microsoft.com/office/powerpoint/2015/09/main">
-    <mc:Choice Requires="p159">
+  <mc:AlternateContent xmlns:mc="http://schemas.openxmlformats.org/markup-compatibility/2006">
+    <mc:Choice xmlns="" xmlns:p159="http://schemas.microsoft.com/office/powerpoint/2015/09/main" Requires="p159">
       <p:transition xmlns:p14="http://schemas.microsoft.com/office/powerpoint/2010/main" spd="slow" p14:dur="2000">
         <p159:morph option="byWord"/>
       </p:transition>
     </mc:Choice>
-    <mc:Fallback xmlns="">
+    <mc:Fallback>
       <p:transition spd="slow">
         <p:fade/>
       </p:transition>
@@ -9842,7 +12147,7 @@
         <p:spPr>
           <a:xfrm>
             <a:off x="599447" y="2074523"/>
-            <a:ext cx="10993105" cy="3495188"/>
+            <a:ext cx="10993105" cy="4131900"/>
           </a:xfrm>
           <a:prstGeom prst="rect">
             <a:avLst/>
@@ -9887,8 +12192,38 @@
                 </a:solidFill>
                 <a:latin typeface="+mj-lt"/>
               </a:rPr>
-              <a:t>Simplify usage of microservices</a:t>
-            </a:r>
+              <a:t>Simplify usage of </a:t>
+            </a:r>
+            <a:r>
+              <a:rPr lang="en-US" sz="2500" dirty="0" err="1" smtClean="0">
+                <a:solidFill>
+                  <a:srgbClr val="212529"/>
+                </a:solidFill>
+                <a:latin typeface="+mj-lt"/>
+              </a:rPr>
+              <a:t>microservices</a:t>
+            </a:r>
+            <a:endParaRPr lang="en-US" sz="2500" dirty="0" smtClean="0">
+              <a:solidFill>
+                <a:srgbClr val="212529"/>
+              </a:solidFill>
+              <a:latin typeface="+mj-lt"/>
+            </a:endParaRPr>
+          </a:p>
+          <a:p>
+            <a:pPr marL="800100" lvl="1" indent="-342900">
+              <a:lnSpc>
+                <a:spcPct val="150000"/>
+              </a:lnSpc>
+              <a:buFont typeface="Arial" panose="020B0604020202020204" pitchFamily="34" charset="0"/>
+              <a:buChar char="•"/>
+            </a:pPr>
+            <a:endParaRPr lang="en-US" sz="2500" dirty="0">
+              <a:solidFill>
+                <a:srgbClr val="212529"/>
+              </a:solidFill>
+              <a:latin typeface="+mj-lt"/>
+            </a:endParaRPr>
           </a:p>
           <a:p>
             <a:pPr marL="342900" indent="-342900">
@@ -9992,13 +12327,13 @@
   <p:clrMapOvr>
     <a:masterClrMapping/>
   </p:clrMapOvr>
-  <mc:AlternateContent xmlns:mc="http://schemas.openxmlformats.org/markup-compatibility/2006" xmlns:p159="http://schemas.microsoft.com/office/powerpoint/2015/09/main">
-    <mc:Choice Requires="p159">
+  <mc:AlternateContent xmlns:mc="http://schemas.openxmlformats.org/markup-compatibility/2006">
+    <mc:Choice xmlns="" xmlns:p159="http://schemas.microsoft.com/office/powerpoint/2015/09/main" Requires="p159">
       <p:transition xmlns:p14="http://schemas.microsoft.com/office/powerpoint/2010/main" spd="slow" p14:dur="2000">
         <p159:morph option="byWord"/>
       </p:transition>
     </mc:Choice>
-    <mc:Fallback xmlns="">
+    <mc:Fallback>
       <p:transition spd="slow">
         <p:fade/>
       </p:transition>
@@ -10193,13 +12528,13 @@
   <p:clrMapOvr>
     <a:masterClrMapping/>
   </p:clrMapOvr>
-  <mc:AlternateContent xmlns:mc="http://schemas.openxmlformats.org/markup-compatibility/2006" xmlns:p159="http://schemas.microsoft.com/office/powerpoint/2015/09/main">
-    <mc:Choice Requires="p159">
+  <mc:AlternateContent xmlns:mc="http://schemas.openxmlformats.org/markup-compatibility/2006">
+    <mc:Choice xmlns="" xmlns:p159="http://schemas.microsoft.com/office/powerpoint/2015/09/main" Requires="p159">
       <p:transition xmlns:p14="http://schemas.microsoft.com/office/powerpoint/2010/main" spd="slow" p14:dur="2000">
         <p159:morph option="byWord"/>
       </p:transition>
     </mc:Choice>
-    <mc:Fallback xmlns="">
+    <mc:Fallback>
       <p:transition spd="slow">
         <p:fade/>
       </p:transition>
@@ -10278,13 +12613,13 @@
   <p:clrMapOvr>
     <a:masterClrMapping/>
   </p:clrMapOvr>
-  <mc:AlternateContent xmlns:mc="http://schemas.openxmlformats.org/markup-compatibility/2006" xmlns:p159="http://schemas.microsoft.com/office/powerpoint/2015/09/main">
-    <mc:Choice Requires="p159">
+  <mc:AlternateContent xmlns:mc="http://schemas.openxmlformats.org/markup-compatibility/2006">
+    <mc:Choice xmlns="" xmlns:p159="http://schemas.microsoft.com/office/powerpoint/2015/09/main" Requires="p159">
       <p:transition xmlns:p14="http://schemas.microsoft.com/office/powerpoint/2010/main" spd="slow" p14:dur="2000">
         <p159:morph option="byWord"/>
       </p:transition>
     </mc:Choice>
-    <mc:Fallback xmlns="">
+    <mc:Fallback>
       <p:transition spd="slow">
         <p:fade/>
       </p:transition>
@@ -10332,8 +12667,8 @@
         </p:nvSpPr>
         <p:spPr>
           <a:xfrm>
-            <a:off x="3901440" y="2921168"/>
-            <a:ext cx="4389120" cy="1015663"/>
+            <a:off x="0" y="2738288"/>
+            <a:ext cx="12192000" cy="1015663"/>
           </a:xfrm>
           <a:prstGeom prst="rect">
             <a:avLst/>
@@ -10346,6 +12681,7 @@
           </a:bodyPr>
           <a:lstStyle/>
           <a:p>
+            <a:pPr algn="ctr"/>
             <a:r>
               <a:rPr lang="en-US" sz="6000" b="1" dirty="0">
                 <a:solidFill>
@@ -10361,46 +12697,6 @@
               </a:solidFill>
               <a:latin typeface="+mj-lt"/>
             </a:endParaRPr>
-          </a:p>
-        </p:txBody>
-      </p:sp>
-      <p:sp>
-        <p:nvSpPr>
-          <p:cNvPr id="13" name="TextBox 12">
-            <a:extLst>
-              <a:ext uri="{FF2B5EF4-FFF2-40B4-BE49-F238E27FC236}">
-                <a16:creationId xmlns:a16="http://schemas.microsoft.com/office/drawing/2014/main" id="{F4FB63EE-BB7D-F541-944D-353A1C5DB5A8}"/>
-              </a:ext>
-            </a:extLst>
-          </p:cNvPr>
-          <p:cNvSpPr txBox="1"/>
-          <p:nvPr/>
-        </p:nvSpPr>
-        <p:spPr>
-          <a:xfrm>
-            <a:off x="-3439696" y="965882"/>
-            <a:ext cx="3439696" cy="323165"/>
-          </a:xfrm>
-          <a:prstGeom prst="rect">
-            <a:avLst/>
-          </a:prstGeom>
-          <a:noFill/>
-        </p:spPr>
-        <p:txBody>
-          <a:bodyPr wrap="square" rtlCol="0">
-            <a:spAutoFit/>
-          </a:bodyPr>
-          <a:lstStyle/>
-          <a:p>
-            <a:r>
-              <a:rPr lang="en-US" sz="1500" dirty="0">
-                <a:solidFill>
-                  <a:srgbClr val="1A7EAF"/>
-                </a:solidFill>
-                <a:latin typeface="+mj-lt"/>
-              </a:rPr>
-              <a:t>Context of the Project</a:t>
-            </a:r>
           </a:p>
         </p:txBody>
       </p:sp>
@@ -10414,13 +12710,13 @@
   <p:clrMapOvr>
     <a:masterClrMapping/>
   </p:clrMapOvr>
-  <mc:AlternateContent xmlns:mc="http://schemas.openxmlformats.org/markup-compatibility/2006" xmlns:p159="http://schemas.microsoft.com/office/powerpoint/2015/09/main">
-    <mc:Choice Requires="p159">
+  <mc:AlternateContent xmlns:mc="http://schemas.openxmlformats.org/markup-compatibility/2006">
+    <mc:Choice xmlns="" xmlns:p159="http://schemas.microsoft.com/office/powerpoint/2015/09/main" Requires="p159">
       <p:transition xmlns:p14="http://schemas.microsoft.com/office/powerpoint/2010/main" spd="slow" p14:dur="2000">
         <p159:morph option="byWord"/>
       </p:transition>
     </mc:Choice>
-    <mc:Fallback xmlns="">
+    <mc:Fallback>
       <p:transition spd="slow">
         <p:fade/>
       </p:transition>
@@ -10648,13 +12944,13 @@
   <p:clrMapOvr>
     <a:masterClrMapping/>
   </p:clrMapOvr>
-  <mc:AlternateContent xmlns:mc="http://schemas.openxmlformats.org/markup-compatibility/2006" xmlns:p159="http://schemas.microsoft.com/office/powerpoint/2015/09/main">
-    <mc:Choice Requires="p159">
+  <mc:AlternateContent xmlns:mc="http://schemas.openxmlformats.org/markup-compatibility/2006">
+    <mc:Choice xmlns="" xmlns:p159="http://schemas.microsoft.com/office/powerpoint/2015/09/main" Requires="p159">
       <p:transition xmlns:p14="http://schemas.microsoft.com/office/powerpoint/2010/main" spd="slow" p14:dur="2000">
         <p159:morph option="byWord"/>
       </p:transition>
     </mc:Choice>
-    <mc:Fallback xmlns="">
+    <mc:Fallback>
       <p:transition spd="slow">
         <p:fade/>
       </p:transition>
@@ -10733,13 +13029,13 @@
   <p:clrMapOvr>
     <a:masterClrMapping/>
   </p:clrMapOvr>
-  <mc:AlternateContent xmlns:mc="http://schemas.openxmlformats.org/markup-compatibility/2006" xmlns:p159="http://schemas.microsoft.com/office/powerpoint/2015/09/main">
-    <mc:Choice Requires="p159">
+  <mc:AlternateContent xmlns:mc="http://schemas.openxmlformats.org/markup-compatibility/2006">
+    <mc:Choice xmlns="" xmlns:p159="http://schemas.microsoft.com/office/powerpoint/2015/09/main" Requires="p159">
       <p:transition xmlns:p14="http://schemas.microsoft.com/office/powerpoint/2010/main" spd="slow" p14:dur="2000">
         <p159:morph option="byWord"/>
       </p:transition>
     </mc:Choice>
-    <mc:Fallback xmlns="">
+    <mc:Fallback>
       <p:transition spd="slow">
         <p:fade/>
       </p:transition>
@@ -10837,8 +13133,8 @@
         </p:nvSpPr>
         <p:spPr>
           <a:xfrm>
-            <a:off x="583199" y="1771649"/>
-            <a:ext cx="5617576" cy="4204356"/>
+            <a:off x="583198" y="1771649"/>
+            <a:ext cx="6518641" cy="4247317"/>
           </a:xfrm>
           <a:prstGeom prst="rect">
             <a:avLst/>
@@ -10851,12 +13147,10 @@
           </a:bodyPr>
           <a:lstStyle/>
           <a:p>
-            <a:pPr marL="342900" indent="-342900">
+            <a:pPr>
               <a:lnSpc>
                 <a:spcPct val="150000"/>
               </a:lnSpc>
-              <a:buFont typeface="Arial" panose="020B0604020202020204" pitchFamily="34" charset="0"/>
-              <a:buChar char="•"/>
             </a:pPr>
             <a:r>
               <a:rPr lang="en-US" dirty="0">
@@ -10869,66 +13163,79 @@
             </a:r>
           </a:p>
           <a:p>
-            <a:pPr marL="342900" indent="-342900">
+            <a:pPr>
               <a:lnSpc>
                 <a:spcPct val="150000"/>
               </a:lnSpc>
-              <a:buFont typeface="Arial" panose="020B0604020202020204" pitchFamily="34" charset="0"/>
-              <a:buChar char="•"/>
             </a:pPr>
-            <a:r>
-              <a:rPr lang="en-US" dirty="0">
-                <a:solidFill>
-                  <a:srgbClr val="212529"/>
-                </a:solidFill>
-                <a:latin typeface="+mj-lt"/>
-              </a:rPr>
-              <a:t>1. Build docker images</a:t>
-            </a:r>
-          </a:p>
-          <a:p>
-            <a:pPr marL="800100" lvl="1" indent="-342900">
+            <a:endParaRPr lang="en-US" dirty="0" smtClean="0">
+              <a:solidFill>
+                <a:srgbClr val="212529"/>
+              </a:solidFill>
+              <a:latin typeface="+mj-lt"/>
+            </a:endParaRPr>
+          </a:p>
+          <a:p>
+            <a:pPr>
               <a:lnSpc>
                 <a:spcPct val="150000"/>
               </a:lnSpc>
-              <a:buFont typeface="Arial" panose="020B0604020202020204" pitchFamily="34" charset="0"/>
-              <a:buChar char="•"/>
             </a:pPr>
             <a:r>
+              <a:rPr lang="en-US" dirty="0" smtClean="0">
+                <a:solidFill>
+                  <a:srgbClr val="212529"/>
+                </a:solidFill>
+                <a:latin typeface="+mj-lt"/>
+              </a:rPr>
+              <a:t>1</a:t>
+            </a:r>
+            <a:r>
               <a:rPr lang="en-US" dirty="0">
                 <a:solidFill>
                   <a:srgbClr val="212529"/>
                 </a:solidFill>
                 <a:latin typeface="+mj-lt"/>
               </a:rPr>
-              <a:t>```docker-compose build```</a:t>
-            </a:r>
-          </a:p>
-          <a:p>
-            <a:pPr marL="342900" indent="-342900">
+              <a:t>. Build docker images</a:t>
+            </a:r>
+          </a:p>
+          <a:p>
+            <a:pPr lvl="1">
               <a:lnSpc>
                 <a:spcPct val="150000"/>
               </a:lnSpc>
-              <a:buFont typeface="Arial" panose="020B0604020202020204" pitchFamily="34" charset="0"/>
-              <a:buChar char="•"/>
             </a:pPr>
             <a:r>
-              <a:rPr lang="en-US" dirty="0">
-                <a:solidFill>
-                  <a:srgbClr val="212529"/>
-                </a:solidFill>
-                <a:latin typeface="+mj-lt"/>
-              </a:rPr>
-              <a:t>2. Start MSSQL server</a:t>
-            </a:r>
-          </a:p>
-          <a:p>
-            <a:pPr marL="800100" lvl="1" indent="-342900">
+              <a:rPr lang="en-US" b="1" i="1" dirty="0" err="1" smtClean="0">
+                <a:solidFill>
+                  <a:srgbClr val="1A7EAF"/>
+                </a:solidFill>
+                <a:latin typeface="+mj-lt"/>
+              </a:rPr>
+              <a:t>docker</a:t>
+            </a:r>
+            <a:r>
+              <a:rPr lang="en-US" b="1" i="1" dirty="0" smtClean="0">
+                <a:solidFill>
+                  <a:srgbClr val="1A7EAF"/>
+                </a:solidFill>
+                <a:latin typeface="+mj-lt"/>
+              </a:rPr>
+              <a:t>-compose build</a:t>
+            </a:r>
+            <a:endParaRPr lang="en-US" dirty="0">
+              <a:solidFill>
+                <a:srgbClr val="1A7EAF"/>
+              </a:solidFill>
+              <a:latin typeface="+mj-lt"/>
+            </a:endParaRPr>
+          </a:p>
+          <a:p>
+            <a:pPr>
               <a:lnSpc>
                 <a:spcPct val="150000"/>
               </a:lnSpc>
-              <a:buFont typeface="Arial" panose="020B0604020202020204" pitchFamily="34" charset="0"/>
-              <a:buChar char="•"/>
             </a:pPr>
             <a:r>
               <a:rPr lang="en-US" dirty="0">
@@ -10937,52 +13244,54 @@
                 </a:solidFill>
                 <a:latin typeface="+mj-lt"/>
               </a:rPr>
-              <a:t>```docker-compose up </a:t>
-            </a:r>
-            <a:r>
-              <a:rPr lang="en-US" dirty="0" err="1">
-                <a:solidFill>
-                  <a:srgbClr val="212529"/>
-                </a:solidFill>
-                <a:latin typeface="+mj-lt"/>
-              </a:rPr>
-              <a:t>mssqlserver</a:t>
-            </a:r>
-            <a:r>
-              <a:rPr lang="en-US" dirty="0">
-                <a:solidFill>
-                  <a:srgbClr val="212529"/>
-                </a:solidFill>
-                <a:latin typeface="+mj-lt"/>
-              </a:rPr>
-              <a:t>```</a:t>
-            </a:r>
-          </a:p>
-          <a:p>
-            <a:pPr marL="342900" indent="-342900">
+              <a:t>2. Start MSSQL server</a:t>
+            </a:r>
+          </a:p>
+          <a:p>
+            <a:pPr lvl="1">
               <a:lnSpc>
                 <a:spcPct val="150000"/>
               </a:lnSpc>
-              <a:buFont typeface="Arial" panose="020B0604020202020204" pitchFamily="34" charset="0"/>
-              <a:buChar char="•"/>
             </a:pPr>
             <a:r>
-              <a:rPr lang="en-US" dirty="0">
-                <a:solidFill>
-                  <a:srgbClr val="212529"/>
-                </a:solidFill>
-                <a:latin typeface="+mj-lt"/>
-              </a:rPr>
-              <a:t>3. Start Redis</a:t>
-            </a:r>
-          </a:p>
-          <a:p>
-            <a:pPr marL="800100" lvl="1" indent="-342900">
+              <a:rPr lang="en-US" b="1" i="1" dirty="0" err="1" smtClean="0">
+                <a:solidFill>
+                  <a:srgbClr val="1A7EAF"/>
+                </a:solidFill>
+                <a:latin typeface="+mj-lt"/>
+              </a:rPr>
+              <a:t>docker</a:t>
+            </a:r>
+            <a:r>
+              <a:rPr lang="en-US" b="1" i="1" dirty="0" smtClean="0">
+                <a:solidFill>
+                  <a:srgbClr val="1A7EAF"/>
+                </a:solidFill>
+                <a:latin typeface="+mj-lt"/>
+              </a:rPr>
+              <a:t>-compose up </a:t>
+            </a:r>
+            <a:r>
+              <a:rPr lang="en-US" b="1" i="1" dirty="0" err="1" smtClean="0">
+                <a:solidFill>
+                  <a:srgbClr val="1A7EAF"/>
+                </a:solidFill>
+                <a:latin typeface="+mj-lt"/>
+              </a:rPr>
+              <a:t>mssqlserver</a:t>
+            </a:r>
+            <a:endParaRPr lang="en-US" dirty="0">
+              <a:solidFill>
+                <a:srgbClr val="1A7EAF"/>
+              </a:solidFill>
+              <a:latin typeface="+mj-lt"/>
+            </a:endParaRPr>
+          </a:p>
+          <a:p>
+            <a:pPr>
               <a:lnSpc>
                 <a:spcPct val="150000"/>
               </a:lnSpc>
-              <a:buFont typeface="Arial" panose="020B0604020202020204" pitchFamily="34" charset="0"/>
-              <a:buChar char="•"/>
             </a:pPr>
             <a:r>
               <a:rPr lang="en-US" dirty="0">
@@ -10991,43 +13300,96 @@
                 </a:solidFill>
                 <a:latin typeface="+mj-lt"/>
               </a:rPr>
-              <a:t>```docker-compose up </a:t>
-            </a:r>
-            <a:r>
-              <a:rPr lang="en-US" dirty="0" err="1">
+              <a:t>3. Start </a:t>
+            </a:r>
+            <a:r>
+              <a:rPr lang="en-US" dirty="0" err="1" smtClean="0">
                 <a:solidFill>
                   <a:srgbClr val="212529"/>
                 </a:solidFill>
                 <a:latin typeface="+mj-lt"/>
               </a:rPr>
-              <a:t>basket.data</a:t>
-            </a:r>
-            <a:r>
-              <a:rPr lang="en-US" dirty="0">
-                <a:solidFill>
-                  <a:srgbClr val="212529"/>
-                </a:solidFill>
-                <a:latin typeface="+mj-lt"/>
-              </a:rPr>
-              <a:t>```</a:t>
-            </a:r>
-          </a:p>
-          <a:p>
-            <a:pPr marL="342900" indent="-342900">
+              <a:t>Redis</a:t>
+            </a:r>
+            <a:endParaRPr lang="en-US" dirty="0" smtClean="0">
+              <a:solidFill>
+                <a:srgbClr val="212529"/>
+              </a:solidFill>
+              <a:latin typeface="+mj-lt"/>
+            </a:endParaRPr>
+          </a:p>
+          <a:p>
+            <a:pPr lvl="1">
               <a:lnSpc>
                 <a:spcPct val="150000"/>
               </a:lnSpc>
-              <a:buFont typeface="Arial" panose="020B0604020202020204" pitchFamily="34" charset="0"/>
-              <a:buChar char="•"/>
             </a:pPr>
             <a:r>
+              <a:rPr lang="en-US" b="1" i="1" dirty="0" err="1" smtClean="0">
+                <a:solidFill>
+                  <a:srgbClr val="1A7EAF"/>
+                </a:solidFill>
+                <a:latin typeface="+mj-lt"/>
+              </a:rPr>
+              <a:t>docker</a:t>
+            </a:r>
+            <a:r>
+              <a:rPr lang="en-US" b="1" i="1" dirty="0" smtClean="0">
+                <a:solidFill>
+                  <a:srgbClr val="1A7EAF"/>
+                </a:solidFill>
+                <a:latin typeface="+mj-lt"/>
+              </a:rPr>
+              <a:t>-compose </a:t>
+            </a:r>
+            <a:r>
+              <a:rPr lang="en-US" b="1" i="1" dirty="0">
+                <a:solidFill>
+                  <a:srgbClr val="1A7EAF"/>
+                </a:solidFill>
+                <a:latin typeface="+mj-lt"/>
+              </a:rPr>
+              <a:t>up </a:t>
+            </a:r>
+            <a:r>
+              <a:rPr lang="en-US" b="1" i="1" dirty="0" err="1" smtClean="0">
+                <a:solidFill>
+                  <a:srgbClr val="1A7EAF"/>
+                </a:solidFill>
+                <a:latin typeface="+mj-lt"/>
+              </a:rPr>
+              <a:t>basket.data</a:t>
+            </a:r>
+            <a:endParaRPr lang="en-US" dirty="0" smtClean="0">
+              <a:solidFill>
+                <a:srgbClr val="1A7EAF"/>
+              </a:solidFill>
+              <a:latin typeface="+mj-lt"/>
+            </a:endParaRPr>
+          </a:p>
+          <a:p>
+            <a:pPr>
+              <a:lnSpc>
+                <a:spcPct val="150000"/>
+              </a:lnSpc>
+            </a:pPr>
+            <a:r>
+              <a:rPr lang="en-US" dirty="0" smtClean="0">
+                <a:solidFill>
+                  <a:srgbClr val="212529"/>
+                </a:solidFill>
+                <a:latin typeface="+mj-lt"/>
+              </a:rPr>
+              <a:t>4</a:t>
+            </a:r>
+            <a:r>
               <a:rPr lang="en-US" dirty="0">
                 <a:solidFill>
                   <a:srgbClr val="212529"/>
                 </a:solidFill>
                 <a:latin typeface="+mj-lt"/>
               </a:rPr>
-              <a:t>4. Start </a:t>
+              <a:t>. Start </a:t>
             </a:r>
             <a:r>
               <a:rPr lang="en-US" dirty="0" err="1">
@@ -11046,40 +13408,53 @@
             </a:endParaRPr>
           </a:p>
           <a:p>
-            <a:pPr marL="800100" lvl="1" indent="-342900">
+            <a:pPr lvl="1">
               <a:lnSpc>
                 <a:spcPct val="150000"/>
               </a:lnSpc>
-              <a:buFont typeface="Arial" panose="020B0604020202020204" pitchFamily="34" charset="0"/>
-              <a:buChar char="•"/>
             </a:pPr>
             <a:r>
-              <a:rPr lang="en-US" dirty="0">
-                <a:solidFill>
-                  <a:srgbClr val="212529"/>
-                </a:solidFill>
-                <a:latin typeface="+mj-lt"/>
-              </a:rPr>
-              <a:t>```docker-compose up </a:t>
-            </a:r>
-            <a:r>
-              <a:rPr lang="en-US" dirty="0" err="1">
-                <a:solidFill>
-                  <a:srgbClr val="212529"/>
+              <a:rPr lang="en-US" b="1" i="1" dirty="0" err="1">
+                <a:solidFill>
+                  <a:srgbClr val="1A7EAF"/>
+                </a:solidFill>
+                <a:latin typeface="+mj-lt"/>
+              </a:rPr>
+              <a:t>docker</a:t>
+            </a:r>
+            <a:r>
+              <a:rPr lang="en-US" b="1" i="1" dirty="0">
+                <a:solidFill>
+                  <a:srgbClr val="1A7EAF"/>
+                </a:solidFill>
+                <a:latin typeface="+mj-lt"/>
+              </a:rPr>
+              <a:t>-compose </a:t>
+            </a:r>
+            <a:r>
+              <a:rPr lang="en-US" b="1" i="1" dirty="0">
+                <a:solidFill>
+                  <a:srgbClr val="1A7EAF"/>
+                </a:solidFill>
+                <a:latin typeface="+mj-lt"/>
+              </a:rPr>
+              <a:t>up </a:t>
+            </a:r>
+            <a:r>
+              <a:rPr lang="en-US" b="1" i="1" dirty="0" err="1">
+                <a:solidFill>
+                  <a:srgbClr val="1A7EAF"/>
                 </a:solidFill>
                 <a:latin typeface="+mj-lt"/>
               </a:rPr>
               <a:t>rabbitmq</a:t>
             </a:r>
-            <a:r>
-              <a:rPr lang="en-US" dirty="0">
-                <a:solidFill>
-                  <a:srgbClr val="212529"/>
-                </a:solidFill>
-                <a:latin typeface="+mj-lt"/>
-              </a:rPr>
-              <a:t>```</a:t>
-            </a:r>
+            <a:endParaRPr lang="en-US" b="1" i="1" dirty="0">
+              <a:solidFill>
+                <a:srgbClr val="1A7EAF"/>
+              </a:solidFill>
+              <a:latin typeface="+mj-lt"/>
+            </a:endParaRPr>
           </a:p>
         </p:txBody>
       </p:sp>
@@ -11097,8 +13472,8 @@
         </p:nvSpPr>
         <p:spPr>
           <a:xfrm>
-            <a:off x="6096000" y="1771649"/>
-            <a:ext cx="6400800" cy="3373359"/>
+            <a:off x="6019800" y="2602646"/>
+            <a:ext cx="6400800" cy="3416320"/>
           </a:xfrm>
           <a:prstGeom prst="rect">
             <a:avLst/>
@@ -11111,12 +13486,10 @@
           </a:bodyPr>
           <a:lstStyle/>
           <a:p>
-            <a:pPr marL="342900" indent="-342900">
+            <a:pPr>
               <a:lnSpc>
                 <a:spcPct val="150000"/>
               </a:lnSpc>
-              <a:buFont typeface="Arial" panose="020B0604020202020204" pitchFamily="34" charset="0"/>
-              <a:buChar char="•"/>
             </a:pPr>
             <a:r>
               <a:rPr lang="en-US" dirty="0">
@@ -11129,30 +13502,59 @@
             </a:r>
           </a:p>
           <a:p>
-            <a:pPr marL="800100" lvl="1" indent="-342900">
+            <a:pPr lvl="1">
               <a:lnSpc>
                 <a:spcPct val="150000"/>
               </a:lnSpc>
-              <a:buFont typeface="Arial" panose="020B0604020202020204" pitchFamily="34" charset="0"/>
-              <a:buChar char="•"/>
             </a:pPr>
             <a:r>
-              <a:rPr lang="en-US" dirty="0">
-                <a:solidFill>
-                  <a:srgbClr val="212529"/>
-                </a:solidFill>
-                <a:latin typeface="+mj-lt"/>
-              </a:rPr>
-              <a:t>```docker-compose up catalog```</a:t>
-            </a:r>
-          </a:p>
-          <a:p>
-            <a:pPr marL="342900" indent="-342900">
+              <a:rPr lang="en-US" b="1" i="1" dirty="0" err="1">
+                <a:solidFill>
+                  <a:srgbClr val="1A7EAF"/>
+                </a:solidFill>
+                <a:latin typeface="+mj-lt"/>
+              </a:rPr>
+              <a:t>docker</a:t>
+            </a:r>
+            <a:r>
+              <a:rPr lang="en-US" b="1" i="1" dirty="0">
+                <a:solidFill>
+                  <a:srgbClr val="1A7EAF"/>
+                </a:solidFill>
+                <a:latin typeface="+mj-lt"/>
+              </a:rPr>
+              <a:t>-compose </a:t>
+            </a:r>
+            <a:r>
+              <a:rPr lang="en-US" b="1" i="1" dirty="0">
+                <a:solidFill>
+                  <a:srgbClr val="1A7EAF"/>
+                </a:solidFill>
+                <a:latin typeface="+mj-lt"/>
+              </a:rPr>
+              <a:t>up </a:t>
+            </a:r>
+            <a:r>
+              <a:rPr lang="en-US" b="1" i="1" dirty="0">
+                <a:solidFill>
+                  <a:srgbClr val="1A7EAF"/>
+                </a:solidFill>
+                <a:latin typeface="+mj-lt"/>
+              </a:rPr>
+              <a:t>catalog</a:t>
+            </a:r>
+            <a:endParaRPr lang="en-US" b="1" i="1" dirty="0">
+              <a:solidFill>
+                <a:srgbClr val="1A7EAF"/>
+              </a:solidFill>
+              <a:latin typeface="+mj-lt"/>
+            </a:endParaRPr>
+          </a:p>
+          <a:p>
+            <a:pPr>
               <a:lnSpc>
                 <a:spcPct val="150000"/>
               </a:lnSpc>
-              <a:buFont typeface="Arial" panose="020B0604020202020204" pitchFamily="34" charset="0"/>
-              <a:buChar char="•"/>
             </a:pPr>
             <a:r>
               <a:rPr lang="en-US" dirty="0">
@@ -11165,66 +13567,133 @@
             </a:r>
           </a:p>
           <a:p>
-            <a:pPr marL="800100" lvl="1" indent="-342900">
+            <a:pPr lvl="1">
               <a:lnSpc>
                 <a:spcPct val="150000"/>
               </a:lnSpc>
-              <a:buFont typeface="Arial" panose="020B0604020202020204" pitchFamily="34" charset="0"/>
-              <a:buChar char="•"/>
             </a:pPr>
             <a:r>
-              <a:rPr lang="en-US" dirty="0">
-                <a:solidFill>
-                  <a:srgbClr val="212529"/>
-                </a:solidFill>
-                <a:latin typeface="+mj-lt"/>
-              </a:rPr>
-              <a:t>```docker-compose up ordering```</a:t>
-            </a:r>
-          </a:p>
-          <a:p>
-            <a:pPr marL="342900" indent="-342900">
+              <a:rPr lang="en-US" b="1" i="1" dirty="0" err="1">
+                <a:solidFill>
+                  <a:srgbClr val="1A7EAF"/>
+                </a:solidFill>
+                <a:latin typeface="+mj-lt"/>
+              </a:rPr>
+              <a:t>docker</a:t>
+            </a:r>
+            <a:r>
+              <a:rPr lang="en-US" b="1" i="1" dirty="0">
+                <a:solidFill>
+                  <a:srgbClr val="1A7EAF"/>
+                </a:solidFill>
+                <a:latin typeface="+mj-lt"/>
+              </a:rPr>
+              <a:t>-compose </a:t>
+            </a:r>
+            <a:r>
+              <a:rPr lang="en-US" b="1" i="1" dirty="0">
+                <a:solidFill>
+                  <a:srgbClr val="1A7EAF"/>
+                </a:solidFill>
+                <a:latin typeface="+mj-lt"/>
+              </a:rPr>
+              <a:t>up </a:t>
+            </a:r>
+            <a:r>
+              <a:rPr lang="en-US" b="1" i="1" dirty="0">
+                <a:solidFill>
+                  <a:srgbClr val="1A7EAF"/>
+                </a:solidFill>
+                <a:latin typeface="+mj-lt"/>
+              </a:rPr>
+              <a:t>ordering</a:t>
+            </a:r>
+            <a:endParaRPr lang="en-US" b="1" i="1" dirty="0">
+              <a:solidFill>
+                <a:srgbClr val="1A7EAF"/>
+              </a:solidFill>
+              <a:latin typeface="+mj-lt"/>
+            </a:endParaRPr>
+          </a:p>
+          <a:p>
+            <a:pPr>
               <a:lnSpc>
                 <a:spcPct val="150000"/>
               </a:lnSpc>
-              <a:buFont typeface="Arial" panose="020B0604020202020204" pitchFamily="34" charset="0"/>
-              <a:buChar char="•"/>
             </a:pPr>
             <a:r>
+              <a:rPr lang="en-US" dirty="0" smtClean="0">
+                <a:solidFill>
+                  <a:srgbClr val="212529"/>
+                </a:solidFill>
+                <a:latin typeface="+mj-lt"/>
+              </a:rPr>
+              <a:t>7. Start </a:t>
+            </a:r>
+            <a:r>
               <a:rPr lang="en-US" dirty="0">
                 <a:solidFill>
                   <a:srgbClr val="212529"/>
                 </a:solidFill>
                 <a:latin typeface="+mj-lt"/>
               </a:rPr>
-              <a:t>7. Start the basket microservice</a:t>
-            </a:r>
-          </a:p>
-          <a:p>
-            <a:pPr marL="800100" lvl="1" indent="-342900">
+              <a:t>the basket microservice</a:t>
+            </a:r>
+          </a:p>
+          <a:p>
+            <a:pPr lvl="1">
               <a:lnSpc>
                 <a:spcPct val="150000"/>
               </a:lnSpc>
-              <a:buFont typeface="Arial" panose="020B0604020202020204" pitchFamily="34" charset="0"/>
-              <a:buChar char="•"/>
             </a:pPr>
             <a:r>
-              <a:rPr lang="en-US" dirty="0">
-                <a:solidFill>
-                  <a:srgbClr val="212529"/>
-                </a:solidFill>
-                <a:latin typeface="+mj-lt"/>
-              </a:rPr>
-              <a:t>```docker-compose up basket```</a:t>
-            </a:r>
-          </a:p>
-          <a:p>
-            <a:pPr marL="342900" indent="-342900">
+              <a:rPr lang="en-US" b="1" i="1" dirty="0" err="1">
+                <a:solidFill>
+                  <a:srgbClr val="1A7EAF"/>
+                </a:solidFill>
+                <a:latin typeface="+mj-lt"/>
+              </a:rPr>
+              <a:t>docker</a:t>
+            </a:r>
+            <a:r>
+              <a:rPr lang="en-US" b="1" i="1" dirty="0">
+                <a:solidFill>
+                  <a:srgbClr val="1A7EAF"/>
+                </a:solidFill>
+                <a:latin typeface="+mj-lt"/>
+              </a:rPr>
+              <a:t>-compose </a:t>
+            </a:r>
+            <a:r>
+              <a:rPr lang="en-US" b="1" i="1" dirty="0">
+                <a:solidFill>
+                  <a:srgbClr val="1A7EAF"/>
+                </a:solidFill>
+                <a:latin typeface="+mj-lt"/>
+              </a:rPr>
+              <a:t>up </a:t>
+            </a:r>
+            <a:r>
+              <a:rPr lang="en-US" b="1" i="1" dirty="0">
+                <a:solidFill>
+                  <a:srgbClr val="1A7EAF"/>
+                </a:solidFill>
+                <a:latin typeface="+mj-lt"/>
+              </a:rPr>
+              <a:t>basket</a:t>
+            </a:r>
+            <a:endParaRPr lang="en-US" b="1" i="1" dirty="0">
+              <a:solidFill>
+                <a:srgbClr val="1A7EAF"/>
+              </a:solidFill>
+              <a:latin typeface="+mj-lt"/>
+            </a:endParaRPr>
+          </a:p>
+          <a:p>
+            <a:pPr>
               <a:lnSpc>
                 <a:spcPct val="150000"/>
               </a:lnSpc>
-              <a:buFont typeface="Arial" panose="020B0604020202020204" pitchFamily="34" charset="0"/>
-              <a:buChar char="•"/>
             </a:pPr>
             <a:r>
               <a:rPr lang="en-US" dirty="0">
@@ -11255,22 +13724,53 @@
             </a:r>
           </a:p>
           <a:p>
-            <a:pPr marL="800100" lvl="1" indent="-342900">
+            <a:pPr lvl="1">
               <a:lnSpc>
                 <a:spcPct val="150000"/>
               </a:lnSpc>
-              <a:buFont typeface="Arial" panose="020B0604020202020204" pitchFamily="34" charset="0"/>
-              <a:buChar char="•"/>
             </a:pPr>
             <a:r>
-              <a:rPr lang="en-US" dirty="0">
-                <a:solidFill>
-                  <a:srgbClr val="212529"/>
-                </a:solidFill>
-                <a:latin typeface="+mj-lt"/>
-              </a:rPr>
-              <a:t>```docker-compose up gateway```</a:t>
-            </a:r>
+              <a:rPr lang="en-US" b="1" i="1" dirty="0" err="1">
+                <a:solidFill>
+                  <a:srgbClr val="1A7EAF"/>
+                </a:solidFill>
+                <a:latin typeface="+mj-lt"/>
+              </a:rPr>
+              <a:t>docker</a:t>
+            </a:r>
+            <a:r>
+              <a:rPr lang="en-US" b="1" i="1" dirty="0">
+                <a:solidFill>
+                  <a:srgbClr val="1A7EAF"/>
+                </a:solidFill>
+                <a:latin typeface="+mj-lt"/>
+              </a:rPr>
+              <a:t>-compose </a:t>
+            </a:r>
+            <a:r>
+              <a:rPr lang="en-US" b="1" i="1" dirty="0">
+                <a:solidFill>
+                  <a:srgbClr val="1A7EAF"/>
+                </a:solidFill>
+                <a:latin typeface="+mj-lt"/>
+              </a:rPr>
+              <a:t>up </a:t>
+            </a:r>
+            <a:r>
+              <a:rPr lang="en-US" b="1" i="1" dirty="0">
+                <a:solidFill>
+                  <a:srgbClr val="1A7EAF"/>
+                </a:solidFill>
+                <a:latin typeface="+mj-lt"/>
+              </a:rPr>
+              <a:t>gateway</a:t>
+            </a:r>
+            <a:endParaRPr lang="en-US" b="1" i="1" dirty="0">
+              <a:solidFill>
+                <a:srgbClr val="1A7EAF"/>
+              </a:solidFill>
+              <a:latin typeface="+mj-lt"/>
+            </a:endParaRPr>
           </a:p>
         </p:txBody>
       </p:sp>
@@ -11284,13 +13784,111 @@
   <p:clrMapOvr>
     <a:masterClrMapping/>
   </p:clrMapOvr>
-  <mc:AlternateContent xmlns:mc="http://schemas.openxmlformats.org/markup-compatibility/2006" xmlns:p159="http://schemas.microsoft.com/office/powerpoint/2015/09/main">
-    <mc:Choice Requires="p159">
+  <mc:AlternateContent xmlns:mc="http://schemas.openxmlformats.org/markup-compatibility/2006">
+    <mc:Choice xmlns="" xmlns:p159="http://schemas.microsoft.com/office/powerpoint/2015/09/main" Requires="p159">
       <p:transition xmlns:p14="http://schemas.microsoft.com/office/powerpoint/2010/main" spd="slow" p14:dur="2000">
         <p159:morph option="byWord"/>
       </p:transition>
     </mc:Choice>
-    <mc:Fallback xmlns="">
+    <mc:Fallback>
+      <p:transition spd="slow">
+        <p:fade/>
+      </p:transition>
+    </mc:Fallback>
+  </mc:AlternateContent>
+  <p:timing>
+    <p:tnLst>
+      <p:par>
+        <p:cTn id="1" dur="indefinite" restart="never" nodeType="tmRoot"/>
+      </p:par>
+    </p:tnLst>
+  </p:timing>
+</p:sld>
+</file>
+
+<file path=ppt/slides/slide33.xml><?xml version="1.0" encoding="utf-8"?>
+<p:sld xmlns:a="http://schemas.openxmlformats.org/drawingml/2006/main" xmlns:r="http://schemas.openxmlformats.org/officeDocument/2006/relationships" xmlns:p="http://schemas.openxmlformats.org/presentationml/2006/main">
+  <p:cSld>
+    <p:bg>
+      <p:bgPr>
+        <a:solidFill>
+          <a:srgbClr val="1A7EAF"/>
+        </a:solidFill>
+        <a:effectLst/>
+      </p:bgPr>
+    </p:bg>
+    <p:spTree>
+      <p:nvGrpSpPr>
+        <p:cNvPr id="1" name=""/>
+        <p:cNvGrpSpPr/>
+        <p:nvPr/>
+      </p:nvGrpSpPr>
+      <p:grpSpPr>
+        <a:xfrm>
+          <a:off x="0" y="0"/>
+          <a:ext cx="0" cy="0"/>
+          <a:chOff x="0" y="0"/>
+          <a:chExt cx="0" cy="0"/>
+        </a:xfrm>
+      </p:grpSpPr>
+      <p:sp>
+        <p:nvSpPr>
+          <p:cNvPr id="17" name="TextBox 16"/>
+          <p:cNvSpPr txBox="1"/>
+          <p:nvPr/>
+        </p:nvSpPr>
+        <p:spPr>
+          <a:xfrm>
+            <a:off x="4613874" y="2921168"/>
+            <a:ext cx="2964273" cy="1015663"/>
+          </a:xfrm>
+          <a:prstGeom prst="rect">
+            <a:avLst/>
+          </a:prstGeom>
+          <a:noFill/>
+        </p:spPr>
+        <p:txBody>
+          <a:bodyPr wrap="none" rtlCol="0">
+            <a:spAutoFit/>
+          </a:bodyPr>
+          <a:lstStyle/>
+          <a:p>
+            <a:pPr algn="ctr"/>
+            <a:r>
+              <a:rPr lang="en-US" sz="6000" b="1" dirty="0" smtClean="0">
+                <a:solidFill>
+                  <a:schemeClr val="bg2"/>
+                </a:solidFill>
+                <a:latin typeface="+mj-lt"/>
+              </a:rPr>
+              <a:t>Results</a:t>
+            </a:r>
+            <a:endParaRPr lang="en-US" sz="6000" b="1" dirty="0">
+              <a:solidFill>
+                <a:schemeClr val="bg2"/>
+              </a:solidFill>
+              <a:latin typeface="+mj-lt"/>
+            </a:endParaRPr>
+          </a:p>
+        </p:txBody>
+      </p:sp>
+    </p:spTree>
+    <p:extLst>
+      <p:ext uri="{BB962C8B-B14F-4D97-AF65-F5344CB8AC3E}">
+        <p14:creationId xmlns:p14="http://schemas.microsoft.com/office/powerpoint/2010/main" val="2982848583"/>
+      </p:ext>
+    </p:extLst>
+  </p:cSld>
+  <p:clrMapOvr>
+    <a:masterClrMapping/>
+  </p:clrMapOvr>
+  <mc:AlternateContent xmlns:mc="http://schemas.openxmlformats.org/markup-compatibility/2006">
+    <mc:Choice xmlns="" xmlns:p159="http://schemas.microsoft.com/office/powerpoint/2015/09/main" Requires="p159">
+      <p:transition xmlns:p14="http://schemas.microsoft.com/office/powerpoint/2010/main" spd="slow" p14:dur="2000">
+        <p159:morph option="byWord"/>
+      </p:transition>
+    </mc:Choice>
+    <mc:Fallback>
       <p:transition spd="slow">
         <p:fade/>
       </p:transition>
@@ -11299,7 +13897,7 @@
 </p:sld>
 </file>
 
-<file path=ppt/slides/slide33.xml><?xml version="1.0" encoding="utf-8"?>
+<file path=ppt/slides/slide34.xml><?xml version="1.0" encoding="utf-8"?>
 <p:sld xmlns:a="http://schemas.openxmlformats.org/drawingml/2006/main" xmlns:r="http://schemas.openxmlformats.org/officeDocument/2006/relationships" xmlns:p="http://schemas.openxmlformats.org/presentationml/2006/main">
   <p:cSld>
     <p:spTree>
@@ -11388,8 +13986,8 @@
         </p:nvSpPr>
         <p:spPr>
           <a:xfrm>
-            <a:off x="583200" y="1200149"/>
-            <a:ext cx="11152010" cy="464871"/>
+            <a:off x="583199" y="1344337"/>
+            <a:ext cx="11959320" cy="507831"/>
           </a:xfrm>
           <a:prstGeom prst="rect">
             <a:avLst/>
@@ -11414,7 +14012,25 @@
                 </a:solidFill>
                 <a:latin typeface="+mj-lt"/>
               </a:rPr>
-              <a:t>To get the first 6 products, you need to send a GET request to the Catalog Microservice through the API Gateway</a:t>
+              <a:t>To get the first 6 products, </a:t>
+            </a:r>
+            <a:r>
+              <a:rPr lang="en-US" dirty="0" smtClean="0">
+                <a:solidFill>
+                  <a:srgbClr val="212529"/>
+                </a:solidFill>
+                <a:latin typeface="+mj-lt"/>
+              </a:rPr>
+              <a:t>send </a:t>
+            </a:r>
+            <a:r>
+              <a:rPr lang="en-US" dirty="0">
+                <a:solidFill>
+                  <a:srgbClr val="212529"/>
+                </a:solidFill>
+                <a:latin typeface="+mj-lt"/>
+              </a:rPr>
+              <a:t>a GET request to the Catalog Microservice through the API Gateway</a:t>
             </a:r>
           </a:p>
         </p:txBody>
@@ -11446,8 +14062,8 @@
         </p:blipFill>
         <p:spPr>
           <a:xfrm>
-            <a:off x="1523358" y="1790700"/>
-            <a:ext cx="7426417" cy="4823199"/>
+            <a:off x="2102478" y="1893530"/>
+            <a:ext cx="8184522" cy="4964470"/>
           </a:xfrm>
           <a:prstGeom prst="rect">
             <a:avLst/>
@@ -11464,22 +14080,29 @@
   <p:clrMapOvr>
     <a:masterClrMapping/>
   </p:clrMapOvr>
-  <mc:AlternateContent xmlns:mc="http://schemas.openxmlformats.org/markup-compatibility/2006" xmlns:p159="http://schemas.microsoft.com/office/powerpoint/2015/09/main">
-    <mc:Choice Requires="p159">
+  <mc:AlternateContent xmlns:mc="http://schemas.openxmlformats.org/markup-compatibility/2006">
+    <mc:Choice xmlns="" xmlns:p159="http://schemas.microsoft.com/office/powerpoint/2015/09/main" Requires="p159">
       <p:transition xmlns:p14="http://schemas.microsoft.com/office/powerpoint/2010/main" spd="slow" p14:dur="2000">
         <p159:morph option="byWord"/>
       </p:transition>
     </mc:Choice>
-    <mc:Fallback xmlns="">
+    <mc:Fallback>
       <p:transition spd="slow">
         <p:fade/>
       </p:transition>
     </mc:Fallback>
   </mc:AlternateContent>
+  <p:timing>
+    <p:tnLst>
+      <p:par>
+        <p:cTn id="1" dur="indefinite" restart="never" nodeType="tmRoot"/>
+      </p:par>
+    </p:tnLst>
+  </p:timing>
 </p:sld>
 </file>
 
-<file path=ppt/slides/slide34.xml><?xml version="1.0" encoding="utf-8"?>
+<file path=ppt/slides/slide35.xml><?xml version="1.0" encoding="utf-8"?>
 <p:sld xmlns:a="http://schemas.openxmlformats.org/drawingml/2006/main" xmlns:r="http://schemas.openxmlformats.org/officeDocument/2006/relationships" xmlns:p="http://schemas.openxmlformats.org/presentationml/2006/main">
   <p:cSld>
     <p:spTree>
@@ -11569,7 +14192,7 @@
         <p:spPr>
           <a:xfrm>
             <a:off x="583200" y="1200149"/>
-            <a:ext cx="11152010" cy="464871"/>
+            <a:ext cx="11152010" cy="507831"/>
           </a:xfrm>
           <a:prstGeom prst="rect">
             <a:avLst/>
@@ -11594,7 +14217,25 @@
                 </a:solidFill>
                 <a:latin typeface="+mj-lt"/>
               </a:rPr>
-              <a:t>To add a product to the basket , you need to send a POST request to the Basket Microservice through the API Gateway</a:t>
+              <a:t>To add a product to the </a:t>
+            </a:r>
+            <a:r>
+              <a:rPr lang="en-US" dirty="0" smtClean="0">
+                <a:solidFill>
+                  <a:srgbClr val="212529"/>
+                </a:solidFill>
+                <a:latin typeface="+mj-lt"/>
+              </a:rPr>
+              <a:t>basket, send </a:t>
+            </a:r>
+            <a:r>
+              <a:rPr lang="en-US" dirty="0">
+                <a:solidFill>
+                  <a:srgbClr val="212529"/>
+                </a:solidFill>
+                <a:latin typeface="+mj-lt"/>
+              </a:rPr>
+              <a:t>a POST request to the Basket Microservice through the API Gateway</a:t>
             </a:r>
           </a:p>
         </p:txBody>
@@ -11627,7 +14268,7 @@
         <p:spPr>
           <a:xfrm>
             <a:off x="1901958" y="1873974"/>
-            <a:ext cx="8388084" cy="4507777"/>
+            <a:ext cx="8811762" cy="4984026"/>
           </a:xfrm>
           <a:prstGeom prst="rect">
             <a:avLst/>
@@ -11644,22 +14285,29 @@
   <p:clrMapOvr>
     <a:masterClrMapping/>
   </p:clrMapOvr>
-  <mc:AlternateContent xmlns:mc="http://schemas.openxmlformats.org/markup-compatibility/2006" xmlns:p159="http://schemas.microsoft.com/office/powerpoint/2015/09/main">
-    <mc:Choice Requires="p159">
+  <mc:AlternateContent xmlns:mc="http://schemas.openxmlformats.org/markup-compatibility/2006">
+    <mc:Choice xmlns="" xmlns:p159="http://schemas.microsoft.com/office/powerpoint/2015/09/main" Requires="p159">
       <p:transition xmlns:p14="http://schemas.microsoft.com/office/powerpoint/2010/main" spd="slow" p14:dur="2000">
         <p159:morph option="byWord"/>
       </p:transition>
     </mc:Choice>
-    <mc:Fallback xmlns="">
+    <mc:Fallback>
       <p:transition spd="slow">
         <p:fade/>
       </p:transition>
     </mc:Fallback>
   </mc:AlternateContent>
+  <p:timing>
+    <p:tnLst>
+      <p:par>
+        <p:cTn id="1" dur="indefinite" restart="never" nodeType="tmRoot"/>
+      </p:par>
+    </p:tnLst>
+  </p:timing>
 </p:sld>
 </file>
 
-<file path=ppt/slides/slide35.xml><?xml version="1.0" encoding="utf-8"?>
+<file path=ppt/slides/slide36.xml><?xml version="1.0" encoding="utf-8"?>
 <p:sld xmlns:a="http://schemas.openxmlformats.org/drawingml/2006/main" xmlns:r="http://schemas.openxmlformats.org/officeDocument/2006/relationships" xmlns:p="http://schemas.openxmlformats.org/presentationml/2006/main">
   <p:cSld>
     <p:spTree>
@@ -11749,7 +14397,7 @@
         <p:spPr>
           <a:xfrm>
             <a:off x="583200" y="1200149"/>
-            <a:ext cx="11152010" cy="464871"/>
+            <a:ext cx="11152010" cy="507831"/>
           </a:xfrm>
           <a:prstGeom prst="rect">
             <a:avLst/>
@@ -11774,7 +14422,25 @@
                 </a:solidFill>
                 <a:latin typeface="+mj-lt"/>
               </a:rPr>
-              <a:t>To order a product, you need to send a POST request to the Ordering Microservice through the API Gateway</a:t>
+              <a:t>To order a product, </a:t>
+            </a:r>
+            <a:r>
+              <a:rPr lang="en-US" dirty="0" smtClean="0">
+                <a:solidFill>
+                  <a:srgbClr val="212529"/>
+                </a:solidFill>
+                <a:latin typeface="+mj-lt"/>
+              </a:rPr>
+              <a:t>send </a:t>
+            </a:r>
+            <a:r>
+              <a:rPr lang="en-US" dirty="0">
+                <a:solidFill>
+                  <a:srgbClr val="212529"/>
+                </a:solidFill>
+                <a:latin typeface="+mj-lt"/>
+              </a:rPr>
+              <a:t>a POST request to the Ordering Microservice through the API Gateway</a:t>
             </a:r>
           </a:p>
         </p:txBody>
@@ -11806,8 +14472,8 @@
         </p:blipFill>
         <p:spPr>
           <a:xfrm>
-            <a:off x="1738886" y="2324101"/>
-            <a:ext cx="8714228" cy="3638550"/>
+            <a:off x="1083566" y="1973580"/>
+            <a:ext cx="10384072" cy="4884420"/>
           </a:xfrm>
           <a:prstGeom prst="rect">
             <a:avLst/>
@@ -11824,22 +14490,29 @@
   <p:clrMapOvr>
     <a:masterClrMapping/>
   </p:clrMapOvr>
-  <mc:AlternateContent xmlns:mc="http://schemas.openxmlformats.org/markup-compatibility/2006" xmlns:p159="http://schemas.microsoft.com/office/powerpoint/2015/09/main">
-    <mc:Choice Requires="p159">
+  <mc:AlternateContent xmlns:mc="http://schemas.openxmlformats.org/markup-compatibility/2006">
+    <mc:Choice xmlns="" xmlns:p159="http://schemas.microsoft.com/office/powerpoint/2015/09/main" Requires="p159">
       <p:transition xmlns:p14="http://schemas.microsoft.com/office/powerpoint/2010/main" spd="slow" p14:dur="2000">
         <p159:morph option="byWord"/>
       </p:transition>
     </mc:Choice>
-    <mc:Fallback xmlns="">
+    <mc:Fallback>
       <p:transition spd="slow">
         <p:fade/>
       </p:transition>
     </mc:Fallback>
   </mc:AlternateContent>
+  <p:timing>
+    <p:tnLst>
+      <p:par>
+        <p:cTn id="1" dur="indefinite" restart="never" nodeType="tmRoot"/>
+      </p:par>
+    </p:tnLst>
+  </p:timing>
 </p:sld>
 </file>
 
-<file path=ppt/slides/slide36.xml><?xml version="1.0" encoding="utf-8"?>
+<file path=ppt/slides/slide37.xml><?xml version="1.0" encoding="utf-8"?>
 <p:sld xmlns:a="http://schemas.openxmlformats.org/drawingml/2006/main" xmlns:r="http://schemas.openxmlformats.org/officeDocument/2006/relationships" xmlns:p="http://schemas.openxmlformats.org/presentationml/2006/main">
   <p:cSld>
     <p:spTree>
@@ -12004,8 +14677,8 @@
         </p:blipFill>
         <p:spPr>
           <a:xfrm>
-            <a:off x="1872615" y="2728219"/>
-            <a:ext cx="8446769" cy="2929632"/>
+            <a:off x="583199" y="2362200"/>
+            <a:ext cx="11207102" cy="4389120"/>
           </a:xfrm>
           <a:prstGeom prst="rect">
             <a:avLst/>
@@ -12022,24 +14695,39 @@
   <p:clrMapOvr>
     <a:masterClrMapping/>
   </p:clrMapOvr>
-  <mc:AlternateContent xmlns:mc="http://schemas.openxmlformats.org/markup-compatibility/2006" xmlns:p159="http://schemas.microsoft.com/office/powerpoint/2015/09/main">
-    <mc:Choice Requires="p159">
+  <mc:AlternateContent xmlns:mc="http://schemas.openxmlformats.org/markup-compatibility/2006">
+    <mc:Choice xmlns="" xmlns:p159="http://schemas.microsoft.com/office/powerpoint/2015/09/main" Requires="p159">
       <p:transition xmlns:p14="http://schemas.microsoft.com/office/powerpoint/2010/main" spd="slow" p14:dur="2000">
         <p159:morph option="byWord"/>
       </p:transition>
     </mc:Choice>
-    <mc:Fallback xmlns="">
+    <mc:Fallback>
       <p:transition spd="slow">
         <p:fade/>
       </p:transition>
     </mc:Fallback>
   </mc:AlternateContent>
+  <p:timing>
+    <p:tnLst>
+      <p:par>
+        <p:cTn id="1" dur="indefinite" restart="never" nodeType="tmRoot"/>
+      </p:par>
+    </p:tnLst>
+  </p:timing>
 </p:sld>
 </file>
 
-<file path=ppt/slides/slide37.xml><?xml version="1.0" encoding="utf-8"?>
+<file path=ppt/slides/slide38.xml><?xml version="1.0" encoding="utf-8"?>
 <p:sld xmlns:a="http://schemas.openxmlformats.org/drawingml/2006/main" xmlns:r="http://schemas.openxmlformats.org/officeDocument/2006/relationships" xmlns:p="http://schemas.openxmlformats.org/presentationml/2006/main">
   <p:cSld>
+    <p:bg>
+      <p:bgPr>
+        <a:solidFill>
+          <a:srgbClr val="1A7EAF"/>
+        </a:solidFill>
+        <a:effectLst/>
+      </p:bgPr>
+    </p:bg>
     <p:spTree>
       <p:nvGrpSpPr>
         <p:cNvPr id="1" name=""/>
@@ -12056,78 +14744,14 @@
       </p:grpSpPr>
       <p:sp>
         <p:nvSpPr>
-          <p:cNvPr id="13" name="Title 7">
-            <a:extLst>
-              <a:ext uri="{FF2B5EF4-FFF2-40B4-BE49-F238E27FC236}">
-                <a16:creationId xmlns:a16="http://schemas.microsoft.com/office/drawing/2014/main" id="{6C258E00-21EF-814D-98EC-442B78093754}"/>
-              </a:ext>
-            </a:extLst>
-          </p:cNvPr>
-          <p:cNvSpPr txBox="1">
-            <a:spLocks/>
-          </p:cNvSpPr>
+          <p:cNvPr id="17" name="TextBox 16"/>
+          <p:cNvSpPr txBox="1"/>
           <p:nvPr/>
         </p:nvSpPr>
         <p:spPr>
           <a:xfrm>
-            <a:off x="583199" y="360000"/>
-            <a:ext cx="11152011" cy="942975"/>
-          </a:xfrm>
-          <a:prstGeom prst="rect">
-            <a:avLst/>
-          </a:prstGeom>
-        </p:spPr>
-        <p:txBody>
-          <a:bodyPr>
-            <a:normAutofit/>
-          </a:bodyPr>
-          <a:lstStyle>
-            <a:lvl1pPr algn="l" defTabSz="914400" rtl="0" eaLnBrk="1" latinLnBrk="0" hangingPunct="1">
-              <a:lnSpc>
-                <a:spcPct val="90000"/>
-              </a:lnSpc>
-              <a:spcBef>
-                <a:spcPct val="0"/>
-              </a:spcBef>
-              <a:buNone/>
-              <a:defRPr sz="4400" kern="1200">
-                <a:solidFill>
-                  <a:schemeClr val="tx1"/>
-                </a:solidFill>
-                <a:latin typeface="+mj-lt"/>
-                <a:ea typeface="+mj-ea"/>
-                <a:cs typeface="+mj-cs"/>
-              </a:defRPr>
-            </a:lvl1pPr>
-          </a:lstStyle>
-          <a:p>
-            <a:r>
-              <a:rPr lang="en-US" sz="6000" b="1" dirty="0">
-                <a:solidFill>
-                  <a:srgbClr val="1A7EAF"/>
-                </a:solidFill>
-              </a:rPr>
-              <a:t>References</a:t>
-            </a:r>
-          </a:p>
-        </p:txBody>
-      </p:sp>
-      <p:sp>
-        <p:nvSpPr>
-          <p:cNvPr id="8" name="TextBox 7">
-            <a:extLst>
-              <a:ext uri="{FF2B5EF4-FFF2-40B4-BE49-F238E27FC236}">
-                <a16:creationId xmlns:a16="http://schemas.microsoft.com/office/drawing/2014/main" id="{803A4C48-60A6-5843-8813-CA4251453ADC}"/>
-              </a:ext>
-            </a:extLst>
-          </p:cNvPr>
-          <p:cNvSpPr txBox="1"/>
-          <p:nvPr/>
-        </p:nvSpPr>
-        <p:spPr>
-          <a:xfrm>
-            <a:off x="583200" y="1200149"/>
-            <a:ext cx="11152010" cy="5450851"/>
+            <a:off x="3910156" y="2921168"/>
+            <a:ext cx="4371711" cy="1015663"/>
           </a:xfrm>
           <a:prstGeom prst="rect">
             <a:avLst/>
@@ -12135,457 +14759,138 @@
           <a:noFill/>
         </p:spPr>
         <p:txBody>
-          <a:bodyPr wrap="square" rtlCol="0">
+          <a:bodyPr wrap="none" rtlCol="0">
             <a:spAutoFit/>
           </a:bodyPr>
           <a:lstStyle/>
           <a:p>
-            <a:pPr>
-              <a:lnSpc>
-                <a:spcPct val="150000"/>
-              </a:lnSpc>
-            </a:pPr>
-            <a:r>
-              <a:rPr lang="en-US" dirty="0">
-                <a:solidFill>
-                  <a:srgbClr val="212529"/>
-                </a:solidFill>
-                <a:latin typeface="+mj-lt"/>
-              </a:rPr>
-              <a:t>1. “Why Use Microservices?”, </a:t>
-            </a:r>
-            <a:r>
-              <a:rPr lang="en-US" dirty="0" err="1">
-                <a:solidFill>
-                  <a:srgbClr val="212529"/>
-                </a:solidFill>
-                <a:latin typeface="+mj-lt"/>
-              </a:rPr>
-              <a:t>DZone</a:t>
-            </a:r>
-            <a:r>
-              <a:rPr lang="en-US" dirty="0">
-                <a:solidFill>
-                  <a:srgbClr val="212529"/>
-                </a:solidFill>
-                <a:latin typeface="+mj-lt"/>
-              </a:rPr>
-              <a:t>. [Online]. Available: </a:t>
-            </a:r>
-            <a:r>
-              <a:rPr lang="en-US" dirty="0" err="1">
-                <a:solidFill>
-                  <a:srgbClr val="212529"/>
-                </a:solidFill>
-                <a:latin typeface="+mj-lt"/>
-              </a:rPr>
-              <a:t>dzone.com</a:t>
-            </a:r>
-            <a:r>
-              <a:rPr lang="en-US" dirty="0">
-                <a:solidFill>
-                  <a:srgbClr val="212529"/>
-                </a:solidFill>
-                <a:latin typeface="+mj-lt"/>
-              </a:rPr>
-              <a:t>. Accessed: 23/9/2019</a:t>
-            </a:r>
-          </a:p>
-          <a:p>
-            <a:pPr>
-              <a:lnSpc>
-                <a:spcPct val="150000"/>
-              </a:lnSpc>
-            </a:pPr>
-            <a:r>
-              <a:rPr lang="en-US" dirty="0">
-                <a:solidFill>
-                  <a:srgbClr val="212529"/>
-                </a:solidFill>
-                <a:latin typeface="+mj-lt"/>
-              </a:rPr>
-              <a:t>2. “What is Microservices?”, Smart bear. [Online]. Available: </a:t>
-            </a:r>
-            <a:r>
-              <a:rPr lang="en-US" dirty="0" err="1">
-                <a:solidFill>
-                  <a:srgbClr val="212529"/>
-                </a:solidFill>
-                <a:latin typeface="+mj-lt"/>
-              </a:rPr>
-              <a:t>smartbear.com</a:t>
-            </a:r>
-            <a:r>
-              <a:rPr lang="en-US" dirty="0">
-                <a:solidFill>
-                  <a:srgbClr val="212529"/>
-                </a:solidFill>
-                <a:latin typeface="+mj-lt"/>
-              </a:rPr>
-              <a:t>. Accessed: 15/7/19</a:t>
-            </a:r>
-          </a:p>
-          <a:p>
-            <a:pPr>
-              <a:lnSpc>
-                <a:spcPct val="150000"/>
-              </a:lnSpc>
-            </a:pPr>
-            <a:r>
-              <a:rPr lang="en-US" dirty="0">
-                <a:solidFill>
-                  <a:srgbClr val="212529"/>
-                </a:solidFill>
-                <a:latin typeface="+mj-lt"/>
-              </a:rPr>
-              <a:t>3. “.NET Microservices: Architecture for Containerized .NET Applications”, </a:t>
-            </a:r>
-            <a:r>
-              <a:rPr lang="en-US" dirty="0" err="1">
-                <a:solidFill>
-                  <a:srgbClr val="212529"/>
-                </a:solidFill>
-                <a:latin typeface="+mj-lt"/>
-              </a:rPr>
-              <a:t>Microsof</a:t>
-            </a:r>
-            <a:r>
-              <a:rPr lang="en-US" dirty="0">
-                <a:solidFill>
-                  <a:srgbClr val="212529"/>
-                </a:solidFill>
-                <a:latin typeface="+mj-lt"/>
-              </a:rPr>
-              <a:t>. [Online]. Available: </a:t>
-            </a:r>
-            <a:r>
-              <a:rPr lang="en-US" dirty="0" err="1">
-                <a:solidFill>
-                  <a:srgbClr val="212529"/>
-                </a:solidFill>
-                <a:latin typeface="+mj-lt"/>
-              </a:rPr>
-              <a:t>docs.microsoft.com</a:t>
-            </a:r>
-            <a:r>
-              <a:rPr lang="en-US" dirty="0">
-                <a:solidFill>
-                  <a:srgbClr val="212529"/>
-                </a:solidFill>
-                <a:latin typeface="+mj-lt"/>
-              </a:rPr>
-              <a:t>. Accessed: 23/9/19</a:t>
-            </a:r>
-          </a:p>
-          <a:p>
-            <a:pPr>
-              <a:lnSpc>
-                <a:spcPct val="150000"/>
-              </a:lnSpc>
-            </a:pPr>
-            <a:r>
-              <a:rPr lang="en-US" dirty="0">
-                <a:solidFill>
-                  <a:srgbClr val="212529"/>
-                </a:solidFill>
-                <a:latin typeface="+mj-lt"/>
-              </a:rPr>
-              <a:t>4. “What is Docker?”, Open Source. [Online]. Available: </a:t>
-            </a:r>
-            <a:r>
-              <a:rPr lang="en-US" dirty="0" err="1">
-                <a:solidFill>
-                  <a:srgbClr val="212529"/>
-                </a:solidFill>
-                <a:latin typeface="+mj-lt"/>
-              </a:rPr>
-              <a:t>opensource.com</a:t>
-            </a:r>
-            <a:r>
-              <a:rPr lang="en-US" dirty="0">
-                <a:solidFill>
-                  <a:srgbClr val="212529"/>
-                </a:solidFill>
-                <a:latin typeface="+mj-lt"/>
-              </a:rPr>
-              <a:t>. Accessed: 24/9/2019</a:t>
-            </a:r>
-          </a:p>
-          <a:p>
-            <a:pPr>
-              <a:lnSpc>
-                <a:spcPct val="150000"/>
-              </a:lnSpc>
-            </a:pPr>
-            <a:r>
-              <a:rPr lang="en-US" dirty="0">
-                <a:solidFill>
-                  <a:srgbClr val="212529"/>
-                </a:solidFill>
-                <a:latin typeface="+mj-lt"/>
-              </a:rPr>
-              <a:t>5. “C#”, Tutorials Point. [Online]. Available: </a:t>
-            </a:r>
-            <a:r>
-              <a:rPr lang="en-US" dirty="0" err="1">
-                <a:solidFill>
-                  <a:srgbClr val="212529"/>
-                </a:solidFill>
-                <a:latin typeface="+mj-lt"/>
-              </a:rPr>
-              <a:t>tutorialspoint.com</a:t>
-            </a:r>
-            <a:r>
-              <a:rPr lang="en-US" dirty="0">
-                <a:solidFill>
-                  <a:srgbClr val="212529"/>
-                </a:solidFill>
-                <a:latin typeface="+mj-lt"/>
-              </a:rPr>
-              <a:t>. Accessed: 24/9/2019</a:t>
-            </a:r>
-          </a:p>
-          <a:p>
-            <a:pPr>
-              <a:lnSpc>
-                <a:spcPct val="150000"/>
-              </a:lnSpc>
-            </a:pPr>
-            <a:r>
-              <a:rPr lang="en-US" dirty="0">
-                <a:solidFill>
-                  <a:srgbClr val="212529"/>
-                </a:solidFill>
-                <a:latin typeface="+mj-lt"/>
-              </a:rPr>
-              <a:t>6. “MS SQL Server – Overview”, Tutorials Point. [Online]. Available: </a:t>
-            </a:r>
-            <a:r>
-              <a:rPr lang="en-US" dirty="0" err="1">
-                <a:solidFill>
-                  <a:srgbClr val="212529"/>
-                </a:solidFill>
-                <a:latin typeface="+mj-lt"/>
-              </a:rPr>
-              <a:t>tutorialspoint.com</a:t>
-            </a:r>
-            <a:r>
-              <a:rPr lang="en-US" dirty="0">
-                <a:solidFill>
-                  <a:srgbClr val="212529"/>
-                </a:solidFill>
-                <a:latin typeface="+mj-lt"/>
-              </a:rPr>
-              <a:t>. Accessed: 24/9/2019</a:t>
-            </a:r>
-          </a:p>
-          <a:p>
-            <a:pPr>
-              <a:lnSpc>
-                <a:spcPct val="150000"/>
-              </a:lnSpc>
-            </a:pPr>
-            <a:r>
-              <a:rPr lang="en-US" dirty="0">
-                <a:solidFill>
-                  <a:srgbClr val="212529"/>
-                </a:solidFill>
-                <a:latin typeface="+mj-lt"/>
-              </a:rPr>
-              <a:t>7. “Introduction to Redis”, Redis. [Online]. Available: </a:t>
-            </a:r>
-            <a:r>
-              <a:rPr lang="en-US" dirty="0" err="1">
-                <a:solidFill>
-                  <a:srgbClr val="212529"/>
-                </a:solidFill>
-                <a:latin typeface="+mj-lt"/>
-              </a:rPr>
-              <a:t>redis.io</a:t>
-            </a:r>
-            <a:r>
-              <a:rPr lang="en-US" dirty="0">
-                <a:solidFill>
-                  <a:srgbClr val="212529"/>
-                </a:solidFill>
-                <a:latin typeface="+mj-lt"/>
-              </a:rPr>
-              <a:t>. Accessed: 5/10/2019</a:t>
-            </a:r>
-          </a:p>
-          <a:p>
-            <a:pPr>
-              <a:lnSpc>
-                <a:spcPct val="150000"/>
-              </a:lnSpc>
-            </a:pPr>
-            <a:r>
-              <a:rPr lang="en-US" dirty="0">
-                <a:solidFill>
-                  <a:srgbClr val="212529"/>
-                </a:solidFill>
-                <a:latin typeface="+mj-lt"/>
-              </a:rPr>
-              <a:t>8. “An introduction to Message Brokers”, Medium. [Online]. Available: </a:t>
-            </a:r>
-            <a:r>
-              <a:rPr lang="en-US" dirty="0" err="1">
-                <a:solidFill>
-                  <a:srgbClr val="212529"/>
-                </a:solidFill>
-                <a:latin typeface="+mj-lt"/>
-              </a:rPr>
-              <a:t>medium.com</a:t>
-            </a:r>
-            <a:r>
-              <a:rPr lang="en-US" dirty="0">
-                <a:solidFill>
-                  <a:srgbClr val="212529"/>
-                </a:solidFill>
-                <a:latin typeface="+mj-lt"/>
-              </a:rPr>
-              <a:t>. Accessed: 5/10/2019</a:t>
-            </a:r>
-          </a:p>
-          <a:p>
-            <a:pPr>
-              <a:lnSpc>
-                <a:spcPct val="150000"/>
-              </a:lnSpc>
-            </a:pPr>
-            <a:r>
-              <a:rPr lang="en-US" dirty="0">
-                <a:solidFill>
-                  <a:srgbClr val="212529"/>
-                </a:solidFill>
-                <a:latin typeface="+mj-lt"/>
-              </a:rPr>
-              <a:t>9. “Introduction to RabbitMQ”, </a:t>
-            </a:r>
-            <a:r>
-              <a:rPr lang="en-US" dirty="0" err="1">
-                <a:solidFill>
-                  <a:srgbClr val="212529"/>
-                </a:solidFill>
-                <a:latin typeface="+mj-lt"/>
-              </a:rPr>
-              <a:t>Tutlane</a:t>
-            </a:r>
-            <a:r>
-              <a:rPr lang="en-US" dirty="0">
-                <a:solidFill>
-                  <a:srgbClr val="212529"/>
-                </a:solidFill>
-                <a:latin typeface="+mj-lt"/>
-              </a:rPr>
-              <a:t>. [Online]. Available: </a:t>
-            </a:r>
-            <a:r>
-              <a:rPr lang="en-US" dirty="0" err="1">
-                <a:solidFill>
-                  <a:srgbClr val="212529"/>
-                </a:solidFill>
-                <a:latin typeface="+mj-lt"/>
-              </a:rPr>
-              <a:t>tutlane.com</a:t>
-            </a:r>
-            <a:r>
-              <a:rPr lang="en-US" dirty="0">
-                <a:solidFill>
-                  <a:srgbClr val="212529"/>
-                </a:solidFill>
-                <a:latin typeface="+mj-lt"/>
-              </a:rPr>
-              <a:t>. Accessed: 5/10/2019</a:t>
-            </a:r>
-          </a:p>
-          <a:p>
-            <a:pPr>
-              <a:lnSpc>
-                <a:spcPct val="150000"/>
-              </a:lnSpc>
-            </a:pPr>
-            <a:r>
-              <a:rPr lang="en-US" dirty="0">
-                <a:solidFill>
-                  <a:srgbClr val="212529"/>
-                </a:solidFill>
-                <a:latin typeface="+mj-lt"/>
-              </a:rPr>
-              <a:t>10. “Swagger UI”, Swagger. [Online]. Available: </a:t>
-            </a:r>
-            <a:r>
-              <a:rPr lang="en-US" dirty="0" err="1">
-                <a:solidFill>
-                  <a:srgbClr val="212529"/>
-                </a:solidFill>
-                <a:latin typeface="+mj-lt"/>
-              </a:rPr>
-              <a:t>swagger.io</a:t>
-            </a:r>
-            <a:r>
-              <a:rPr lang="en-US" dirty="0">
-                <a:solidFill>
-                  <a:srgbClr val="212529"/>
-                </a:solidFill>
-                <a:latin typeface="+mj-lt"/>
-              </a:rPr>
-              <a:t>. Accessed: 13/10/2019</a:t>
-            </a:r>
-          </a:p>
-          <a:p>
-            <a:pPr>
-              <a:lnSpc>
-                <a:spcPct val="150000"/>
-              </a:lnSpc>
-            </a:pPr>
-            <a:r>
-              <a:rPr lang="en-US" dirty="0">
-                <a:solidFill>
-                  <a:srgbClr val="212529"/>
-                </a:solidFill>
-                <a:latin typeface="+mj-lt"/>
-              </a:rPr>
-              <a:t>11. “ASP.NET Core 2.0 E-Commerce website based on microservices”, Udemy. [Online]. Available: </a:t>
-            </a:r>
-            <a:r>
-              <a:rPr lang="en-US" dirty="0" err="1">
-                <a:solidFill>
-                  <a:srgbClr val="212529"/>
-                </a:solidFill>
-                <a:latin typeface="+mj-lt"/>
-              </a:rPr>
-              <a:t>udemy.com</a:t>
-            </a:r>
-            <a:r>
-              <a:rPr lang="en-US" dirty="0">
-                <a:solidFill>
-                  <a:srgbClr val="212529"/>
-                </a:solidFill>
-                <a:latin typeface="+mj-lt"/>
-              </a:rPr>
-              <a:t>. Accessed: 25/9/2019</a:t>
-            </a:r>
+            <a:pPr algn="ctr"/>
+            <a:r>
+              <a:rPr lang="en-US" sz="6000" b="1" dirty="0" smtClean="0">
+                <a:solidFill>
+                  <a:schemeClr val="bg2"/>
+                </a:solidFill>
+                <a:latin typeface="+mj-lt"/>
+              </a:rPr>
+              <a:t>Conclusion</a:t>
+            </a:r>
+            <a:endParaRPr lang="en-US" sz="6000" b="1" dirty="0">
+              <a:solidFill>
+                <a:schemeClr val="bg2"/>
+              </a:solidFill>
+              <a:latin typeface="+mj-lt"/>
+            </a:endParaRPr>
           </a:p>
         </p:txBody>
       </p:sp>
     </p:spTree>
     <p:extLst>
       <p:ext uri="{BB962C8B-B14F-4D97-AF65-F5344CB8AC3E}">
-        <p14:creationId xmlns:p14="http://schemas.microsoft.com/office/powerpoint/2010/main" val="2936047039"/>
+        <p14:creationId xmlns:p14="http://schemas.microsoft.com/office/powerpoint/2010/main" val="229032032"/>
       </p:ext>
     </p:extLst>
   </p:cSld>
   <p:clrMapOvr>
     <a:masterClrMapping/>
   </p:clrMapOvr>
-  <mc:AlternateContent xmlns:mc="http://schemas.openxmlformats.org/markup-compatibility/2006" xmlns:p159="http://schemas.microsoft.com/office/powerpoint/2015/09/main">
-    <mc:Choice Requires="p159">
+  <mc:AlternateContent xmlns:mc="http://schemas.openxmlformats.org/markup-compatibility/2006">
+    <mc:Choice xmlns="" xmlns:p159="http://schemas.microsoft.com/office/powerpoint/2015/09/main" Requires="p159">
       <p:transition xmlns:p14="http://schemas.microsoft.com/office/powerpoint/2010/main" spd="slow" p14:dur="2000">
         <p159:morph option="byWord"/>
       </p:transition>
     </mc:Choice>
-    <mc:Fallback xmlns="">
+    <mc:Fallback>
+      <p:transition spd="slow">
+        <p:fade/>
+      </p:transition>
+    </mc:Fallback>
+  </mc:AlternateContent>
+</p:sld>
+</file>
+
+<file path=ppt/slides/slide39.xml><?xml version="1.0" encoding="utf-8"?>
+<p:sld xmlns:a="http://schemas.openxmlformats.org/drawingml/2006/main" xmlns:r="http://schemas.openxmlformats.org/officeDocument/2006/relationships" xmlns:p="http://schemas.openxmlformats.org/presentationml/2006/main">
+  <p:cSld>
+    <p:bg>
+      <p:bgPr>
+        <a:solidFill>
+          <a:srgbClr val="1A7EAF"/>
+        </a:solidFill>
+        <a:effectLst/>
+      </p:bgPr>
+    </p:bg>
+    <p:spTree>
+      <p:nvGrpSpPr>
+        <p:cNvPr id="1" name=""/>
+        <p:cNvGrpSpPr/>
+        <p:nvPr/>
+      </p:nvGrpSpPr>
+      <p:grpSpPr>
+        <a:xfrm>
+          <a:off x="0" y="0"/>
+          <a:ext cx="0" cy="0"/>
+          <a:chOff x="0" y="0"/>
+          <a:chExt cx="0" cy="0"/>
+        </a:xfrm>
+      </p:grpSpPr>
+      <p:sp>
+        <p:nvSpPr>
+          <p:cNvPr id="17" name="TextBox 16"/>
+          <p:cNvSpPr txBox="1"/>
+          <p:nvPr/>
+        </p:nvSpPr>
+        <p:spPr>
+          <a:xfrm>
+            <a:off x="3594908" y="2921168"/>
+            <a:ext cx="5002203" cy="1015663"/>
+          </a:xfrm>
+          <a:prstGeom prst="rect">
+            <a:avLst/>
+          </a:prstGeom>
+          <a:noFill/>
+        </p:spPr>
+        <p:txBody>
+          <a:bodyPr wrap="none" rtlCol="0">
+            <a:spAutoFit/>
+          </a:bodyPr>
+          <a:lstStyle/>
+          <a:p>
+            <a:pPr algn="ctr"/>
+            <a:r>
+              <a:rPr lang="en-US" sz="6000" b="1" dirty="0" smtClean="0">
+                <a:solidFill>
+                  <a:schemeClr val="bg2"/>
+                </a:solidFill>
+                <a:latin typeface="+mj-lt"/>
+              </a:rPr>
+              <a:t>THANK YOU!</a:t>
+            </a:r>
+            <a:endParaRPr lang="en-US" sz="6000" b="1" dirty="0">
+              <a:solidFill>
+                <a:schemeClr val="bg2"/>
+              </a:solidFill>
+              <a:latin typeface="+mj-lt"/>
+            </a:endParaRPr>
+          </a:p>
+        </p:txBody>
+      </p:sp>
+    </p:spTree>
+    <p:extLst>
+      <p:ext uri="{BB962C8B-B14F-4D97-AF65-F5344CB8AC3E}">
+        <p14:creationId xmlns:p14="http://schemas.microsoft.com/office/powerpoint/2010/main" val="613960622"/>
+      </p:ext>
+    </p:extLst>
+  </p:cSld>
+  <p:clrMapOvr>
+    <a:masterClrMapping/>
+  </p:clrMapOvr>
+  <mc:AlternateContent xmlns:mc="http://schemas.openxmlformats.org/markup-compatibility/2006">
+    <mc:Choice xmlns="" xmlns:p159="http://schemas.microsoft.com/office/powerpoint/2015/09/main" Requires="p159">
+      <p:transition xmlns:p14="http://schemas.microsoft.com/office/powerpoint/2010/main" spd="slow" p14:dur="2000">
+        <p159:morph option="byWord"/>
+      </p:transition>
+    </mc:Choice>
+    <mc:Fallback>
       <p:transition spd="slow">
         <p:fade/>
       </p:transition>
@@ -12625,7 +14930,7 @@
         </p:nvSpPr>
         <p:spPr>
           <a:xfrm>
-            <a:off x="583729" y="2021691"/>
+            <a:off x="553249" y="1655931"/>
             <a:ext cx="10408735" cy="2814617"/>
           </a:xfrm>
           <a:prstGeom prst="rect">
@@ -12778,13 +15083,18 @@
           </a:lstStyle>
           <a:p>
             <a:r>
-              <a:rPr lang="en-US" sz="6000" b="1" dirty="0">
+              <a:rPr lang="en-US" sz="5400" b="1" dirty="0">
                 <a:solidFill>
                   <a:srgbClr val="1A7EAF"/>
                 </a:solidFill>
               </a:rPr>
               <a:t>Introduction</a:t>
             </a:r>
+            <a:endParaRPr lang="en-US" sz="6000" b="1" dirty="0">
+              <a:solidFill>
+                <a:srgbClr val="1A7EAF"/>
+              </a:solidFill>
+            </a:endParaRPr>
           </a:p>
         </p:txBody>
       </p:sp>
@@ -12798,18 +15108,582 @@
   <p:clrMapOvr>
     <a:masterClrMapping/>
   </p:clrMapOvr>
-  <mc:AlternateContent xmlns:mc="http://schemas.openxmlformats.org/markup-compatibility/2006" xmlns:p159="http://schemas.microsoft.com/office/powerpoint/2015/09/main">
-    <mc:Choice Requires="p159">
+  <mc:AlternateContent xmlns:mc="http://schemas.openxmlformats.org/markup-compatibility/2006">
+    <mc:Choice xmlns="" xmlns:p159="http://schemas.microsoft.com/office/powerpoint/2015/09/main" Requires="p159">
       <p:transition xmlns:p14="http://schemas.microsoft.com/office/powerpoint/2010/main" spd="slow" p14:dur="2000">
         <p159:morph option="byWord"/>
       </p:transition>
     </mc:Choice>
-    <mc:Fallback xmlns="">
+    <mc:Fallback>
       <p:transition spd="slow">
         <p:fade/>
       </p:transition>
     </mc:Fallback>
   </mc:AlternateContent>
+</p:sld>
+</file>
+
+<file path=ppt/slides/slide40.xml><?xml version="1.0" encoding="utf-8"?>
+<p:sld xmlns:a="http://schemas.openxmlformats.org/drawingml/2006/main" xmlns:r="http://schemas.openxmlformats.org/officeDocument/2006/relationships" xmlns:p="http://schemas.openxmlformats.org/presentationml/2006/main">
+  <p:cSld>
+    <p:spTree>
+      <p:nvGrpSpPr>
+        <p:cNvPr id="1" name=""/>
+        <p:cNvGrpSpPr/>
+        <p:nvPr/>
+      </p:nvGrpSpPr>
+      <p:grpSpPr>
+        <a:xfrm>
+          <a:off x="0" y="0"/>
+          <a:ext cx="0" cy="0"/>
+          <a:chOff x="0" y="0"/>
+          <a:chExt cx="0" cy="0"/>
+        </a:xfrm>
+      </p:grpSpPr>
+      <p:sp>
+        <p:nvSpPr>
+          <p:cNvPr id="13" name="Title 7">
+            <a:extLst>
+              <a:ext uri="{FF2B5EF4-FFF2-40B4-BE49-F238E27FC236}">
+                <a16:creationId xmlns:a16="http://schemas.microsoft.com/office/drawing/2014/main" id="{6C258E00-21EF-814D-98EC-442B78093754}"/>
+              </a:ext>
+            </a:extLst>
+          </p:cNvPr>
+          <p:cNvSpPr txBox="1">
+            <a:spLocks/>
+          </p:cNvSpPr>
+          <p:nvPr/>
+        </p:nvSpPr>
+        <p:spPr>
+          <a:xfrm>
+            <a:off x="583199" y="360000"/>
+            <a:ext cx="11152011" cy="942975"/>
+          </a:xfrm>
+          <a:prstGeom prst="rect">
+            <a:avLst/>
+          </a:prstGeom>
+        </p:spPr>
+        <p:txBody>
+          <a:bodyPr>
+            <a:normAutofit/>
+          </a:bodyPr>
+          <a:lstStyle>
+            <a:lvl1pPr algn="l" defTabSz="914400" rtl="0" eaLnBrk="1" latinLnBrk="0" hangingPunct="1">
+              <a:lnSpc>
+                <a:spcPct val="90000"/>
+              </a:lnSpc>
+              <a:spcBef>
+                <a:spcPct val="0"/>
+              </a:spcBef>
+              <a:buNone/>
+              <a:defRPr sz="4400" kern="1200">
+                <a:solidFill>
+                  <a:schemeClr val="tx1"/>
+                </a:solidFill>
+                <a:latin typeface="+mj-lt"/>
+                <a:ea typeface="+mj-ea"/>
+                <a:cs typeface="+mj-cs"/>
+              </a:defRPr>
+            </a:lvl1pPr>
+          </a:lstStyle>
+          <a:p>
+            <a:r>
+              <a:rPr lang="en-US" sz="6000" b="1" dirty="0">
+                <a:solidFill>
+                  <a:srgbClr val="1A7EAF"/>
+                </a:solidFill>
+              </a:rPr>
+              <a:t>References</a:t>
+            </a:r>
+          </a:p>
+        </p:txBody>
+      </p:sp>
+      <p:sp>
+        <p:nvSpPr>
+          <p:cNvPr id="8" name="TextBox 7">
+            <a:extLst>
+              <a:ext uri="{FF2B5EF4-FFF2-40B4-BE49-F238E27FC236}">
+                <a16:creationId xmlns:a16="http://schemas.microsoft.com/office/drawing/2014/main" id="{803A4C48-60A6-5843-8813-CA4251453ADC}"/>
+              </a:ext>
+            </a:extLst>
+          </p:cNvPr>
+          <p:cNvSpPr txBox="1"/>
+          <p:nvPr/>
+        </p:nvSpPr>
+        <p:spPr>
+          <a:xfrm>
+            <a:off x="583200" y="1200149"/>
+            <a:ext cx="11608800" cy="5450851"/>
+          </a:xfrm>
+          <a:prstGeom prst="rect">
+            <a:avLst/>
+          </a:prstGeom>
+          <a:noFill/>
+        </p:spPr>
+        <p:txBody>
+          <a:bodyPr wrap="square" rtlCol="0">
+            <a:spAutoFit/>
+          </a:bodyPr>
+          <a:lstStyle/>
+          <a:p>
+            <a:pPr>
+              <a:lnSpc>
+                <a:spcPct val="150000"/>
+              </a:lnSpc>
+            </a:pPr>
+            <a:r>
+              <a:rPr lang="en-US" dirty="0">
+                <a:solidFill>
+                  <a:srgbClr val="212529"/>
+                </a:solidFill>
+                <a:latin typeface="+mj-lt"/>
+              </a:rPr>
+              <a:t>1. “Why Use Microservices?”, </a:t>
+            </a:r>
+            <a:r>
+              <a:rPr lang="en-US" dirty="0" err="1">
+                <a:solidFill>
+                  <a:srgbClr val="212529"/>
+                </a:solidFill>
+                <a:latin typeface="+mj-lt"/>
+              </a:rPr>
+              <a:t>DZone</a:t>
+            </a:r>
+            <a:r>
+              <a:rPr lang="en-US" dirty="0">
+                <a:solidFill>
+                  <a:srgbClr val="212529"/>
+                </a:solidFill>
+                <a:latin typeface="+mj-lt"/>
+              </a:rPr>
+              <a:t>. [Online]. Available: </a:t>
+            </a:r>
+            <a:r>
+              <a:rPr lang="en-US" dirty="0" err="1">
+                <a:solidFill>
+                  <a:srgbClr val="212529"/>
+                </a:solidFill>
+                <a:latin typeface="+mj-lt"/>
+              </a:rPr>
+              <a:t>dzone.com</a:t>
+            </a:r>
+            <a:r>
+              <a:rPr lang="en-US" dirty="0">
+                <a:solidFill>
+                  <a:srgbClr val="212529"/>
+                </a:solidFill>
+                <a:latin typeface="+mj-lt"/>
+              </a:rPr>
+              <a:t>. Accessed: 23/9/2019</a:t>
+            </a:r>
+          </a:p>
+          <a:p>
+            <a:pPr>
+              <a:lnSpc>
+                <a:spcPct val="150000"/>
+              </a:lnSpc>
+            </a:pPr>
+            <a:r>
+              <a:rPr lang="en-US" dirty="0">
+                <a:solidFill>
+                  <a:srgbClr val="212529"/>
+                </a:solidFill>
+                <a:latin typeface="+mj-lt"/>
+              </a:rPr>
+              <a:t>2. “What is Microservices?”, Smart bear. [Online]. Available: </a:t>
+            </a:r>
+            <a:r>
+              <a:rPr lang="en-US" dirty="0" err="1">
+                <a:solidFill>
+                  <a:srgbClr val="212529"/>
+                </a:solidFill>
+                <a:latin typeface="+mj-lt"/>
+              </a:rPr>
+              <a:t>smartbear.com</a:t>
+            </a:r>
+            <a:r>
+              <a:rPr lang="en-US" dirty="0">
+                <a:solidFill>
+                  <a:srgbClr val="212529"/>
+                </a:solidFill>
+                <a:latin typeface="+mj-lt"/>
+              </a:rPr>
+              <a:t>. Accessed: 15/7/19</a:t>
+            </a:r>
+          </a:p>
+          <a:p>
+            <a:pPr>
+              <a:lnSpc>
+                <a:spcPct val="150000"/>
+              </a:lnSpc>
+            </a:pPr>
+            <a:r>
+              <a:rPr lang="en-US" dirty="0">
+                <a:solidFill>
+                  <a:srgbClr val="212529"/>
+                </a:solidFill>
+                <a:latin typeface="+mj-lt"/>
+              </a:rPr>
+              <a:t>3. “.NET Microservices: Architecture for Containerized .NET Applications”, </a:t>
+            </a:r>
+            <a:r>
+              <a:rPr lang="en-US" dirty="0" err="1">
+                <a:solidFill>
+                  <a:srgbClr val="212529"/>
+                </a:solidFill>
+                <a:latin typeface="+mj-lt"/>
+              </a:rPr>
+              <a:t>Microsof</a:t>
+            </a:r>
+            <a:r>
+              <a:rPr lang="en-US" dirty="0">
+                <a:solidFill>
+                  <a:srgbClr val="212529"/>
+                </a:solidFill>
+                <a:latin typeface="+mj-lt"/>
+              </a:rPr>
+              <a:t>. [Online]. Available: </a:t>
+            </a:r>
+            <a:r>
+              <a:rPr lang="en-US" dirty="0" err="1">
+                <a:solidFill>
+                  <a:srgbClr val="212529"/>
+                </a:solidFill>
+                <a:latin typeface="+mj-lt"/>
+              </a:rPr>
+              <a:t>docs.microsoft.com</a:t>
+            </a:r>
+            <a:r>
+              <a:rPr lang="en-US" dirty="0">
+                <a:solidFill>
+                  <a:srgbClr val="212529"/>
+                </a:solidFill>
+                <a:latin typeface="+mj-lt"/>
+              </a:rPr>
+              <a:t>. Accessed: 23/9/19</a:t>
+            </a:r>
+          </a:p>
+          <a:p>
+            <a:pPr>
+              <a:lnSpc>
+                <a:spcPct val="150000"/>
+              </a:lnSpc>
+            </a:pPr>
+            <a:r>
+              <a:rPr lang="en-US" dirty="0">
+                <a:solidFill>
+                  <a:srgbClr val="212529"/>
+                </a:solidFill>
+                <a:latin typeface="+mj-lt"/>
+              </a:rPr>
+              <a:t>4. “What is Docker?”, Open Source. [Online]. Available: </a:t>
+            </a:r>
+            <a:r>
+              <a:rPr lang="en-US" dirty="0" err="1">
+                <a:solidFill>
+                  <a:srgbClr val="212529"/>
+                </a:solidFill>
+                <a:latin typeface="+mj-lt"/>
+              </a:rPr>
+              <a:t>opensource.com</a:t>
+            </a:r>
+            <a:r>
+              <a:rPr lang="en-US" dirty="0">
+                <a:solidFill>
+                  <a:srgbClr val="212529"/>
+                </a:solidFill>
+                <a:latin typeface="+mj-lt"/>
+              </a:rPr>
+              <a:t>. Accessed: 24/9/2019</a:t>
+            </a:r>
+          </a:p>
+          <a:p>
+            <a:pPr>
+              <a:lnSpc>
+                <a:spcPct val="150000"/>
+              </a:lnSpc>
+            </a:pPr>
+            <a:r>
+              <a:rPr lang="en-US" dirty="0">
+                <a:solidFill>
+                  <a:srgbClr val="212529"/>
+                </a:solidFill>
+                <a:latin typeface="+mj-lt"/>
+              </a:rPr>
+              <a:t>5. “C#”, Tutorials Point. [Online]. Available: </a:t>
+            </a:r>
+            <a:r>
+              <a:rPr lang="en-US" dirty="0" err="1">
+                <a:solidFill>
+                  <a:srgbClr val="212529"/>
+                </a:solidFill>
+                <a:latin typeface="+mj-lt"/>
+              </a:rPr>
+              <a:t>tutorialspoint.com</a:t>
+            </a:r>
+            <a:r>
+              <a:rPr lang="en-US" dirty="0">
+                <a:solidFill>
+                  <a:srgbClr val="212529"/>
+                </a:solidFill>
+                <a:latin typeface="+mj-lt"/>
+              </a:rPr>
+              <a:t>. Accessed: 24/9/2019</a:t>
+            </a:r>
+          </a:p>
+          <a:p>
+            <a:pPr>
+              <a:lnSpc>
+                <a:spcPct val="150000"/>
+              </a:lnSpc>
+            </a:pPr>
+            <a:r>
+              <a:rPr lang="en-US" dirty="0">
+                <a:solidFill>
+                  <a:srgbClr val="212529"/>
+                </a:solidFill>
+                <a:latin typeface="+mj-lt"/>
+              </a:rPr>
+              <a:t>6. “MS SQL Server – Overview”, Tutorials Point. [Online]. Available: </a:t>
+            </a:r>
+            <a:r>
+              <a:rPr lang="en-US" dirty="0" err="1">
+                <a:solidFill>
+                  <a:srgbClr val="212529"/>
+                </a:solidFill>
+                <a:latin typeface="+mj-lt"/>
+              </a:rPr>
+              <a:t>tutorialspoint.com</a:t>
+            </a:r>
+            <a:r>
+              <a:rPr lang="en-US" dirty="0">
+                <a:solidFill>
+                  <a:srgbClr val="212529"/>
+                </a:solidFill>
+                <a:latin typeface="+mj-lt"/>
+              </a:rPr>
+              <a:t>. Accessed: 24/9/2019</a:t>
+            </a:r>
+          </a:p>
+          <a:p>
+            <a:pPr>
+              <a:lnSpc>
+                <a:spcPct val="150000"/>
+              </a:lnSpc>
+            </a:pPr>
+            <a:r>
+              <a:rPr lang="en-US" dirty="0">
+                <a:solidFill>
+                  <a:srgbClr val="212529"/>
+                </a:solidFill>
+                <a:latin typeface="+mj-lt"/>
+              </a:rPr>
+              <a:t>7. “Introduction to Redis”, Redis. [Online]. Available: </a:t>
+            </a:r>
+            <a:r>
+              <a:rPr lang="en-US" dirty="0" err="1">
+                <a:solidFill>
+                  <a:srgbClr val="212529"/>
+                </a:solidFill>
+                <a:latin typeface="+mj-lt"/>
+              </a:rPr>
+              <a:t>redis.io</a:t>
+            </a:r>
+            <a:r>
+              <a:rPr lang="en-US" dirty="0">
+                <a:solidFill>
+                  <a:srgbClr val="212529"/>
+                </a:solidFill>
+                <a:latin typeface="+mj-lt"/>
+              </a:rPr>
+              <a:t>. Accessed: 5/10/2019</a:t>
+            </a:r>
+          </a:p>
+          <a:p>
+            <a:pPr>
+              <a:lnSpc>
+                <a:spcPct val="150000"/>
+              </a:lnSpc>
+            </a:pPr>
+            <a:r>
+              <a:rPr lang="en-US" dirty="0">
+                <a:solidFill>
+                  <a:srgbClr val="212529"/>
+                </a:solidFill>
+                <a:latin typeface="+mj-lt"/>
+              </a:rPr>
+              <a:t>8. “An introduction to Message Brokers”, Medium. [Online]. Available: </a:t>
+            </a:r>
+            <a:r>
+              <a:rPr lang="en-US" dirty="0" err="1">
+                <a:solidFill>
+                  <a:srgbClr val="212529"/>
+                </a:solidFill>
+                <a:latin typeface="+mj-lt"/>
+              </a:rPr>
+              <a:t>medium.com</a:t>
+            </a:r>
+            <a:r>
+              <a:rPr lang="en-US" dirty="0">
+                <a:solidFill>
+                  <a:srgbClr val="212529"/>
+                </a:solidFill>
+                <a:latin typeface="+mj-lt"/>
+              </a:rPr>
+              <a:t>. Accessed: 5/10/2019</a:t>
+            </a:r>
+          </a:p>
+          <a:p>
+            <a:pPr>
+              <a:lnSpc>
+                <a:spcPct val="150000"/>
+              </a:lnSpc>
+            </a:pPr>
+            <a:r>
+              <a:rPr lang="en-US" dirty="0">
+                <a:solidFill>
+                  <a:srgbClr val="212529"/>
+                </a:solidFill>
+                <a:latin typeface="+mj-lt"/>
+              </a:rPr>
+              <a:t>9. “Introduction to RabbitMQ”, </a:t>
+            </a:r>
+            <a:r>
+              <a:rPr lang="en-US" dirty="0" err="1">
+                <a:solidFill>
+                  <a:srgbClr val="212529"/>
+                </a:solidFill>
+                <a:latin typeface="+mj-lt"/>
+              </a:rPr>
+              <a:t>Tutlane</a:t>
+            </a:r>
+            <a:r>
+              <a:rPr lang="en-US" dirty="0">
+                <a:solidFill>
+                  <a:srgbClr val="212529"/>
+                </a:solidFill>
+                <a:latin typeface="+mj-lt"/>
+              </a:rPr>
+              <a:t>. [Online]. Available: </a:t>
+            </a:r>
+            <a:r>
+              <a:rPr lang="en-US" dirty="0" err="1">
+                <a:solidFill>
+                  <a:srgbClr val="212529"/>
+                </a:solidFill>
+                <a:latin typeface="+mj-lt"/>
+              </a:rPr>
+              <a:t>tutlane.com</a:t>
+            </a:r>
+            <a:r>
+              <a:rPr lang="en-US" dirty="0">
+                <a:solidFill>
+                  <a:srgbClr val="212529"/>
+                </a:solidFill>
+                <a:latin typeface="+mj-lt"/>
+              </a:rPr>
+              <a:t>. Accessed: 5/10/2019</a:t>
+            </a:r>
+          </a:p>
+          <a:p>
+            <a:pPr>
+              <a:lnSpc>
+                <a:spcPct val="150000"/>
+              </a:lnSpc>
+            </a:pPr>
+            <a:r>
+              <a:rPr lang="en-US" dirty="0">
+                <a:solidFill>
+                  <a:srgbClr val="212529"/>
+                </a:solidFill>
+                <a:latin typeface="+mj-lt"/>
+              </a:rPr>
+              <a:t>10. “Swagger UI”, Swagger. [Online]. Available: </a:t>
+            </a:r>
+            <a:r>
+              <a:rPr lang="en-US" dirty="0" err="1">
+                <a:solidFill>
+                  <a:srgbClr val="212529"/>
+                </a:solidFill>
+                <a:latin typeface="+mj-lt"/>
+              </a:rPr>
+              <a:t>swagger.io</a:t>
+            </a:r>
+            <a:r>
+              <a:rPr lang="en-US" dirty="0">
+                <a:solidFill>
+                  <a:srgbClr val="212529"/>
+                </a:solidFill>
+                <a:latin typeface="+mj-lt"/>
+              </a:rPr>
+              <a:t>. Accessed: 13/10/2019</a:t>
+            </a:r>
+          </a:p>
+          <a:p>
+            <a:pPr>
+              <a:lnSpc>
+                <a:spcPct val="150000"/>
+              </a:lnSpc>
+            </a:pPr>
+            <a:r>
+              <a:rPr lang="en-US" dirty="0">
+                <a:solidFill>
+                  <a:srgbClr val="212529"/>
+                </a:solidFill>
+                <a:latin typeface="+mj-lt"/>
+              </a:rPr>
+              <a:t>11. “ASP.NET Core 2.0 E-Commerce website based on microservices”, Udemy. [Online]. Available: </a:t>
+            </a:r>
+            <a:r>
+              <a:rPr lang="en-US" dirty="0" err="1">
+                <a:solidFill>
+                  <a:srgbClr val="212529"/>
+                </a:solidFill>
+                <a:latin typeface="+mj-lt"/>
+              </a:rPr>
+              <a:t>udemy.com</a:t>
+            </a:r>
+            <a:r>
+              <a:rPr lang="en-US" dirty="0">
+                <a:solidFill>
+                  <a:srgbClr val="212529"/>
+                </a:solidFill>
+                <a:latin typeface="+mj-lt"/>
+              </a:rPr>
+              <a:t>. Accessed: 25/9/2019</a:t>
+            </a:r>
+          </a:p>
+        </p:txBody>
+      </p:sp>
+    </p:spTree>
+    <p:extLst>
+      <p:ext uri="{BB962C8B-B14F-4D97-AF65-F5344CB8AC3E}">
+        <p14:creationId xmlns:p14="http://schemas.microsoft.com/office/powerpoint/2010/main" val="2936047039"/>
+      </p:ext>
+    </p:extLst>
+  </p:cSld>
+  <p:clrMapOvr>
+    <a:masterClrMapping/>
+  </p:clrMapOvr>
+  <mc:AlternateContent xmlns:mc="http://schemas.openxmlformats.org/markup-compatibility/2006">
+    <mc:Choice xmlns="" xmlns:p159="http://schemas.microsoft.com/office/powerpoint/2015/09/main" Requires="p159">
+      <p:transition xmlns:p14="http://schemas.microsoft.com/office/powerpoint/2010/main" spd="slow" p14:dur="2000">
+        <p159:morph option="byWord"/>
+      </p:transition>
+    </mc:Choice>
+    <mc:Fallback>
+      <p:transition spd="slow">
+        <p:fade/>
+      </p:transition>
+    </mc:Fallback>
+  </mc:AlternateContent>
+  <p:timing>
+    <p:tnLst>
+      <p:par>
+        <p:cTn id="1" dur="indefinite" restart="never" nodeType="tmRoot"/>
+      </p:par>
+    </p:tnLst>
+  </p:timing>
 </p:sld>
 </file>
 
@@ -12846,8 +15720,8 @@
         </p:nvSpPr>
         <p:spPr>
           <a:xfrm>
-            <a:off x="3242979" y="2459504"/>
-            <a:ext cx="5706042" cy="707886"/>
+            <a:off x="0" y="2459504"/>
+            <a:ext cx="12192000" cy="1015663"/>
           </a:xfrm>
           <a:prstGeom prst="rect">
             <a:avLst/>
@@ -12862,7 +15736,7 @@
           <a:p>
             <a:pPr algn="ctr"/>
             <a:r>
-              <a:rPr lang="en-US" sz="4000" b="1" dirty="0">
+              <a:rPr lang="en-US" sz="6000" b="1" dirty="0">
                 <a:solidFill>
                   <a:schemeClr val="bg2"/>
                 </a:solidFill>
@@ -12870,6 +15744,12 @@
               </a:rPr>
               <a:t>Microservices</a:t>
             </a:r>
+            <a:endParaRPr lang="en-US" sz="4000" b="1" dirty="0">
+              <a:solidFill>
+                <a:schemeClr val="bg2"/>
+              </a:solidFill>
+              <a:latin typeface="+mj-lt"/>
+            </a:endParaRPr>
           </a:p>
         </p:txBody>
       </p:sp>
@@ -12883,13 +15763,13 @@
   <p:clrMapOvr>
     <a:masterClrMapping/>
   </p:clrMapOvr>
-  <mc:AlternateContent xmlns:mc="http://schemas.openxmlformats.org/markup-compatibility/2006" xmlns:p159="http://schemas.microsoft.com/office/powerpoint/2015/09/main">
-    <mc:Choice Requires="p159">
+  <mc:AlternateContent xmlns:mc="http://schemas.openxmlformats.org/markup-compatibility/2006">
+    <mc:Choice xmlns="" xmlns:p159="http://schemas.microsoft.com/office/powerpoint/2015/09/main" Requires="p159">
       <p:transition xmlns:p14="http://schemas.microsoft.com/office/powerpoint/2010/main" spd="slow" p14:dur="2000">
         <p159:morph option="byWord"/>
       </p:transition>
     </mc:Choice>
-    <mc:Fallback xmlns="">
+    <mc:Fallback>
       <p:transition spd="slow">
         <p:fade/>
       </p:transition>
@@ -13042,13 +15922,13 @@
   <p:clrMapOvr>
     <a:masterClrMapping/>
   </p:clrMapOvr>
-  <mc:AlternateContent xmlns:mc="http://schemas.openxmlformats.org/markup-compatibility/2006" xmlns:p159="http://schemas.microsoft.com/office/powerpoint/2015/09/main">
-    <mc:Choice Requires="p159">
+  <mc:AlternateContent xmlns:mc="http://schemas.openxmlformats.org/markup-compatibility/2006">
+    <mc:Choice xmlns="" xmlns:p159="http://schemas.microsoft.com/office/powerpoint/2015/09/main" Requires="p159">
       <p:transition xmlns:p14="http://schemas.microsoft.com/office/powerpoint/2010/main" spd="slow" p14:dur="2000">
         <p159:morph option="byWord"/>
       </p:transition>
     </mc:Choice>
-    <mc:Fallback xmlns="">
+    <mc:Fallback>
       <p:transition spd="slow">
         <p:fade/>
       </p:transition>
@@ -13145,7 +16025,7 @@
           <p:nvPr/>
         </p:nvPicPr>
         <p:blipFill>
-          <a:blip r:embed="rId2">
+          <a:blip r:embed="rId3">
             <a:extLst>
               <a:ext uri="{28A0092B-C50C-407E-A947-70E740481C1C}">
                 <a14:useLocalDpi xmlns:a14="http://schemas.microsoft.com/office/drawing/2010/main" val="0"/>
@@ -13328,13 +16208,13 @@
   <p:clrMapOvr>
     <a:masterClrMapping/>
   </p:clrMapOvr>
-  <mc:AlternateContent xmlns:mc="http://schemas.openxmlformats.org/markup-compatibility/2006" xmlns:p159="http://schemas.microsoft.com/office/powerpoint/2015/09/main">
-    <mc:Choice Requires="p159">
+  <mc:AlternateContent xmlns:mc="http://schemas.openxmlformats.org/markup-compatibility/2006">
+    <mc:Choice xmlns="" xmlns:p159="http://schemas.microsoft.com/office/powerpoint/2015/09/main" Requires="p159">
       <p:transition xmlns:p14="http://schemas.microsoft.com/office/powerpoint/2010/main" spd="slow" p14:dur="2000">
         <p159:morph option="byWord"/>
       </p:transition>
     </mc:Choice>
-    <mc:Fallback xmlns="">
+    <mc:Fallback>
       <p:transition spd="slow">
         <p:fade/>
       </p:transition>
@@ -13487,13 +16367,13 @@
   <p:clrMapOvr>
     <a:masterClrMapping/>
   </p:clrMapOvr>
-  <mc:AlternateContent xmlns:mc="http://schemas.openxmlformats.org/markup-compatibility/2006" xmlns:p159="http://schemas.microsoft.com/office/powerpoint/2015/09/main">
-    <mc:Choice Requires="p159">
+  <mc:AlternateContent xmlns:mc="http://schemas.openxmlformats.org/markup-compatibility/2006">
+    <mc:Choice xmlns="" xmlns:p159="http://schemas.microsoft.com/office/powerpoint/2015/09/main" Requires="p159">
       <p:transition xmlns:p14="http://schemas.microsoft.com/office/powerpoint/2010/main" spd="slow" p14:dur="2000">
         <p159:morph option="byWord"/>
       </p:transition>
     </mc:Choice>
-    <mc:Fallback xmlns="">
+    <mc:Fallback>
       <p:transition spd="slow">
         <p:fade/>
       </p:transition>
